--- a/model/【モデル図】てなろぼ★ぷらいまりぃ_2025(アブストラクト).pptx
+++ b/model/【モデル図】てなろぼ★ぷらいまりぃ_2025(アブストラクト).pptx
@@ -7,18 +7,17 @@
     <p:sldMasterId id="2147483680" r:id="rId3"/>
   </p:sldMasterIdLst>
   <p:notesMasterIdLst>
-    <p:notesMasterId r:id="rId10"/>
+    <p:notesMasterId r:id="rId9"/>
   </p:notesMasterIdLst>
   <p:handoutMasterIdLst>
-    <p:handoutMasterId r:id="rId11"/>
+    <p:handoutMasterId r:id="rId10"/>
   </p:handoutMasterIdLst>
   <p:sldIdLst>
     <p:sldId id="278" r:id="rId4"/>
-    <p:sldId id="279" r:id="rId5"/>
+    <p:sldId id="259" r:id="rId5"/>
     <p:sldId id="260" r:id="rId6"/>
     <p:sldId id="276" r:id="rId7"/>
-    <p:sldId id="259" r:id="rId8"/>
-    <p:sldId id="280" r:id="rId9"/>
+    <p:sldId id="280" r:id="rId8"/>
   </p:sldIdLst>
   <p:sldSz cx="15119350" cy="10691813"/>
   <p:notesSz cx="14597063" cy="21107400"/>
@@ -153,14 +152,13 @@
         <p14:section name="アブストラクトページ（プライマリークラス）" id="{05F68B40-4021-4FFA-A734-7816717BBE8C}">
           <p14:sldIdLst>
             <p14:sldId id="278"/>
-            <p14:sldId id="279"/>
           </p14:sldIdLst>
         </p14:section>
         <p14:section name="モデル図ページ（プライマリークラス）" id="{8B2B3982-7BAC-4EE5-974E-E0EE0719EC85}">
           <p14:sldIdLst>
+            <p14:sldId id="259"/>
             <p14:sldId id="260"/>
             <p14:sldId id="276"/>
-            <p14:sldId id="259"/>
             <p14:sldId id="280"/>
           </p14:sldIdLst>
         </p14:section>
@@ -599,7 +597,7 @@
           <inkml:channelProperty channel="F" name="resolution" value="0" units="1/dev"/>
         </inkml:channelProperties>
       </inkml:inkSource>
-      <inkml:timestamp xml:id="ts0" timeString="2025-07-12T04:30:12.646"/>
+      <inkml:timestamp xml:id="ts0" timeString="2025-06-03T13:24:14.518"/>
     </inkml:context>
     <inkml:brush xml:id="br0">
       <inkml:brushProperty name="width" value="0.035" units="cm"/>
@@ -627,7 +625,7 @@
           <inkml:channelProperty channel="F" name="resolution" value="0" units="1/dev"/>
         </inkml:channelProperties>
       </inkml:inkSource>
-      <inkml:timestamp xml:id="ts0" timeString="2025-07-12T04:30:12.647"/>
+      <inkml:timestamp xml:id="ts0" timeString="2025-06-03T13:24:55.078"/>
     </inkml:context>
     <inkml:brush xml:id="br0">
       <inkml:brushProperty name="width" value="0.035" units="cm"/>
@@ -655,7 +653,7 @@
           <inkml:channelProperty channel="F" name="resolution" value="0" units="1/dev"/>
         </inkml:channelProperties>
       </inkml:inkSource>
-      <inkml:timestamp xml:id="ts0" timeString="2025-08-19T14:19:04.254"/>
+      <inkml:timestamp xml:id="ts0" timeString="2025-07-12T04:30:12.646"/>
     </inkml:context>
     <inkml:brush xml:id="br0">
       <inkml:brushProperty name="width" value="0.035" units="cm"/>
@@ -683,7 +681,7 @@
           <inkml:channelProperty channel="F" name="resolution" value="0" units="1/dev"/>
         </inkml:channelProperties>
       </inkml:inkSource>
-      <inkml:timestamp xml:id="ts0" timeString="2025-08-19T14:19:04.255"/>
+      <inkml:timestamp xml:id="ts0" timeString="2025-07-12T04:30:12.647"/>
     </inkml:context>
     <inkml:brush xml:id="br0">
       <inkml:brushProperty name="width" value="0.035" units="cm"/>
@@ -711,7 +709,7 @@
           <inkml:channelProperty channel="F" name="resolution" value="0" units="1/dev"/>
         </inkml:channelProperties>
       </inkml:inkSource>
-      <inkml:timestamp xml:id="ts0" timeString="2025-06-03T13:24:14.518"/>
+      <inkml:timestamp xml:id="ts0" timeString="2025-08-19T14:19:04.254"/>
     </inkml:context>
     <inkml:brush xml:id="br0">
       <inkml:brushProperty name="width" value="0.035" units="cm"/>
@@ -739,7 +737,7 @@
           <inkml:channelProperty channel="F" name="resolution" value="0" units="1/dev"/>
         </inkml:channelProperties>
       </inkml:inkSource>
-      <inkml:timestamp xml:id="ts0" timeString="2025-06-03T13:24:55.078"/>
+      <inkml:timestamp xml:id="ts0" timeString="2025-08-19T14:19:04.255"/>
     </inkml:context>
     <inkml:brush xml:id="br0">
       <inkml:brushProperty name="width" value="0.035" units="cm"/>
@@ -5730,8 +5728,8 @@
         </p:nvSpPr>
         <p:spPr bwMode="auto">
           <a:xfrm>
-            <a:off x="214860" y="2048052"/>
-            <a:ext cx="7104254" cy="3808482"/>
+            <a:off x="214860" y="2048051"/>
+            <a:ext cx="7104254" cy="4061293"/>
           </a:xfrm>
           <a:prstGeom prst="rect">
             <a:avLst/>
@@ -5890,189 +5888,6 @@
               <a:latin typeface="UD デジタル 教科書体 NP" panose="02020400000000000000" pitchFamily="18" charset="-128"/>
               <a:ea typeface="UD デジタル 教科書体 NP" panose="02020400000000000000" pitchFamily="18" charset="-128"/>
             </a:endParaRPr>
-          </a:p>
-          <a:p>
-            <a:pPr marL="0" indent="0"/>
-            <a:r>
-              <a:rPr lang="en-US" altLang="ja-JP" dirty="0">
-                <a:latin typeface="UD デジタル 教科書体 NP" panose="02020400000000000000" pitchFamily="18" charset="-128"/>
-                <a:ea typeface="UD デジタル 教科書体 NP" panose="02020400000000000000" pitchFamily="18" charset="-128"/>
-              </a:rPr>
-              <a:t>【</a:t>
-            </a:r>
-            <a:r>
-              <a:rPr lang="ja-JP" altLang="en-US" dirty="0">
-                <a:latin typeface="UD デジタル 教科書体 NP" panose="02020400000000000000" pitchFamily="18" charset="-128"/>
-                <a:ea typeface="UD デジタル 教科書体 NP" panose="02020400000000000000" pitchFamily="18" charset="-128"/>
-              </a:rPr>
-              <a:t>チーム紹介</a:t>
-            </a:r>
-            <a:r>
-              <a:rPr lang="en-US" altLang="ja-JP" dirty="0">
-                <a:latin typeface="UD デジタル 教科書体 NP" panose="02020400000000000000" pitchFamily="18" charset="-128"/>
-                <a:ea typeface="UD デジタル 教科書体 NP" panose="02020400000000000000" pitchFamily="18" charset="-128"/>
-              </a:rPr>
-              <a:t>】</a:t>
-            </a:r>
-            <a:br>
-              <a:rPr lang="en-US" altLang="ja-JP" dirty="0">
-                <a:latin typeface="UD デジタル 教科書体 NP" panose="02020400000000000000" pitchFamily="18" charset="-128"/>
-                <a:ea typeface="UD デジタル 教科書体 NP" panose="02020400000000000000" pitchFamily="18" charset="-128"/>
-              </a:rPr>
-            </a:br>
-            <a:r>
-              <a:rPr lang="ja-JP" altLang="en-US" dirty="0">
-                <a:latin typeface="UD デジタル 教科書体 NP" panose="02020400000000000000" pitchFamily="18" charset="-128"/>
-                <a:ea typeface="UD デジタル 教科書体 NP" panose="02020400000000000000" pitchFamily="18" charset="-128"/>
-              </a:rPr>
-              <a:t>私たち「てなろぼ★ぷらいまりぃ」は、株式会社システナ大阪支社ロボット制御ワーキンググループの松山事業所所属メンバーで構成されたチームです。</a:t>
-            </a:r>
-            <a:endParaRPr lang="en-US" altLang="ja-JP" dirty="0">
-              <a:latin typeface="UD デジタル 教科書体 NP" panose="02020400000000000000" pitchFamily="18" charset="-128"/>
-              <a:ea typeface="UD デジタル 教科書体 NP" panose="02020400000000000000" pitchFamily="18" charset="-128"/>
-            </a:endParaRPr>
-          </a:p>
-          <a:p>
-            <a:pPr marL="0" indent="0"/>
-            <a:r>
-              <a:rPr lang="ja-JP" altLang="en-US" dirty="0">
-                <a:latin typeface="UD デジタル 教科書体 NP" panose="02020400000000000000" pitchFamily="18" charset="-128"/>
-                <a:ea typeface="UD デジタル 教科書体 NP" panose="02020400000000000000" pitchFamily="18" charset="-128"/>
-              </a:rPr>
-              <a:t>昨年度、同名チームが大阪から参加していましたが、松山からの参加は今大会が初めてとなります。</a:t>
-            </a:r>
-            <a:endParaRPr lang="en-US" altLang="ja-JP" dirty="0">
-              <a:latin typeface="UD デジタル 教科書体 NP" panose="02020400000000000000" pitchFamily="18" charset="-128"/>
-              <a:ea typeface="UD デジタル 教科書体 NP" panose="02020400000000000000" pitchFamily="18" charset="-128"/>
-            </a:endParaRPr>
-          </a:p>
-          <a:p>
-            <a:pPr marL="0" indent="0"/>
-            <a:endParaRPr lang="en-US" altLang="ja-JP" dirty="0">
-              <a:latin typeface="UD デジタル 教科書体 NP" panose="02020400000000000000" pitchFamily="18" charset="-128"/>
-              <a:ea typeface="UD デジタル 教科書体 NP" panose="02020400000000000000" pitchFamily="18" charset="-128"/>
-            </a:endParaRPr>
-          </a:p>
-          <a:p>
-            <a:pPr marL="0" indent="0"/>
-            <a:r>
-              <a:rPr lang="en-US" altLang="ja-JP" dirty="0">
-                <a:latin typeface="UD デジタル 教科書体 NP" panose="02020400000000000000" pitchFamily="18" charset="-128"/>
-                <a:ea typeface="UD デジタル 教科書体 NP" panose="02020400000000000000" pitchFamily="18" charset="-128"/>
-              </a:rPr>
-              <a:t>【</a:t>
-            </a:r>
-            <a:r>
-              <a:rPr lang="ja-JP" altLang="en-US" dirty="0">
-                <a:latin typeface="UD デジタル 教科書体 NP" panose="02020400000000000000" pitchFamily="18" charset="-128"/>
-                <a:ea typeface="UD デジタル 教科書体 NP" panose="02020400000000000000" pitchFamily="18" charset="-128"/>
-              </a:rPr>
-              <a:t>目標</a:t>
-            </a:r>
-            <a:r>
-              <a:rPr lang="en-US" altLang="ja-JP" dirty="0">
-                <a:latin typeface="UD デジタル 教科書体 NP" panose="02020400000000000000" pitchFamily="18" charset="-128"/>
-                <a:ea typeface="UD デジタル 教科書体 NP" panose="02020400000000000000" pitchFamily="18" charset="-128"/>
-              </a:rPr>
-              <a:t>】</a:t>
-            </a:r>
-          </a:p>
-          <a:p>
-            <a:pPr marL="0" indent="0"/>
-            <a:r>
-              <a:rPr lang="ja-JP" altLang="en-US" dirty="0">
-                <a:latin typeface="UD デジタル 教科書体 NP" panose="02020400000000000000" pitchFamily="18" charset="-128"/>
-                <a:ea typeface="UD デジタル 教科書体 NP" panose="02020400000000000000" pitchFamily="18" charset="-128"/>
-              </a:rPr>
-              <a:t>・</a:t>
-            </a:r>
-            <a:r>
-              <a:rPr lang="en-US" altLang="ja-JP" dirty="0">
-                <a:latin typeface="UD デジタル 教科書体 NP" panose="02020400000000000000" pitchFamily="18" charset="-128"/>
-                <a:ea typeface="UD デジタル 教科書体 NP" panose="02020400000000000000" pitchFamily="18" charset="-128"/>
-              </a:rPr>
-              <a:t>15</a:t>
-            </a:r>
-            <a:r>
-              <a:rPr lang="ja-JP" altLang="en-US" dirty="0">
-                <a:latin typeface="UD デジタル 教科書体 NP" panose="02020400000000000000" pitchFamily="18" charset="-128"/>
-                <a:ea typeface="UD デジタル 教科書体 NP" panose="02020400000000000000" pitchFamily="18" charset="-128"/>
-              </a:rPr>
-              <a:t>秒で</a:t>
-            </a:r>
-            <a:r>
-              <a:rPr lang="en-US" altLang="ja-JP" dirty="0">
-                <a:latin typeface="UD デジタル 教科書体 NP" panose="02020400000000000000" pitchFamily="18" charset="-128"/>
-                <a:ea typeface="UD デジタル 教科書体 NP" panose="02020400000000000000" pitchFamily="18" charset="-128"/>
-              </a:rPr>
-              <a:t>LAP</a:t>
-            </a:r>
-            <a:r>
-              <a:rPr lang="ja-JP" altLang="en-US" dirty="0">
-                <a:latin typeface="UD デジタル 教科書体 NP" panose="02020400000000000000" pitchFamily="18" charset="-128"/>
-                <a:ea typeface="UD デジタル 教科書体 NP" panose="02020400000000000000" pitchFamily="18" charset="-128"/>
-              </a:rPr>
-              <a:t>までを走行する</a:t>
-            </a:r>
-            <a:endParaRPr lang="en-US" altLang="ja-JP" dirty="0">
-              <a:latin typeface="UD デジタル 教科書体 NP" panose="02020400000000000000" pitchFamily="18" charset="-128"/>
-              <a:ea typeface="UD デジタル 教科書体 NP" panose="02020400000000000000" pitchFamily="18" charset="-128"/>
-            </a:endParaRPr>
-          </a:p>
-          <a:p>
-            <a:pPr marL="0" indent="0"/>
-            <a:r>
-              <a:rPr lang="ja-JP" altLang="en-US" dirty="0">
-                <a:latin typeface="UD デジタル 教科書体 NP" panose="02020400000000000000" pitchFamily="18" charset="-128"/>
-                <a:ea typeface="UD デジタル 教科書体 NP" panose="02020400000000000000" pitchFamily="18" charset="-128"/>
-              </a:rPr>
-              <a:t>・ダブルループですべてのゲートを通過する</a:t>
-            </a:r>
-            <a:endParaRPr lang="en-US" altLang="ja-JP" dirty="0">
-              <a:latin typeface="UD デジタル 教科書体 NP" panose="02020400000000000000" pitchFamily="18" charset="-128"/>
-              <a:ea typeface="UD デジタル 教科書体 NP" panose="02020400000000000000" pitchFamily="18" charset="-128"/>
-            </a:endParaRPr>
-          </a:p>
-          <a:p>
-            <a:pPr marL="0" indent="0"/>
-            <a:endParaRPr lang="en-US" altLang="ja-JP" dirty="0">
-              <a:latin typeface="UD デジタル 教科書体 NP" panose="02020400000000000000" pitchFamily="18" charset="-128"/>
-              <a:ea typeface="UD デジタル 教科書体 NP" panose="02020400000000000000" pitchFamily="18" charset="-128"/>
-            </a:endParaRPr>
-          </a:p>
-          <a:p>
-            <a:pPr marL="0" indent="0"/>
-            <a:r>
-              <a:rPr lang="en-US" altLang="ja-JP" dirty="0">
-                <a:latin typeface="UD デジタル 教科書体 NP" panose="02020400000000000000" pitchFamily="18" charset="-128"/>
-                <a:ea typeface="UD デジタル 教科書体 NP" panose="02020400000000000000" pitchFamily="18" charset="-128"/>
-              </a:rPr>
-              <a:t>【</a:t>
-            </a:r>
-            <a:r>
-              <a:rPr lang="ja-JP" altLang="en-US" dirty="0">
-                <a:latin typeface="UD デジタル 教科書体 NP" panose="02020400000000000000" pitchFamily="18" charset="-128"/>
-                <a:ea typeface="UD デジタル 教科書体 NP" panose="02020400000000000000" pitchFamily="18" charset="-128"/>
-              </a:rPr>
-              <a:t>意気込み</a:t>
-            </a:r>
-            <a:r>
-              <a:rPr lang="en-US" altLang="ja-JP" dirty="0">
-                <a:latin typeface="UD デジタル 教科書体 NP" panose="02020400000000000000" pitchFamily="18" charset="-128"/>
-                <a:ea typeface="UD デジタル 教科書体 NP" panose="02020400000000000000" pitchFamily="18" charset="-128"/>
-              </a:rPr>
-              <a:t>】</a:t>
-            </a:r>
-          </a:p>
-          <a:p>
-            <a:pPr marL="0" indent="0"/>
-            <a:r>
-              <a:rPr lang="ja-JP" altLang="en-US" dirty="0">
-                <a:latin typeface="UD デジタル 教科書体 NP" panose="02020400000000000000" pitchFamily="18" charset="-128"/>
-                <a:ea typeface="UD デジタル 教科書体 NP" panose="02020400000000000000" pitchFamily="18" charset="-128"/>
-              </a:rPr>
-              <a:t>・</a:t>
-            </a:r>
           </a:p>
         </p:txBody>
       </p:sp>
@@ -6092,8 +5907,8 @@
         </p:nvSpPr>
         <p:spPr bwMode="auto">
           <a:xfrm>
-            <a:off x="214860" y="6054252"/>
-            <a:ext cx="7104254" cy="4343465"/>
+            <a:off x="214860" y="6278786"/>
+            <a:ext cx="7104254" cy="4118931"/>
           </a:xfrm>
           <a:prstGeom prst="rect">
             <a:avLst/>
@@ -7292,13 +7107,13 @@
           <p:nvPr>
             <p:extLst>
               <p:ext uri="{D42A27DB-BD31-4B8C-83A1-F6EECF244321}">
-                <p14:modId xmlns:p14="http://schemas.microsoft.com/office/powerpoint/2010/main" val="2518730184"/>
+                <p14:modId xmlns:p14="http://schemas.microsoft.com/office/powerpoint/2010/main" val="4191221689"/>
               </p:ext>
             </p:extLst>
           </p:nvPr>
         </p:nvGraphicFramePr>
         <p:xfrm>
-          <a:off x="554977" y="6604094"/>
+          <a:off x="554977" y="6845704"/>
           <a:ext cx="6424020" cy="3461875"/>
         </p:xfrm>
         <a:graphic>
@@ -7724,6 +7539,542 @@
           </a:graphicData>
         </a:graphic>
       </p:graphicFrame>
+      <p:graphicFrame>
+        <p:nvGraphicFramePr>
+          <p:cNvPr id="2" name="表 1">
+            <a:extLst>
+              <a:ext uri="{FF2B5EF4-FFF2-40B4-BE49-F238E27FC236}">
+                <a16:creationId xmlns:a16="http://schemas.microsoft.com/office/drawing/2014/main" id="{ADCA49D0-025D-CF34-73F7-8D587EBE2C5F}"/>
+              </a:ext>
+            </a:extLst>
+          </p:cNvPr>
+          <p:cNvGraphicFramePr>
+            <a:graphicFrameLocks noGrp="1"/>
+          </p:cNvGraphicFramePr>
+          <p:nvPr>
+            <p:extLst>
+              <p:ext uri="{D42A27DB-BD31-4B8C-83A1-F6EECF244321}">
+                <p14:modId xmlns:p14="http://schemas.microsoft.com/office/powerpoint/2010/main" val="206523626"/>
+              </p:ext>
+            </p:extLst>
+          </p:nvPr>
+        </p:nvGraphicFramePr>
+        <p:xfrm>
+          <a:off x="554977" y="2470304"/>
+          <a:ext cx="6424020" cy="3451666"/>
+        </p:xfrm>
+        <a:graphic>
+          <a:graphicData uri="http://schemas.openxmlformats.org/drawingml/2006/table">
+            <a:tbl>
+              <a:tblPr firstRow="1" bandRow="1">
+                <a:tableStyleId>{5C22544A-7EE6-4342-B048-85BDC9FD1C3A}</a:tableStyleId>
+              </a:tblPr>
+              <a:tblGrid>
+                <a:gridCol w="1283715">
+                  <a:extLst>
+                    <a:ext uri="{9D8B030D-6E8A-4147-A177-3AD203B41FA5}">
+                      <a16:colId xmlns:a16="http://schemas.microsoft.com/office/drawing/2014/main" val="2518783926"/>
+                    </a:ext>
+                  </a:extLst>
+                </a:gridCol>
+                <a:gridCol w="5140305">
+                  <a:extLst>
+                    <a:ext uri="{9D8B030D-6E8A-4147-A177-3AD203B41FA5}">
+                      <a16:colId xmlns:a16="http://schemas.microsoft.com/office/drawing/2014/main" val="1922287469"/>
+                    </a:ext>
+                  </a:extLst>
+                </a:gridCol>
+              </a:tblGrid>
+              <a:tr h="1964364">
+                <a:tc>
+                  <a:txBody>
+                    <a:bodyPr/>
+                    <a:lstStyle/>
+                    <a:p>
+                      <a:pPr algn="ctr"/>
+                      <a:r>
+                        <a:rPr kumimoji="1" lang="ja-JP" altLang="en-US" b="0" dirty="0">
+                          <a:solidFill>
+                            <a:schemeClr val="tx1">
+                              <a:lumMod val="85000"/>
+                              <a:lumOff val="15000"/>
+                            </a:schemeClr>
+                          </a:solidFill>
+                          <a:latin typeface="メイリオ" panose="020B0604030504040204" pitchFamily="50" charset="-128"/>
+                          <a:ea typeface="メイリオ" panose="020B0604030504040204" pitchFamily="50" charset="-128"/>
+                        </a:rPr>
+                        <a:t>チーム紹介</a:t>
+                      </a:r>
+                    </a:p>
+                  </a:txBody>
+                  <a:tcPr anchor="ctr">
+                    <a:lnL w="12700" cmpd="sng">
+                      <a:noFill/>
+                    </a:lnL>
+                    <a:lnR w="12700" cap="flat" cmpd="sng" algn="ctr">
+                      <a:noFill/>
+                      <a:prstDash val="solid"/>
+                      <a:round/>
+                      <a:headEnd type="none" w="med" len="med"/>
+                      <a:tailEnd type="none" w="med" len="med"/>
+                    </a:lnR>
+                    <a:lnT w="12700" cmpd="sng">
+                      <a:noFill/>
+                    </a:lnT>
+                    <a:lnB w="12700" cap="flat" cmpd="sng" algn="ctr">
+                      <a:solidFill>
+                        <a:schemeClr val="tx1"/>
+                      </a:solidFill>
+                      <a:prstDash val="solid"/>
+                      <a:round/>
+                      <a:headEnd type="none" w="med" len="med"/>
+                      <a:tailEnd type="none" w="med" len="med"/>
+                    </a:lnB>
+                    <a:lnTlToBr w="12700" cmpd="sng">
+                      <a:noFill/>
+                      <a:prstDash val="solid"/>
+                    </a:lnTlToBr>
+                    <a:lnBlToTr w="12700" cmpd="sng">
+                      <a:noFill/>
+                      <a:prstDash val="solid"/>
+                    </a:lnBlToTr>
+                    <a:noFill/>
+                  </a:tcPr>
+                </a:tc>
+                <a:tc>
+                  <a:txBody>
+                    <a:bodyPr/>
+                    <a:lstStyle/>
+                    <a:p>
+                      <a:pPr marL="285750" indent="-285750">
+                        <a:buFont typeface="Arial" panose="020B0604020202020204" pitchFamily="34" charset="0"/>
+                        <a:buChar char="•"/>
+                      </a:pPr>
+                      <a:r>
+                        <a:rPr lang="ja-JP" altLang="en-US" b="0" dirty="0">
+                          <a:solidFill>
+                            <a:schemeClr val="tx1">
+                              <a:lumMod val="85000"/>
+                              <a:lumOff val="15000"/>
+                            </a:schemeClr>
+                          </a:solidFill>
+                          <a:latin typeface="メイリオ" panose="020B0604030504040204" pitchFamily="50" charset="-128"/>
+                          <a:ea typeface="メイリオ" panose="020B0604030504040204" pitchFamily="50" charset="-128"/>
+                        </a:rPr>
+                        <a:t>私たち「てなろぼ★ぷらいまりぃ」は、株式会社システナ大阪支社ロボット制御ワーキンググループの松山事業所所属メンバーで構成されたチームです。</a:t>
+                      </a:r>
+                      <a:endParaRPr lang="en-US" altLang="ja-JP" b="0" dirty="0">
+                        <a:solidFill>
+                          <a:schemeClr val="tx1">
+                            <a:lumMod val="85000"/>
+                            <a:lumOff val="15000"/>
+                          </a:schemeClr>
+                        </a:solidFill>
+                        <a:latin typeface="メイリオ" panose="020B0604030504040204" pitchFamily="50" charset="-128"/>
+                        <a:ea typeface="メイリオ" panose="020B0604030504040204" pitchFamily="50" charset="-128"/>
+                      </a:endParaRPr>
+                    </a:p>
+                    <a:p>
+                      <a:pPr marL="285750" indent="-285750">
+                        <a:buFont typeface="Arial" panose="020B0604020202020204" pitchFamily="34" charset="0"/>
+                        <a:buChar char="•"/>
+                      </a:pPr>
+                      <a:r>
+                        <a:rPr lang="ja-JP" altLang="en-US" b="0" dirty="0">
+                          <a:solidFill>
+                            <a:schemeClr val="tx1">
+                              <a:lumMod val="85000"/>
+                              <a:lumOff val="15000"/>
+                            </a:schemeClr>
+                          </a:solidFill>
+                          <a:latin typeface="メイリオ" panose="020B0604030504040204" pitchFamily="50" charset="-128"/>
+                          <a:ea typeface="メイリオ" panose="020B0604030504040204" pitchFamily="50" charset="-128"/>
+                        </a:rPr>
+                        <a:t>昨年度、同名チームが大阪から参加していましたが、松山からの参加は今大会が初めてとなります。</a:t>
+                      </a:r>
+                      <a:endParaRPr lang="en-US" altLang="ja-JP" b="0" dirty="0">
+                        <a:solidFill>
+                          <a:schemeClr val="tx1">
+                            <a:lumMod val="85000"/>
+                            <a:lumOff val="15000"/>
+                          </a:schemeClr>
+                        </a:solidFill>
+                        <a:latin typeface="メイリオ" panose="020B0604030504040204" pitchFamily="50" charset="-128"/>
+                        <a:ea typeface="メイリオ" panose="020B0604030504040204" pitchFamily="50" charset="-128"/>
+                      </a:endParaRPr>
+                    </a:p>
+                  </a:txBody>
+                  <a:tcPr anchor="ctr">
+                    <a:lnL w="12700" cap="flat" cmpd="sng" algn="ctr">
+                      <a:noFill/>
+                      <a:prstDash val="solid"/>
+                      <a:round/>
+                      <a:headEnd type="none" w="med" len="med"/>
+                      <a:tailEnd type="none" w="med" len="med"/>
+                    </a:lnL>
+                    <a:lnR w="12700" cmpd="sng">
+                      <a:noFill/>
+                    </a:lnR>
+                    <a:lnT w="12700" cmpd="sng">
+                      <a:noFill/>
+                    </a:lnT>
+                    <a:lnB w="12700" cap="flat" cmpd="sng" algn="ctr">
+                      <a:solidFill>
+                        <a:schemeClr val="tx1"/>
+                      </a:solidFill>
+                      <a:prstDash val="solid"/>
+                      <a:round/>
+                      <a:headEnd type="none" w="med" len="med"/>
+                      <a:tailEnd type="none" w="med" len="med"/>
+                    </a:lnB>
+                    <a:lnTlToBr w="12700" cmpd="sng">
+                      <a:noFill/>
+                      <a:prstDash val="solid"/>
+                    </a:lnTlToBr>
+                    <a:lnBlToTr w="12700" cmpd="sng">
+                      <a:noFill/>
+                      <a:prstDash val="solid"/>
+                    </a:lnBlToTr>
+                    <a:noFill/>
+                  </a:tcPr>
+                </a:tc>
+                <a:extLst>
+                  <a:ext uri="{0D108BD9-81ED-4DB2-BD59-A6C34878D82A}">
+                    <a16:rowId xmlns:a16="http://schemas.microsoft.com/office/drawing/2014/main" val="2038759842"/>
+                  </a:ext>
+                </a:extLst>
+              </a:tr>
+              <a:tr h="743651">
+                <a:tc>
+                  <a:txBody>
+                    <a:bodyPr/>
+                    <a:lstStyle/>
+                    <a:p>
+                      <a:pPr algn="ctr"/>
+                      <a:r>
+                        <a:rPr kumimoji="1" lang="ja-JP" altLang="en-US" b="0" dirty="0">
+                          <a:solidFill>
+                            <a:schemeClr val="tx1">
+                              <a:lumMod val="85000"/>
+                              <a:lumOff val="15000"/>
+                            </a:schemeClr>
+                          </a:solidFill>
+                          <a:latin typeface="メイリオ" panose="020B0604030504040204" pitchFamily="50" charset="-128"/>
+                          <a:ea typeface="メイリオ" panose="020B0604030504040204" pitchFamily="50" charset="-128"/>
+                        </a:rPr>
+                        <a:t>目標</a:t>
+                      </a:r>
+                    </a:p>
+                  </a:txBody>
+                  <a:tcPr anchor="ctr">
+                    <a:lnL w="12700" cmpd="sng">
+                      <a:noFill/>
+                    </a:lnL>
+                    <a:lnR w="12700" cap="flat" cmpd="sng" algn="ctr">
+                      <a:noFill/>
+                      <a:prstDash val="solid"/>
+                      <a:round/>
+                      <a:headEnd type="none" w="med" len="med"/>
+                      <a:tailEnd type="none" w="med" len="med"/>
+                    </a:lnR>
+                    <a:lnT w="12700" cap="flat" cmpd="sng" algn="ctr">
+                      <a:solidFill>
+                        <a:schemeClr val="tx1"/>
+                      </a:solidFill>
+                      <a:prstDash val="solid"/>
+                      <a:round/>
+                      <a:headEnd type="none" w="med" len="med"/>
+                      <a:tailEnd type="none" w="med" len="med"/>
+                    </a:lnT>
+                    <a:lnB w="12700" cap="flat" cmpd="sng" algn="ctr">
+                      <a:solidFill>
+                        <a:schemeClr val="tx1"/>
+                      </a:solidFill>
+                      <a:prstDash val="solid"/>
+                      <a:round/>
+                      <a:headEnd type="none" w="med" len="med"/>
+                      <a:tailEnd type="none" w="med" len="med"/>
+                    </a:lnB>
+                    <a:lnTlToBr w="12700" cmpd="sng">
+                      <a:noFill/>
+                      <a:prstDash val="solid"/>
+                    </a:lnTlToBr>
+                    <a:lnBlToTr w="12700" cmpd="sng">
+                      <a:noFill/>
+                      <a:prstDash val="solid"/>
+                    </a:lnBlToTr>
+                    <a:noFill/>
+                  </a:tcPr>
+                </a:tc>
+                <a:tc>
+                  <a:txBody>
+                    <a:bodyPr/>
+                    <a:lstStyle/>
+                    <a:p>
+                      <a:pPr marL="285750" indent="-285750">
+                        <a:buFont typeface="Arial" panose="020B0604020202020204" pitchFamily="34" charset="0"/>
+                        <a:buChar char="•"/>
+                      </a:pPr>
+                      <a:r>
+                        <a:rPr lang="en-US" altLang="ja-JP" dirty="0">
+                          <a:solidFill>
+                            <a:schemeClr val="tx1">
+                              <a:lumMod val="85000"/>
+                              <a:lumOff val="15000"/>
+                            </a:schemeClr>
+                          </a:solidFill>
+                          <a:latin typeface="メイリオ" panose="020B0604030504040204" pitchFamily="50" charset="-128"/>
+                          <a:ea typeface="メイリオ" panose="020B0604030504040204" pitchFamily="50" charset="-128"/>
+                        </a:rPr>
+                        <a:t>15</a:t>
+                      </a:r>
+                      <a:r>
+                        <a:rPr lang="ja-JP" altLang="en-US" dirty="0">
+                          <a:solidFill>
+                            <a:schemeClr val="tx1">
+                              <a:lumMod val="85000"/>
+                              <a:lumOff val="15000"/>
+                            </a:schemeClr>
+                          </a:solidFill>
+                          <a:latin typeface="メイリオ" panose="020B0604030504040204" pitchFamily="50" charset="-128"/>
+                          <a:ea typeface="メイリオ" panose="020B0604030504040204" pitchFamily="50" charset="-128"/>
+                        </a:rPr>
+                        <a:t>秒で</a:t>
+                      </a:r>
+                      <a:r>
+                        <a:rPr lang="en-US" altLang="ja-JP" dirty="0">
+                          <a:solidFill>
+                            <a:schemeClr val="tx1">
+                              <a:lumMod val="85000"/>
+                              <a:lumOff val="15000"/>
+                            </a:schemeClr>
+                          </a:solidFill>
+                          <a:latin typeface="メイリオ" panose="020B0604030504040204" pitchFamily="50" charset="-128"/>
+                          <a:ea typeface="メイリオ" panose="020B0604030504040204" pitchFamily="50" charset="-128"/>
+                        </a:rPr>
+                        <a:t>LAP</a:t>
+                      </a:r>
+                      <a:r>
+                        <a:rPr lang="ja-JP" altLang="en-US" dirty="0">
+                          <a:solidFill>
+                            <a:schemeClr val="tx1">
+                              <a:lumMod val="85000"/>
+                              <a:lumOff val="15000"/>
+                            </a:schemeClr>
+                          </a:solidFill>
+                          <a:latin typeface="メイリオ" panose="020B0604030504040204" pitchFamily="50" charset="-128"/>
+                          <a:ea typeface="メイリオ" panose="020B0604030504040204" pitchFamily="50" charset="-128"/>
+                        </a:rPr>
+                        <a:t>までを走行する</a:t>
+                      </a:r>
+                      <a:endParaRPr lang="en-US" altLang="ja-JP" dirty="0">
+                        <a:solidFill>
+                          <a:schemeClr val="tx1">
+                            <a:lumMod val="85000"/>
+                            <a:lumOff val="15000"/>
+                          </a:schemeClr>
+                        </a:solidFill>
+                        <a:latin typeface="メイリオ" panose="020B0604030504040204" pitchFamily="50" charset="-128"/>
+                        <a:ea typeface="メイリオ" panose="020B0604030504040204" pitchFamily="50" charset="-128"/>
+                      </a:endParaRPr>
+                    </a:p>
+                    <a:p>
+                      <a:pPr marL="285750" indent="-285750">
+                        <a:buFont typeface="Arial" panose="020B0604020202020204" pitchFamily="34" charset="0"/>
+                        <a:buChar char="•"/>
+                      </a:pPr>
+                      <a:r>
+                        <a:rPr lang="ja-JP" altLang="en-US" dirty="0">
+                          <a:solidFill>
+                            <a:schemeClr val="tx1">
+                              <a:lumMod val="85000"/>
+                              <a:lumOff val="15000"/>
+                            </a:schemeClr>
+                          </a:solidFill>
+                          <a:latin typeface="メイリオ" panose="020B0604030504040204" pitchFamily="50" charset="-128"/>
+                          <a:ea typeface="メイリオ" panose="020B0604030504040204" pitchFamily="50" charset="-128"/>
+                        </a:rPr>
+                        <a:t>ダブルループですべてのゲートを通過する</a:t>
+                      </a:r>
+                      <a:endParaRPr lang="en-US" altLang="ja-JP" dirty="0">
+                        <a:solidFill>
+                          <a:schemeClr val="tx1">
+                            <a:lumMod val="85000"/>
+                            <a:lumOff val="15000"/>
+                          </a:schemeClr>
+                        </a:solidFill>
+                        <a:latin typeface="メイリオ" panose="020B0604030504040204" pitchFamily="50" charset="-128"/>
+                        <a:ea typeface="メイリオ" panose="020B0604030504040204" pitchFamily="50" charset="-128"/>
+                      </a:endParaRPr>
+                    </a:p>
+                  </a:txBody>
+                  <a:tcPr anchor="ctr">
+                    <a:lnL w="12700" cap="flat" cmpd="sng" algn="ctr">
+                      <a:noFill/>
+                      <a:prstDash val="solid"/>
+                      <a:round/>
+                      <a:headEnd type="none" w="med" len="med"/>
+                      <a:tailEnd type="none" w="med" len="med"/>
+                    </a:lnL>
+                    <a:lnR w="12700" cmpd="sng">
+                      <a:noFill/>
+                    </a:lnR>
+                    <a:lnT w="12700" cap="flat" cmpd="sng" algn="ctr">
+                      <a:solidFill>
+                        <a:schemeClr val="tx1"/>
+                      </a:solidFill>
+                      <a:prstDash val="solid"/>
+                      <a:round/>
+                      <a:headEnd type="none" w="med" len="med"/>
+                      <a:tailEnd type="none" w="med" len="med"/>
+                    </a:lnT>
+                    <a:lnB w="12700" cap="flat" cmpd="sng" algn="ctr">
+                      <a:solidFill>
+                        <a:schemeClr val="tx1"/>
+                      </a:solidFill>
+                      <a:prstDash val="solid"/>
+                      <a:round/>
+                      <a:headEnd type="none" w="med" len="med"/>
+                      <a:tailEnd type="none" w="med" len="med"/>
+                    </a:lnB>
+                    <a:lnTlToBr w="12700" cmpd="sng">
+                      <a:noFill/>
+                      <a:prstDash val="solid"/>
+                    </a:lnTlToBr>
+                    <a:lnBlToTr w="12700" cmpd="sng">
+                      <a:noFill/>
+                      <a:prstDash val="solid"/>
+                    </a:lnBlToTr>
+                    <a:noFill/>
+                  </a:tcPr>
+                </a:tc>
+                <a:extLst>
+                  <a:ext uri="{0D108BD9-81ED-4DB2-BD59-A6C34878D82A}">
+                    <a16:rowId xmlns:a16="http://schemas.microsoft.com/office/drawing/2014/main" val="634892145"/>
+                  </a:ext>
+                </a:extLst>
+              </a:tr>
+              <a:tr h="743651">
+                <a:tc>
+                  <a:txBody>
+                    <a:bodyPr/>
+                    <a:lstStyle/>
+                    <a:p>
+                      <a:pPr algn="ctr"/>
+                      <a:r>
+                        <a:rPr kumimoji="1" lang="ja-JP" altLang="en-US" b="0" dirty="0">
+                          <a:solidFill>
+                            <a:schemeClr val="tx1">
+                              <a:lumMod val="85000"/>
+                              <a:lumOff val="15000"/>
+                            </a:schemeClr>
+                          </a:solidFill>
+                          <a:latin typeface="メイリオ" panose="020B0604030504040204" pitchFamily="50" charset="-128"/>
+                          <a:ea typeface="メイリオ" panose="020B0604030504040204" pitchFamily="50" charset="-128"/>
+                        </a:rPr>
+                        <a:t>意気込み</a:t>
+                      </a:r>
+                    </a:p>
+                  </a:txBody>
+                  <a:tcPr anchor="ctr">
+                    <a:lnL w="12700" cmpd="sng">
+                      <a:noFill/>
+                    </a:lnL>
+                    <a:lnR w="12700" cap="flat" cmpd="sng" algn="ctr">
+                      <a:noFill/>
+                      <a:prstDash val="solid"/>
+                      <a:round/>
+                      <a:headEnd type="none" w="med" len="med"/>
+                      <a:tailEnd type="none" w="med" len="med"/>
+                    </a:lnR>
+                    <a:lnT w="12700" cap="flat" cmpd="sng" algn="ctr">
+                      <a:solidFill>
+                        <a:schemeClr val="tx1"/>
+                      </a:solidFill>
+                      <a:prstDash val="solid"/>
+                      <a:round/>
+                      <a:headEnd type="none" w="med" len="med"/>
+                      <a:tailEnd type="none" w="med" len="med"/>
+                    </a:lnT>
+                    <a:lnB w="12700" cmpd="sng">
+                      <a:noFill/>
+                    </a:lnB>
+                    <a:lnTlToBr w="12700" cmpd="sng">
+                      <a:noFill/>
+                      <a:prstDash val="solid"/>
+                    </a:lnTlToBr>
+                    <a:lnBlToTr w="12700" cmpd="sng">
+                      <a:noFill/>
+                      <a:prstDash val="solid"/>
+                    </a:lnBlToTr>
+                    <a:noFill/>
+                  </a:tcPr>
+                </a:tc>
+                <a:tc>
+                  <a:txBody>
+                    <a:bodyPr/>
+                    <a:lstStyle/>
+                    <a:p>
+                      <a:pPr marL="285750" indent="-285750">
+                        <a:buFont typeface="Arial" panose="020B0604020202020204" pitchFamily="34" charset="0"/>
+                        <a:buChar char="•"/>
+                      </a:pPr>
+                      <a:endParaRPr kumimoji="1" lang="ja-JP" altLang="en-US" b="0" dirty="0">
+                        <a:solidFill>
+                          <a:schemeClr val="tx1">
+                            <a:lumMod val="85000"/>
+                            <a:lumOff val="15000"/>
+                          </a:schemeClr>
+                        </a:solidFill>
+                        <a:latin typeface="メイリオ" panose="020B0604030504040204" pitchFamily="50" charset="-128"/>
+                        <a:ea typeface="メイリオ" panose="020B0604030504040204" pitchFamily="50" charset="-128"/>
+                      </a:endParaRPr>
+                    </a:p>
+                  </a:txBody>
+                  <a:tcPr anchor="ctr">
+                    <a:lnL w="12700" cap="flat" cmpd="sng" algn="ctr">
+                      <a:noFill/>
+                      <a:prstDash val="solid"/>
+                      <a:round/>
+                      <a:headEnd type="none" w="med" len="med"/>
+                      <a:tailEnd type="none" w="med" len="med"/>
+                    </a:lnL>
+                    <a:lnR w="12700" cmpd="sng">
+                      <a:noFill/>
+                    </a:lnR>
+                    <a:lnT w="12700" cap="flat" cmpd="sng" algn="ctr">
+                      <a:solidFill>
+                        <a:schemeClr val="tx1"/>
+                      </a:solidFill>
+                      <a:prstDash val="solid"/>
+                      <a:round/>
+                      <a:headEnd type="none" w="med" len="med"/>
+                      <a:tailEnd type="none" w="med" len="med"/>
+                    </a:lnT>
+                    <a:lnB w="12700" cmpd="sng">
+                      <a:noFill/>
+                    </a:lnB>
+                    <a:lnTlToBr w="12700" cmpd="sng">
+                      <a:noFill/>
+                      <a:prstDash val="solid"/>
+                    </a:lnTlToBr>
+                    <a:lnBlToTr w="12700" cmpd="sng">
+                      <a:noFill/>
+                      <a:prstDash val="solid"/>
+                    </a:lnBlToTr>
+                    <a:noFill/>
+                  </a:tcPr>
+                </a:tc>
+                <a:extLst>
+                  <a:ext uri="{0D108BD9-81ED-4DB2-BD59-A6C34878D82A}">
+                    <a16:rowId xmlns:a16="http://schemas.microsoft.com/office/drawing/2014/main" val="3362789628"/>
+                  </a:ext>
+                </a:extLst>
+              </a:tr>
+            </a:tbl>
+          </a:graphicData>
+        </a:graphic>
+      </p:graphicFrame>
     </p:spTree>
     <p:extLst>
       <p:ext uri="{BB962C8B-B14F-4D97-AF65-F5344CB8AC3E}">
@@ -7754,10 +8105,3062 @@
           <a:chExt cx="0" cy="0"/>
         </a:xfrm>
       </p:grpSpPr>
+      <p:sp>
+        <p:nvSpPr>
+          <p:cNvPr id="29" name="Rectangle 3">
+            <a:extLst>
+              <a:ext uri="{FF2B5EF4-FFF2-40B4-BE49-F238E27FC236}">
+                <a16:creationId xmlns:a16="http://schemas.microsoft.com/office/drawing/2014/main" id="{0C219822-20FD-8814-4292-C78B861EFB1A}"/>
+              </a:ext>
+            </a:extLst>
+          </p:cNvPr>
+          <p:cNvSpPr>
+            <a:spLocks noChangeArrowheads="1"/>
+          </p:cNvSpPr>
+          <p:nvPr/>
+        </p:nvSpPr>
+        <p:spPr bwMode="auto">
+          <a:xfrm>
+            <a:off x="8170747" y="600411"/>
+            <a:ext cx="6896672" cy="10050544"/>
+          </a:xfrm>
+          <a:prstGeom prst="rect">
+            <a:avLst/>
+          </a:prstGeom>
+          <a:noFill/>
+          <a:ln w="9525">
+            <a:solidFill>
+              <a:srgbClr val="ED7D31"/>
+            </a:solidFill>
+            <a:miter lim="800000"/>
+            <a:headEnd/>
+            <a:tailEnd/>
+          </a:ln>
+          <a:extLst>
+            <a:ext uri="{909E8E84-426E-40DD-AFC4-6F175D3DCCD1}">
+              <a14:hiddenFill xmlns:a14="http://schemas.microsoft.com/office/drawing/2010/main">
+                <a:solidFill>
+                  <a:srgbClr val="FFFFFF"/>
+                </a:solidFill>
+              </a14:hiddenFill>
+            </a:ext>
+          </a:extLst>
+        </p:spPr>
+        <p:txBody>
+          <a:bodyPr lIns="120687" tIns="60343" rIns="120687" bIns="60343"/>
+          <a:lstStyle>
+            <a:lvl1pPr marL="481013" indent="-481013" defTabSz="1279525" eaLnBrk="0" hangingPunct="0">
+              <a:defRPr kumimoji="1" sz="1600">
+                <a:solidFill>
+                  <a:schemeClr val="tx1"/>
+                </a:solidFill>
+                <a:latin typeface="Times New Roman" panose="02020603050405020304" pitchFamily="18" charset="0"/>
+                <a:ea typeface="ＭＳ Ｐゴシック" panose="020B0600070205080204" pitchFamily="34" charset="-128"/>
+              </a:defRPr>
+            </a:lvl1pPr>
+            <a:lvl2pPr marL="742950" indent="-285750" defTabSz="1279525" eaLnBrk="0" hangingPunct="0">
+              <a:defRPr kumimoji="1" sz="1600">
+                <a:solidFill>
+                  <a:schemeClr val="tx1"/>
+                </a:solidFill>
+                <a:latin typeface="Times New Roman" panose="02020603050405020304" pitchFamily="18" charset="0"/>
+                <a:ea typeface="ＭＳ Ｐゴシック" panose="020B0600070205080204" pitchFamily="34" charset="-128"/>
+              </a:defRPr>
+            </a:lvl2pPr>
+            <a:lvl3pPr marL="1143000" indent="-228600" defTabSz="1279525" eaLnBrk="0" hangingPunct="0">
+              <a:defRPr kumimoji="1" sz="1600">
+                <a:solidFill>
+                  <a:schemeClr val="tx1"/>
+                </a:solidFill>
+                <a:latin typeface="Times New Roman" panose="02020603050405020304" pitchFamily="18" charset="0"/>
+                <a:ea typeface="ＭＳ Ｐゴシック" panose="020B0600070205080204" pitchFamily="34" charset="-128"/>
+              </a:defRPr>
+            </a:lvl3pPr>
+            <a:lvl4pPr marL="1600200" indent="-228600" defTabSz="1279525" eaLnBrk="0" hangingPunct="0">
+              <a:defRPr kumimoji="1" sz="1600">
+                <a:solidFill>
+                  <a:schemeClr val="tx1"/>
+                </a:solidFill>
+                <a:latin typeface="Times New Roman" panose="02020603050405020304" pitchFamily="18" charset="0"/>
+                <a:ea typeface="ＭＳ Ｐゴシック" panose="020B0600070205080204" pitchFamily="34" charset="-128"/>
+              </a:defRPr>
+            </a:lvl4pPr>
+            <a:lvl5pPr marL="2057400" indent="-228600" defTabSz="1279525" eaLnBrk="0" hangingPunct="0">
+              <a:defRPr kumimoji="1" sz="1600">
+                <a:solidFill>
+                  <a:schemeClr val="tx1"/>
+                </a:solidFill>
+                <a:latin typeface="Times New Roman" panose="02020603050405020304" pitchFamily="18" charset="0"/>
+                <a:ea typeface="ＭＳ Ｐゴシック" panose="020B0600070205080204" pitchFamily="34" charset="-128"/>
+              </a:defRPr>
+            </a:lvl5pPr>
+            <a:lvl6pPr marL="2514600" indent="-228600" defTabSz="1279525" eaLnBrk="0" fontAlgn="base" hangingPunct="0">
+              <a:spcBef>
+                <a:spcPct val="0"/>
+              </a:spcBef>
+              <a:spcAft>
+                <a:spcPct val="0"/>
+              </a:spcAft>
+              <a:defRPr kumimoji="1" sz="1600">
+                <a:solidFill>
+                  <a:schemeClr val="tx1"/>
+                </a:solidFill>
+                <a:latin typeface="Times New Roman" panose="02020603050405020304" pitchFamily="18" charset="0"/>
+                <a:ea typeface="ＭＳ Ｐゴシック" panose="020B0600070205080204" pitchFamily="34" charset="-128"/>
+              </a:defRPr>
+            </a:lvl6pPr>
+            <a:lvl7pPr marL="2971800" indent="-228600" defTabSz="1279525" eaLnBrk="0" fontAlgn="base" hangingPunct="0">
+              <a:spcBef>
+                <a:spcPct val="0"/>
+              </a:spcBef>
+              <a:spcAft>
+                <a:spcPct val="0"/>
+              </a:spcAft>
+              <a:defRPr kumimoji="1" sz="1600">
+                <a:solidFill>
+                  <a:schemeClr val="tx1"/>
+                </a:solidFill>
+                <a:latin typeface="Times New Roman" panose="02020603050405020304" pitchFamily="18" charset="0"/>
+                <a:ea typeface="ＭＳ Ｐゴシック" panose="020B0600070205080204" pitchFamily="34" charset="-128"/>
+              </a:defRPr>
+            </a:lvl7pPr>
+            <a:lvl8pPr marL="3429000" indent="-228600" defTabSz="1279525" eaLnBrk="0" fontAlgn="base" hangingPunct="0">
+              <a:spcBef>
+                <a:spcPct val="0"/>
+              </a:spcBef>
+              <a:spcAft>
+                <a:spcPct val="0"/>
+              </a:spcAft>
+              <a:defRPr kumimoji="1" sz="1600">
+                <a:solidFill>
+                  <a:schemeClr val="tx1"/>
+                </a:solidFill>
+                <a:latin typeface="Times New Roman" panose="02020603050405020304" pitchFamily="18" charset="0"/>
+                <a:ea typeface="ＭＳ Ｐゴシック" panose="020B0600070205080204" pitchFamily="34" charset="-128"/>
+              </a:defRPr>
+            </a:lvl8pPr>
+            <a:lvl9pPr marL="3886200" indent="-228600" defTabSz="1279525" eaLnBrk="0" fontAlgn="base" hangingPunct="0">
+              <a:spcBef>
+                <a:spcPct val="0"/>
+              </a:spcBef>
+              <a:spcAft>
+                <a:spcPct val="0"/>
+              </a:spcAft>
+              <a:defRPr kumimoji="1" sz="1600">
+                <a:solidFill>
+                  <a:schemeClr val="tx1"/>
+                </a:solidFill>
+                <a:latin typeface="Times New Roman" panose="02020603050405020304" pitchFamily="18" charset="0"/>
+                <a:ea typeface="ＭＳ Ｐゴシック" panose="020B0600070205080204" pitchFamily="34" charset="-128"/>
+              </a:defRPr>
+            </a:lvl9pPr>
+          </a:lstStyle>
+          <a:p>
+            <a:pPr eaLnBrk="1" hangingPunct="1">
+              <a:lnSpc>
+                <a:spcPct val="80000"/>
+              </a:lnSpc>
+              <a:spcBef>
+                <a:spcPct val="20000"/>
+              </a:spcBef>
+            </a:pPr>
+            <a:r>
+              <a:rPr lang="en-US" altLang="ja-JP" sz="1782" dirty="0">
+                <a:solidFill>
+                  <a:srgbClr val="FF0000"/>
+                </a:solidFill>
+                <a:latin typeface="UD デジタル 教科書体 NP" panose="02020400000000000000" pitchFamily="18" charset="-128"/>
+                <a:ea typeface="UD デジタル 教科書体 NP" panose="02020400000000000000" pitchFamily="18" charset="-128"/>
+              </a:rPr>
+              <a:t>1-3. </a:t>
+            </a:r>
+            <a:r>
+              <a:rPr lang="ja-JP" altLang="en-US" sz="1782" dirty="0">
+                <a:solidFill>
+                  <a:srgbClr val="FF0000"/>
+                </a:solidFill>
+                <a:latin typeface="UD デジタル 教科書体 NP" panose="02020400000000000000" pitchFamily="18" charset="-128"/>
+                <a:ea typeface="UD デジタル 教科書体 NP" panose="02020400000000000000" pitchFamily="18" charset="-128"/>
+              </a:rPr>
+              <a:t>機能の流れ</a:t>
+            </a:r>
+          </a:p>
+          <a:p>
+            <a:pPr eaLnBrk="1" hangingPunct="1">
+              <a:lnSpc>
+                <a:spcPct val="80000"/>
+              </a:lnSpc>
+              <a:spcBef>
+                <a:spcPct val="20000"/>
+              </a:spcBef>
+            </a:pPr>
+            <a:r>
+              <a:rPr lang="ja-JP" altLang="en-US" sz="1200" dirty="0">
+                <a:latin typeface="UD デジタル 教科書体 NP" panose="02020400000000000000" pitchFamily="18" charset="-128"/>
+                <a:ea typeface="UD デジタル 教科書体 NP" panose="02020400000000000000" pitchFamily="18" charset="-128"/>
+              </a:rPr>
+              <a:t>先述の通りバーチャル運転手は競技者から</a:t>
+            </a:r>
+            <a:endParaRPr lang="en-US" altLang="ja-JP" sz="1200" dirty="0">
+              <a:latin typeface="UD デジタル 教科書体 NP" panose="02020400000000000000" pitchFamily="18" charset="-128"/>
+              <a:ea typeface="UD デジタル 教科書体 NP" panose="02020400000000000000" pitchFamily="18" charset="-128"/>
+            </a:endParaRPr>
+          </a:p>
+          <a:p>
+            <a:pPr eaLnBrk="1" hangingPunct="1">
+              <a:lnSpc>
+                <a:spcPct val="80000"/>
+              </a:lnSpc>
+              <a:spcBef>
+                <a:spcPct val="20000"/>
+              </a:spcBef>
+            </a:pPr>
+            <a:r>
+              <a:rPr lang="ja-JP" altLang="en-US" sz="1200" dirty="0">
+                <a:latin typeface="UD デジタル 教科書体 NP" panose="02020400000000000000" pitchFamily="18" charset="-128"/>
+                <a:ea typeface="UD デジタル 教科書体 NP" panose="02020400000000000000" pitchFamily="18" charset="-128"/>
+              </a:rPr>
+              <a:t>引き渡されたマップ情報を基に走行する。</a:t>
+            </a:r>
+            <a:endParaRPr lang="en-US" altLang="ja-JP" sz="1200" dirty="0">
+              <a:latin typeface="UD デジタル 教科書体 NP" panose="02020400000000000000" pitchFamily="18" charset="-128"/>
+              <a:ea typeface="UD デジタル 教科書体 NP" panose="02020400000000000000" pitchFamily="18" charset="-128"/>
+            </a:endParaRPr>
+          </a:p>
+          <a:p>
+            <a:pPr eaLnBrk="1" hangingPunct="1">
+              <a:lnSpc>
+                <a:spcPct val="80000"/>
+              </a:lnSpc>
+              <a:spcBef>
+                <a:spcPct val="20000"/>
+              </a:spcBef>
+            </a:pPr>
+            <a:r>
+              <a:rPr lang="ja-JP" altLang="en-US" sz="1200" dirty="0">
+                <a:latin typeface="UD デジタル 教科書体 NP" panose="02020400000000000000" pitchFamily="18" charset="-128"/>
+                <a:ea typeface="UD デジタル 教科書体 NP" panose="02020400000000000000" pitchFamily="18" charset="-128"/>
+              </a:rPr>
+              <a:t>表</a:t>
+            </a:r>
+            <a:r>
+              <a:rPr lang="en-US" altLang="ja-JP" sz="1200" dirty="0">
+                <a:latin typeface="UD デジタル 教科書体 NP" panose="02020400000000000000" pitchFamily="18" charset="-128"/>
+                <a:ea typeface="UD デジタル 教科書体 NP" panose="02020400000000000000" pitchFamily="18" charset="-128"/>
+              </a:rPr>
+              <a:t>1.2</a:t>
+            </a:r>
+            <a:r>
+              <a:rPr lang="ja-JP" altLang="en-US" sz="1200" dirty="0">
+                <a:latin typeface="UD デジタル 教科書体 NP" panose="02020400000000000000" pitchFamily="18" charset="-128"/>
+                <a:ea typeface="UD デジタル 教科書体 NP" panose="02020400000000000000" pitchFamily="18" charset="-128"/>
+              </a:rPr>
+              <a:t>、図</a:t>
+            </a:r>
+            <a:r>
+              <a:rPr lang="en-US" altLang="ja-JP" sz="1200" dirty="0">
+                <a:latin typeface="UD デジタル 教科書体 NP" panose="02020400000000000000" pitchFamily="18" charset="-128"/>
+                <a:ea typeface="UD デジタル 教科書体 NP" panose="02020400000000000000" pitchFamily="18" charset="-128"/>
+              </a:rPr>
+              <a:t>1.3</a:t>
+            </a:r>
+            <a:r>
+              <a:rPr lang="ja-JP" altLang="en-US" sz="1200" dirty="0">
+                <a:latin typeface="UD デジタル 教科書体 NP" panose="02020400000000000000" pitchFamily="18" charset="-128"/>
+                <a:ea typeface="UD デジタル 教科書体 NP" panose="02020400000000000000" pitchFamily="18" charset="-128"/>
+              </a:rPr>
+              <a:t>にダブルループ攻略における</a:t>
+            </a:r>
+            <a:endParaRPr lang="en-US" altLang="ja-JP" sz="1200" dirty="0">
+              <a:latin typeface="UD デジタル 教科書体 NP" panose="02020400000000000000" pitchFamily="18" charset="-128"/>
+              <a:ea typeface="UD デジタル 教科書体 NP" panose="02020400000000000000" pitchFamily="18" charset="-128"/>
+            </a:endParaRPr>
+          </a:p>
+          <a:p>
+            <a:pPr eaLnBrk="1" hangingPunct="1">
+              <a:lnSpc>
+                <a:spcPct val="80000"/>
+              </a:lnSpc>
+              <a:spcBef>
+                <a:spcPct val="20000"/>
+              </a:spcBef>
+            </a:pPr>
+            <a:r>
+              <a:rPr lang="ja-JP" altLang="en-US" sz="1200" dirty="0">
+                <a:latin typeface="UD デジタル 教科書体 NP" panose="02020400000000000000" pitchFamily="18" charset="-128"/>
+                <a:ea typeface="UD デジタル 教科書体 NP" panose="02020400000000000000" pitchFamily="18" charset="-128"/>
+              </a:rPr>
+              <a:t>マップ情報を示した。</a:t>
+            </a:r>
+            <a:endParaRPr lang="en-US" altLang="ja-JP" sz="1200" dirty="0">
+              <a:latin typeface="UD デジタル 教科書体 NP" panose="02020400000000000000" pitchFamily="18" charset="-128"/>
+              <a:ea typeface="UD デジタル 教科書体 NP" panose="02020400000000000000" pitchFamily="18" charset="-128"/>
+            </a:endParaRPr>
+          </a:p>
+          <a:p>
+            <a:pPr eaLnBrk="1" hangingPunct="1">
+              <a:lnSpc>
+                <a:spcPct val="80000"/>
+              </a:lnSpc>
+              <a:spcBef>
+                <a:spcPct val="20000"/>
+              </a:spcBef>
+            </a:pPr>
+            <a:r>
+              <a:rPr lang="ja-JP" altLang="en-US" sz="1200" dirty="0">
+                <a:latin typeface="UD デジタル 教科書体 NP" panose="02020400000000000000" pitchFamily="18" charset="-128"/>
+                <a:ea typeface="UD デジタル 教科書体 NP" panose="02020400000000000000" pitchFamily="18" charset="-128"/>
+              </a:rPr>
+              <a:t>また、マップ情報を利用したダブルループ</a:t>
+            </a:r>
+            <a:endParaRPr lang="en-US" altLang="ja-JP" sz="1200" dirty="0">
+              <a:latin typeface="UD デジタル 教科書体 NP" panose="02020400000000000000" pitchFamily="18" charset="-128"/>
+              <a:ea typeface="UD デジタル 教科書体 NP" panose="02020400000000000000" pitchFamily="18" charset="-128"/>
+            </a:endParaRPr>
+          </a:p>
+          <a:p>
+            <a:pPr eaLnBrk="1" hangingPunct="1">
+              <a:lnSpc>
+                <a:spcPct val="80000"/>
+              </a:lnSpc>
+              <a:spcBef>
+                <a:spcPct val="20000"/>
+              </a:spcBef>
+            </a:pPr>
+            <a:r>
+              <a:rPr lang="ja-JP" altLang="en-US" sz="1200" dirty="0">
+                <a:latin typeface="UD デジタル 教科書体 NP" panose="02020400000000000000" pitchFamily="18" charset="-128"/>
+                <a:ea typeface="UD デジタル 教科書体 NP" panose="02020400000000000000" pitchFamily="18" charset="-128"/>
+              </a:rPr>
+              <a:t>攻略の流れを図</a:t>
+            </a:r>
+            <a:r>
+              <a:rPr lang="en-US" altLang="ja-JP" sz="1200" dirty="0">
+                <a:latin typeface="UD デジタル 教科書体 NP" panose="02020400000000000000" pitchFamily="18" charset="-128"/>
+                <a:ea typeface="UD デジタル 教科書体 NP" panose="02020400000000000000" pitchFamily="18" charset="-128"/>
+              </a:rPr>
+              <a:t>1.4</a:t>
+            </a:r>
+            <a:r>
+              <a:rPr lang="ja-JP" altLang="en-US" sz="1200" dirty="0">
+                <a:latin typeface="UD デジタル 教科書体 NP" panose="02020400000000000000" pitchFamily="18" charset="-128"/>
+                <a:ea typeface="UD デジタル 教科書体 NP" panose="02020400000000000000" pitchFamily="18" charset="-128"/>
+              </a:rPr>
+              <a:t>に示した。</a:t>
+            </a:r>
+            <a:endParaRPr lang="en-US" altLang="ja-JP" sz="1200" dirty="0">
+              <a:latin typeface="UD デジタル 教科書体 NP" panose="02020400000000000000" pitchFamily="18" charset="-128"/>
+              <a:ea typeface="UD デジタル 教科書体 NP" panose="02020400000000000000" pitchFamily="18" charset="-128"/>
+            </a:endParaRPr>
+          </a:p>
+          <a:p>
+            <a:pPr eaLnBrk="1" hangingPunct="1">
+              <a:lnSpc>
+                <a:spcPct val="80000"/>
+              </a:lnSpc>
+              <a:spcBef>
+                <a:spcPct val="20000"/>
+              </a:spcBef>
+            </a:pPr>
+            <a:r>
+              <a:rPr lang="ja-JP" altLang="en-US" sz="1200" dirty="0">
+                <a:latin typeface="UD デジタル 教科書体 NP" panose="02020400000000000000" pitchFamily="18" charset="-128"/>
+                <a:ea typeface="UD デジタル 教科書体 NP" panose="02020400000000000000" pitchFamily="18" charset="-128"/>
+              </a:rPr>
+              <a:t>マップ情報の引き渡しには設定ファイルを</a:t>
+            </a:r>
+            <a:endParaRPr lang="en-US" altLang="ja-JP" sz="1200" dirty="0">
+              <a:latin typeface="UD デジタル 教科書体 NP" panose="02020400000000000000" pitchFamily="18" charset="-128"/>
+              <a:ea typeface="UD デジタル 教科書体 NP" panose="02020400000000000000" pitchFamily="18" charset="-128"/>
+            </a:endParaRPr>
+          </a:p>
+          <a:p>
+            <a:pPr eaLnBrk="1" hangingPunct="1">
+              <a:lnSpc>
+                <a:spcPct val="80000"/>
+              </a:lnSpc>
+              <a:spcBef>
+                <a:spcPct val="20000"/>
+              </a:spcBef>
+            </a:pPr>
+            <a:r>
+              <a:rPr lang="ja-JP" altLang="en-US" sz="1200" dirty="0">
+                <a:latin typeface="UD デジタル 教科書体 NP" panose="02020400000000000000" pitchFamily="18" charset="-128"/>
+                <a:ea typeface="UD デジタル 教科書体 NP" panose="02020400000000000000" pitchFamily="18" charset="-128"/>
+              </a:rPr>
+              <a:t>利用し、バーチャル運転手は処理開始時に</a:t>
+            </a:r>
+            <a:endParaRPr lang="en-US" altLang="ja-JP" sz="1200" dirty="0">
+              <a:latin typeface="UD デジタル 教科書体 NP" panose="02020400000000000000" pitchFamily="18" charset="-128"/>
+              <a:ea typeface="UD デジタル 教科書体 NP" panose="02020400000000000000" pitchFamily="18" charset="-128"/>
+            </a:endParaRPr>
+          </a:p>
+          <a:p>
+            <a:pPr eaLnBrk="1" hangingPunct="1">
+              <a:lnSpc>
+                <a:spcPct val="80000"/>
+              </a:lnSpc>
+              <a:spcBef>
+                <a:spcPct val="20000"/>
+              </a:spcBef>
+            </a:pPr>
+            <a:r>
+              <a:rPr lang="ja-JP" altLang="en-US" sz="1200" dirty="0">
+                <a:latin typeface="UD デジタル 教科書体 NP" panose="02020400000000000000" pitchFamily="18" charset="-128"/>
+                <a:ea typeface="UD デジタル 教科書体 NP" panose="02020400000000000000" pitchFamily="18" charset="-128"/>
+              </a:rPr>
+              <a:t>設定ファイルを読みこむこととする。</a:t>
+            </a:r>
+            <a:endParaRPr lang="en-US" altLang="ja-JP" sz="1200" dirty="0">
+              <a:latin typeface="UD デジタル 教科書体 NP" panose="02020400000000000000" pitchFamily="18" charset="-128"/>
+              <a:ea typeface="UD デジタル 教科書体 NP" panose="02020400000000000000" pitchFamily="18" charset="-128"/>
+            </a:endParaRPr>
+          </a:p>
+        </p:txBody>
+      </p:sp>
+      <p:sp>
+        <p:nvSpPr>
+          <p:cNvPr id="10" name="Rectangle 3">
+            <a:extLst>
+              <a:ext uri="{FF2B5EF4-FFF2-40B4-BE49-F238E27FC236}">
+                <a16:creationId xmlns:a16="http://schemas.microsoft.com/office/drawing/2014/main" id="{88738640-807A-7E29-9AE4-292BE60FFC3D}"/>
+              </a:ext>
+            </a:extLst>
+          </p:cNvPr>
+          <p:cNvSpPr>
+            <a:spLocks noChangeArrowheads="1"/>
+          </p:cNvSpPr>
+          <p:nvPr/>
+        </p:nvSpPr>
+        <p:spPr bwMode="auto">
+          <a:xfrm>
+            <a:off x="51931" y="602183"/>
+            <a:ext cx="8118817" cy="3396419"/>
+          </a:xfrm>
+          <a:prstGeom prst="rect">
+            <a:avLst/>
+          </a:prstGeom>
+          <a:noFill/>
+          <a:ln w="9525">
+            <a:solidFill>
+              <a:schemeClr val="accent2"/>
+            </a:solidFill>
+            <a:miter lim="800000"/>
+            <a:headEnd/>
+            <a:tailEnd/>
+          </a:ln>
+          <a:extLst>
+            <a:ext uri="{909E8E84-426E-40DD-AFC4-6F175D3DCCD1}">
+              <a14:hiddenFill xmlns:a14="http://schemas.microsoft.com/office/drawing/2010/main">
+                <a:solidFill>
+                  <a:srgbClr val="FFFFFF"/>
+                </a:solidFill>
+              </a14:hiddenFill>
+            </a:ext>
+          </a:extLst>
+        </p:spPr>
+        <p:txBody>
+          <a:bodyPr lIns="120687" tIns="60343" rIns="120687" bIns="60343"/>
+          <a:lstStyle>
+            <a:lvl1pPr marL="481013" indent="-481013" defTabSz="1279525" eaLnBrk="0" hangingPunct="0">
+              <a:defRPr kumimoji="1" sz="1600">
+                <a:solidFill>
+                  <a:schemeClr val="tx1"/>
+                </a:solidFill>
+                <a:latin typeface="Times New Roman" panose="02020603050405020304" pitchFamily="18" charset="0"/>
+                <a:ea typeface="ＭＳ Ｐゴシック" panose="020B0600070205080204" pitchFamily="34" charset="-128"/>
+              </a:defRPr>
+            </a:lvl1pPr>
+            <a:lvl2pPr marL="742950" indent="-285750" defTabSz="1279525" eaLnBrk="0" hangingPunct="0">
+              <a:defRPr kumimoji="1" sz="1600">
+                <a:solidFill>
+                  <a:schemeClr val="tx1"/>
+                </a:solidFill>
+                <a:latin typeface="Times New Roman" panose="02020603050405020304" pitchFamily="18" charset="0"/>
+                <a:ea typeface="ＭＳ Ｐゴシック" panose="020B0600070205080204" pitchFamily="34" charset="-128"/>
+              </a:defRPr>
+            </a:lvl2pPr>
+            <a:lvl3pPr marL="1143000" indent="-228600" defTabSz="1279525" eaLnBrk="0" hangingPunct="0">
+              <a:defRPr kumimoji="1" sz="1600">
+                <a:solidFill>
+                  <a:schemeClr val="tx1"/>
+                </a:solidFill>
+                <a:latin typeface="Times New Roman" panose="02020603050405020304" pitchFamily="18" charset="0"/>
+                <a:ea typeface="ＭＳ Ｐゴシック" panose="020B0600070205080204" pitchFamily="34" charset="-128"/>
+              </a:defRPr>
+            </a:lvl3pPr>
+            <a:lvl4pPr marL="1600200" indent="-228600" defTabSz="1279525" eaLnBrk="0" hangingPunct="0">
+              <a:defRPr kumimoji="1" sz="1600">
+                <a:solidFill>
+                  <a:schemeClr val="tx1"/>
+                </a:solidFill>
+                <a:latin typeface="Times New Roman" panose="02020603050405020304" pitchFamily="18" charset="0"/>
+                <a:ea typeface="ＭＳ Ｐゴシック" panose="020B0600070205080204" pitchFamily="34" charset="-128"/>
+              </a:defRPr>
+            </a:lvl4pPr>
+            <a:lvl5pPr marL="2057400" indent="-228600" defTabSz="1279525" eaLnBrk="0" hangingPunct="0">
+              <a:defRPr kumimoji="1" sz="1600">
+                <a:solidFill>
+                  <a:schemeClr val="tx1"/>
+                </a:solidFill>
+                <a:latin typeface="Times New Roman" panose="02020603050405020304" pitchFamily="18" charset="0"/>
+                <a:ea typeface="ＭＳ Ｐゴシック" panose="020B0600070205080204" pitchFamily="34" charset="-128"/>
+              </a:defRPr>
+            </a:lvl5pPr>
+            <a:lvl6pPr marL="2514600" indent="-228600" defTabSz="1279525" eaLnBrk="0" fontAlgn="base" hangingPunct="0">
+              <a:spcBef>
+                <a:spcPct val="0"/>
+              </a:spcBef>
+              <a:spcAft>
+                <a:spcPct val="0"/>
+              </a:spcAft>
+              <a:defRPr kumimoji="1" sz="1600">
+                <a:solidFill>
+                  <a:schemeClr val="tx1"/>
+                </a:solidFill>
+                <a:latin typeface="Times New Roman" panose="02020603050405020304" pitchFamily="18" charset="0"/>
+                <a:ea typeface="ＭＳ Ｐゴシック" panose="020B0600070205080204" pitchFamily="34" charset="-128"/>
+              </a:defRPr>
+            </a:lvl6pPr>
+            <a:lvl7pPr marL="2971800" indent="-228600" defTabSz="1279525" eaLnBrk="0" fontAlgn="base" hangingPunct="0">
+              <a:spcBef>
+                <a:spcPct val="0"/>
+              </a:spcBef>
+              <a:spcAft>
+                <a:spcPct val="0"/>
+              </a:spcAft>
+              <a:defRPr kumimoji="1" sz="1600">
+                <a:solidFill>
+                  <a:schemeClr val="tx1"/>
+                </a:solidFill>
+                <a:latin typeface="Times New Roman" panose="02020603050405020304" pitchFamily="18" charset="0"/>
+                <a:ea typeface="ＭＳ Ｐゴシック" panose="020B0600070205080204" pitchFamily="34" charset="-128"/>
+              </a:defRPr>
+            </a:lvl7pPr>
+            <a:lvl8pPr marL="3429000" indent="-228600" defTabSz="1279525" eaLnBrk="0" fontAlgn="base" hangingPunct="0">
+              <a:spcBef>
+                <a:spcPct val="0"/>
+              </a:spcBef>
+              <a:spcAft>
+                <a:spcPct val="0"/>
+              </a:spcAft>
+              <a:defRPr kumimoji="1" sz="1600">
+                <a:solidFill>
+                  <a:schemeClr val="tx1"/>
+                </a:solidFill>
+                <a:latin typeface="Times New Roman" panose="02020603050405020304" pitchFamily="18" charset="0"/>
+                <a:ea typeface="ＭＳ Ｐゴシック" panose="020B0600070205080204" pitchFamily="34" charset="-128"/>
+              </a:defRPr>
+            </a:lvl8pPr>
+            <a:lvl9pPr marL="3886200" indent="-228600" defTabSz="1279525" eaLnBrk="0" fontAlgn="base" hangingPunct="0">
+              <a:spcBef>
+                <a:spcPct val="0"/>
+              </a:spcBef>
+              <a:spcAft>
+                <a:spcPct val="0"/>
+              </a:spcAft>
+              <a:defRPr kumimoji="1" sz="1600">
+                <a:solidFill>
+                  <a:schemeClr val="tx1"/>
+                </a:solidFill>
+                <a:latin typeface="Times New Roman" panose="02020603050405020304" pitchFamily="18" charset="0"/>
+                <a:ea typeface="ＭＳ Ｐゴシック" panose="020B0600070205080204" pitchFamily="34" charset="-128"/>
+              </a:defRPr>
+            </a:lvl9pPr>
+          </a:lstStyle>
+          <a:p>
+            <a:pPr eaLnBrk="1" hangingPunct="1">
+              <a:lnSpc>
+                <a:spcPct val="80000"/>
+              </a:lnSpc>
+              <a:spcBef>
+                <a:spcPct val="20000"/>
+              </a:spcBef>
+            </a:pPr>
+            <a:r>
+              <a:rPr lang="en-US" altLang="ja-JP" sz="1782" dirty="0">
+                <a:solidFill>
+                  <a:srgbClr val="FF0000"/>
+                </a:solidFill>
+                <a:latin typeface="UD デジタル 教科書体 NP" panose="02020400000000000000" pitchFamily="18" charset="-128"/>
+                <a:ea typeface="UD デジタル 教科書体 NP" panose="02020400000000000000" pitchFamily="18" charset="-128"/>
+              </a:rPr>
+              <a:t>1-1. </a:t>
+            </a:r>
+            <a:r>
+              <a:rPr lang="ja-JP" altLang="en-US" sz="1782" dirty="0">
+                <a:solidFill>
+                  <a:srgbClr val="FF0000"/>
+                </a:solidFill>
+                <a:latin typeface="UD デジタル 教科書体 NP" panose="02020400000000000000" pitchFamily="18" charset="-128"/>
+                <a:ea typeface="UD デジタル 教科書体 NP" panose="02020400000000000000" pitchFamily="18" charset="-128"/>
+              </a:rPr>
+              <a:t>基本戦略</a:t>
+            </a:r>
+          </a:p>
+          <a:p>
+            <a:pPr eaLnBrk="1" hangingPunct="1">
+              <a:lnSpc>
+                <a:spcPct val="80000"/>
+              </a:lnSpc>
+              <a:spcBef>
+                <a:spcPct val="20000"/>
+              </a:spcBef>
+            </a:pPr>
+            <a:r>
+              <a:rPr lang="ja-JP" altLang="en-US" sz="1200" dirty="0">
+                <a:latin typeface="UD デジタル 教科書体 NP" panose="02020400000000000000" pitchFamily="18" charset="-128"/>
+                <a:ea typeface="UD デジタル 教科書体 NP" panose="02020400000000000000" pitchFamily="18" charset="-128"/>
+              </a:rPr>
+              <a:t>基本的な考え方として、我々競技者はバーチャル運転手に走行体の運転を依頼するイメージを持つこととした。</a:t>
+            </a:r>
+            <a:endParaRPr lang="en-US" altLang="ja-JP" sz="1200" dirty="0">
+              <a:latin typeface="UD デジタル 教科書体 NP" panose="02020400000000000000" pitchFamily="18" charset="-128"/>
+              <a:ea typeface="UD デジタル 教科書体 NP" panose="02020400000000000000" pitchFamily="18" charset="-128"/>
+            </a:endParaRPr>
+          </a:p>
+          <a:p>
+            <a:pPr eaLnBrk="1" hangingPunct="1">
+              <a:lnSpc>
+                <a:spcPct val="80000"/>
+              </a:lnSpc>
+              <a:spcBef>
+                <a:spcPct val="20000"/>
+              </a:spcBef>
+            </a:pPr>
+            <a:r>
+              <a:rPr lang="ja-JP" altLang="en-US" sz="1200" dirty="0">
+                <a:latin typeface="UD デジタル 教科書体 NP" panose="02020400000000000000" pitchFamily="18" charset="-128"/>
+                <a:ea typeface="UD デジタル 教科書体 NP" panose="02020400000000000000" pitchFamily="18" charset="-128"/>
+              </a:rPr>
+              <a:t>バーチャル運転手とは、限りなくライン上を走行しながら与えられた目的を達成する模範的な運転手を指す。</a:t>
+            </a:r>
+            <a:endParaRPr lang="en-US" altLang="ja-JP" sz="1200" dirty="0">
+              <a:latin typeface="UD デジタル 教科書体 NP" panose="02020400000000000000" pitchFamily="18" charset="-128"/>
+              <a:ea typeface="UD デジタル 教科書体 NP" panose="02020400000000000000" pitchFamily="18" charset="-128"/>
+            </a:endParaRPr>
+          </a:p>
+          <a:p>
+            <a:pPr eaLnBrk="1" hangingPunct="1">
+              <a:lnSpc>
+                <a:spcPct val="80000"/>
+              </a:lnSpc>
+              <a:spcBef>
+                <a:spcPct val="20000"/>
+              </a:spcBef>
+            </a:pPr>
+            <a:r>
+              <a:rPr lang="ja-JP" altLang="en-US" sz="1200" dirty="0">
+                <a:latin typeface="UD デジタル 教科書体 NP" panose="02020400000000000000" pitchFamily="18" charset="-128"/>
+                <a:ea typeface="UD デジタル 教科書体 NP" panose="02020400000000000000" pitchFamily="18" charset="-128"/>
+              </a:rPr>
+              <a:t>その上で目的を</a:t>
+            </a:r>
+            <a:r>
+              <a:rPr lang="ja-JP" altLang="en-US" sz="1200" b="1" dirty="0">
+                <a:latin typeface="UD デジタル 教科書体 NP" panose="02020400000000000000" pitchFamily="18" charset="-128"/>
+                <a:ea typeface="UD デジタル 教科書体 NP" panose="02020400000000000000" pitchFamily="18" charset="-128"/>
+              </a:rPr>
+              <a:t>「ダブルループの攻略」</a:t>
+            </a:r>
+            <a:r>
+              <a:rPr lang="ja-JP" altLang="en-US" sz="1200" dirty="0">
+                <a:latin typeface="UD デジタル 教科書体 NP" panose="02020400000000000000" pitchFamily="18" charset="-128"/>
+                <a:ea typeface="UD デジタル 教科書体 NP" panose="02020400000000000000" pitchFamily="18" charset="-128"/>
+              </a:rPr>
+              <a:t>と置き、ダブルループ侵入前から脱出後までのコースを汎化して捉えると、</a:t>
+            </a:r>
+            <a:endParaRPr lang="en-US" altLang="ja-JP" sz="1200" dirty="0">
+              <a:latin typeface="UD デジタル 教科書体 NP" panose="02020400000000000000" pitchFamily="18" charset="-128"/>
+              <a:ea typeface="UD デジタル 教科書体 NP" panose="02020400000000000000" pitchFamily="18" charset="-128"/>
+            </a:endParaRPr>
+          </a:p>
+          <a:p>
+            <a:pPr eaLnBrk="1" hangingPunct="1">
+              <a:lnSpc>
+                <a:spcPct val="80000"/>
+              </a:lnSpc>
+              <a:spcBef>
+                <a:spcPct val="20000"/>
+              </a:spcBef>
+            </a:pPr>
+            <a:r>
+              <a:rPr lang="ja-JP" altLang="en-US" sz="1200" b="1" dirty="0">
+                <a:latin typeface="UD デジタル 教科書体 NP" panose="02020400000000000000" pitchFamily="18" charset="-128"/>
+                <a:ea typeface="UD デジタル 教科書体 NP" panose="02020400000000000000" pitchFamily="18" charset="-128"/>
+              </a:rPr>
+              <a:t>「黒ライン」⇒</a:t>
+            </a:r>
+            <a:r>
+              <a:rPr lang="ja-JP" altLang="en-US" sz="1200" b="1" dirty="0">
+                <a:solidFill>
+                  <a:schemeClr val="accent1"/>
+                </a:solidFill>
+                <a:latin typeface="UD デジタル 教科書体 NP" panose="02020400000000000000" pitchFamily="18" charset="-128"/>
+                <a:ea typeface="UD デジタル 教科書体 NP" panose="02020400000000000000" pitchFamily="18" charset="-128"/>
+              </a:rPr>
+              <a:t>「分岐合図</a:t>
+            </a:r>
+            <a:r>
+              <a:rPr lang="en-US" altLang="ja-JP" sz="1200" b="1" dirty="0">
+                <a:solidFill>
+                  <a:schemeClr val="accent1"/>
+                </a:solidFill>
+                <a:latin typeface="UD デジタル 教科書体 NP" panose="02020400000000000000" pitchFamily="18" charset="-128"/>
+                <a:ea typeface="UD デジタル 教科書体 NP" panose="02020400000000000000" pitchFamily="18" charset="-128"/>
+              </a:rPr>
+              <a:t>(</a:t>
+            </a:r>
+            <a:r>
+              <a:rPr lang="ja-JP" altLang="en-US" sz="1200" b="1" dirty="0">
+                <a:solidFill>
+                  <a:schemeClr val="accent1"/>
+                </a:solidFill>
+                <a:latin typeface="UD デジタル 教科書体 NP" panose="02020400000000000000" pitchFamily="18" charset="-128"/>
+                <a:ea typeface="UD デジタル 教科書体 NP" panose="02020400000000000000" pitchFamily="18" charset="-128"/>
+              </a:rPr>
+              <a:t>青ライン</a:t>
+            </a:r>
+            <a:r>
+              <a:rPr lang="en-US" altLang="ja-JP" sz="1200" b="1" dirty="0">
+                <a:solidFill>
+                  <a:schemeClr val="accent1"/>
+                </a:solidFill>
+                <a:latin typeface="UD デジタル 教科書体 NP" panose="02020400000000000000" pitchFamily="18" charset="-128"/>
+                <a:ea typeface="UD デジタル 教科書体 NP" panose="02020400000000000000" pitchFamily="18" charset="-128"/>
+              </a:rPr>
+              <a:t>)</a:t>
+            </a:r>
+            <a:r>
+              <a:rPr lang="ja-JP" altLang="en-US" sz="1200" b="1" dirty="0">
+                <a:solidFill>
+                  <a:schemeClr val="accent1"/>
+                </a:solidFill>
+                <a:latin typeface="UD デジタル 教科書体 NP" panose="02020400000000000000" pitchFamily="18" charset="-128"/>
+                <a:ea typeface="UD デジタル 教科書体 NP" panose="02020400000000000000" pitchFamily="18" charset="-128"/>
+              </a:rPr>
+              <a:t>」</a:t>
+            </a:r>
+            <a:r>
+              <a:rPr lang="ja-JP" altLang="en-US" sz="1200" b="1" dirty="0">
+                <a:latin typeface="UD デジタル 教科書体 NP" panose="02020400000000000000" pitchFamily="18" charset="-128"/>
+                <a:ea typeface="UD デジタル 教科書体 NP" panose="02020400000000000000" pitchFamily="18" charset="-128"/>
+              </a:rPr>
+              <a:t>⇒「分岐</a:t>
+            </a:r>
+            <a:r>
+              <a:rPr lang="en-US" altLang="ja-JP" sz="1200" b="1" dirty="0">
+                <a:latin typeface="UD デジタル 教科書体 NP" panose="02020400000000000000" pitchFamily="18" charset="-128"/>
+                <a:ea typeface="UD デジタル 教科書体 NP" panose="02020400000000000000" pitchFamily="18" charset="-128"/>
+              </a:rPr>
+              <a:t>(</a:t>
+            </a:r>
+            <a:r>
+              <a:rPr lang="ja-JP" altLang="en-US" sz="1200" b="1" dirty="0">
+                <a:latin typeface="UD デジタル 教科書体 NP" panose="02020400000000000000" pitchFamily="18" charset="-128"/>
+                <a:ea typeface="UD デジタル 教科書体 NP" panose="02020400000000000000" pitchFamily="18" charset="-128"/>
+              </a:rPr>
+              <a:t>黒ライン</a:t>
+            </a:r>
+            <a:r>
+              <a:rPr lang="en-US" altLang="ja-JP" sz="1200" b="1" dirty="0">
+                <a:latin typeface="UD デジタル 教科書体 NP" panose="02020400000000000000" pitchFamily="18" charset="-128"/>
+                <a:ea typeface="UD デジタル 教科書体 NP" panose="02020400000000000000" pitchFamily="18" charset="-128"/>
+              </a:rPr>
+              <a:t>)</a:t>
+            </a:r>
+            <a:r>
+              <a:rPr lang="ja-JP" altLang="en-US" sz="1200" b="1" dirty="0">
+                <a:latin typeface="UD デジタル 教科書体 NP" panose="02020400000000000000" pitchFamily="18" charset="-128"/>
+                <a:ea typeface="UD デジタル 教科書体 NP" panose="02020400000000000000" pitchFamily="18" charset="-128"/>
+              </a:rPr>
+              <a:t>」の繰返し</a:t>
+            </a:r>
+            <a:r>
+              <a:rPr lang="ja-JP" altLang="en-US" sz="1200" dirty="0">
+                <a:latin typeface="UD デジタル 教科書体 NP" panose="02020400000000000000" pitchFamily="18" charset="-128"/>
+                <a:ea typeface="UD デジタル 教科書体 NP" panose="02020400000000000000" pitchFamily="18" charset="-128"/>
+              </a:rPr>
+              <a:t>であることが分かる。</a:t>
+            </a:r>
+            <a:endParaRPr lang="en-US" altLang="ja-JP" sz="1200" dirty="0">
+              <a:latin typeface="UD デジタル 教科書体 NP" panose="02020400000000000000" pitchFamily="18" charset="-128"/>
+              <a:ea typeface="UD デジタル 教科書体 NP" panose="02020400000000000000" pitchFamily="18" charset="-128"/>
+            </a:endParaRPr>
+          </a:p>
+          <a:p>
+            <a:pPr eaLnBrk="1" hangingPunct="1">
+              <a:lnSpc>
+                <a:spcPct val="80000"/>
+              </a:lnSpc>
+              <a:spcBef>
+                <a:spcPct val="20000"/>
+              </a:spcBef>
+            </a:pPr>
+            <a:r>
+              <a:rPr lang="ja-JP" altLang="en-US" sz="1200" dirty="0">
+                <a:latin typeface="UD デジタル 教科書体 NP" panose="02020400000000000000" pitchFamily="18" charset="-128"/>
+                <a:ea typeface="UD デジタル 教科書体 NP" panose="02020400000000000000" pitchFamily="18" charset="-128"/>
+              </a:rPr>
+              <a:t>そのため、バーチャル運転手に分岐合図検知後の分岐方向を順を追って教えておくことで、</a:t>
+            </a:r>
+            <a:endParaRPr lang="en-US" altLang="ja-JP" sz="1200" dirty="0">
+              <a:latin typeface="UD デジタル 教科書体 NP" panose="02020400000000000000" pitchFamily="18" charset="-128"/>
+              <a:ea typeface="UD デジタル 教科書体 NP" panose="02020400000000000000" pitchFamily="18" charset="-128"/>
+            </a:endParaRPr>
+          </a:p>
+          <a:p>
+            <a:pPr eaLnBrk="1" hangingPunct="1">
+              <a:lnSpc>
+                <a:spcPct val="80000"/>
+              </a:lnSpc>
+              <a:spcBef>
+                <a:spcPct val="20000"/>
+              </a:spcBef>
+            </a:pPr>
+            <a:r>
+              <a:rPr lang="ja-JP" altLang="en-US" sz="1200" dirty="0">
+                <a:latin typeface="UD デジタル 教科書体 NP" panose="02020400000000000000" pitchFamily="18" charset="-128"/>
+                <a:ea typeface="UD デジタル 教科書体 NP" panose="02020400000000000000" pitchFamily="18" charset="-128"/>
+              </a:rPr>
+              <a:t>与えられた分岐のとおりにダブルループを走行することが期待できる。</a:t>
+            </a:r>
+            <a:endParaRPr lang="en-US" altLang="ja-JP" sz="1200" dirty="0">
+              <a:latin typeface="UD デジタル 教科書体 NP" panose="02020400000000000000" pitchFamily="18" charset="-128"/>
+              <a:ea typeface="UD デジタル 教科書体 NP" panose="02020400000000000000" pitchFamily="18" charset="-128"/>
+            </a:endParaRPr>
+          </a:p>
+          <a:p>
+            <a:pPr eaLnBrk="1" hangingPunct="1">
+              <a:lnSpc>
+                <a:spcPct val="80000"/>
+              </a:lnSpc>
+              <a:spcBef>
+                <a:spcPct val="20000"/>
+              </a:spcBef>
+            </a:pPr>
+            <a:r>
+              <a:rPr lang="ja-JP" altLang="en-US" sz="1200" dirty="0">
+                <a:latin typeface="UD デジタル 教科書体 NP" panose="02020400000000000000" pitchFamily="18" charset="-128"/>
+                <a:ea typeface="UD デジタル 教科書体 NP" panose="02020400000000000000" pitchFamily="18" charset="-128"/>
+              </a:rPr>
+              <a:t>ダブルループの侵入部を例に走行イメージを示す。</a:t>
+            </a:r>
+            <a:endParaRPr lang="en-US" altLang="ja-JP" sz="1200" dirty="0">
+              <a:latin typeface="UD デジタル 教科書体 NP" panose="02020400000000000000" pitchFamily="18" charset="-128"/>
+              <a:ea typeface="UD デジタル 教科書体 NP" panose="02020400000000000000" pitchFamily="18" charset="-128"/>
+            </a:endParaRPr>
+          </a:p>
+          <a:p>
+            <a:pPr eaLnBrk="1" hangingPunct="1">
+              <a:lnSpc>
+                <a:spcPct val="80000"/>
+              </a:lnSpc>
+              <a:spcBef>
+                <a:spcPct val="20000"/>
+              </a:spcBef>
+            </a:pPr>
+            <a:r>
+              <a:rPr lang="ja-JP" altLang="en-US" sz="1200" dirty="0">
+                <a:latin typeface="UD デジタル 教科書体 NP" panose="02020400000000000000" pitchFamily="18" charset="-128"/>
+                <a:ea typeface="UD デジタル 教科書体 NP" panose="02020400000000000000" pitchFamily="18" charset="-128"/>
+              </a:rPr>
+              <a:t>図</a:t>
+            </a:r>
+            <a:r>
+              <a:rPr lang="en-US" altLang="ja-JP" sz="1200" dirty="0">
+                <a:latin typeface="UD デジタル 教科書体 NP" panose="02020400000000000000" pitchFamily="18" charset="-128"/>
+                <a:ea typeface="UD デジタル 教科書体 NP" panose="02020400000000000000" pitchFamily="18" charset="-128"/>
+              </a:rPr>
+              <a:t>1.1</a:t>
+            </a:r>
+            <a:r>
+              <a:rPr lang="ja-JP" altLang="en-US" sz="1200" dirty="0">
+                <a:latin typeface="UD デジタル 教科書体 NP" panose="02020400000000000000" pitchFamily="18" charset="-128"/>
+                <a:ea typeface="UD デジタル 教科書体 NP" panose="02020400000000000000" pitchFamily="18" charset="-128"/>
+              </a:rPr>
+              <a:t>の</a:t>
+            </a:r>
+            <a:r>
+              <a:rPr lang="ja-JP" altLang="en-US" sz="1200" dirty="0">
+                <a:solidFill>
+                  <a:srgbClr val="FF0000"/>
+                </a:solidFill>
+                <a:latin typeface="UD デジタル 教科書体 NP" panose="02020400000000000000" pitchFamily="18" charset="-128"/>
+                <a:ea typeface="UD デジタル 教科書体 NP" panose="02020400000000000000" pitchFamily="18" charset="-128"/>
+              </a:rPr>
+              <a:t>赤矢印</a:t>
+            </a:r>
+            <a:r>
+              <a:rPr lang="en-US" altLang="ja-JP" sz="1200" dirty="0">
+                <a:solidFill>
+                  <a:srgbClr val="FF0000"/>
+                </a:solidFill>
+                <a:latin typeface="UD デジタル 教科書体 NP" panose="02020400000000000000" pitchFamily="18" charset="-128"/>
+                <a:ea typeface="UD デジタル 教科書体 NP" panose="02020400000000000000" pitchFamily="18" charset="-128"/>
+              </a:rPr>
+              <a:t>(</a:t>
+            </a:r>
+            <a:r>
+              <a:rPr lang="ja-JP" altLang="en-US" sz="1200" dirty="0">
+                <a:solidFill>
+                  <a:srgbClr val="FF0000"/>
+                </a:solidFill>
+                <a:latin typeface="UD デジタル 教科書体 NP" panose="02020400000000000000" pitchFamily="18" charset="-128"/>
+                <a:ea typeface="UD デジタル 教科書体 NP" panose="02020400000000000000" pitchFamily="18" charset="-128"/>
+              </a:rPr>
+              <a:t>①</a:t>
+            </a:r>
+            <a:r>
+              <a:rPr lang="en-US" altLang="ja-JP" sz="1200" dirty="0">
+                <a:solidFill>
+                  <a:srgbClr val="FF0000"/>
+                </a:solidFill>
+                <a:latin typeface="UD デジタル 教科書体 NP" panose="02020400000000000000" pitchFamily="18" charset="-128"/>
+                <a:ea typeface="UD デジタル 教科書体 NP" panose="02020400000000000000" pitchFamily="18" charset="-128"/>
+              </a:rPr>
+              <a:t>)</a:t>
+            </a:r>
+            <a:r>
+              <a:rPr lang="ja-JP" altLang="en-US" sz="1200" dirty="0">
+                <a:latin typeface="UD デジタル 教科書体 NP" panose="02020400000000000000" pitchFamily="18" charset="-128"/>
+                <a:ea typeface="UD デジタル 教科書体 NP" panose="02020400000000000000" pitchFamily="18" charset="-128"/>
+              </a:rPr>
+              <a:t>の個所では黒ラインをトレースして走行する。</a:t>
+            </a:r>
+            <a:endParaRPr lang="en-US" altLang="ja-JP" sz="1200" dirty="0">
+              <a:latin typeface="UD デジタル 教科書体 NP" panose="02020400000000000000" pitchFamily="18" charset="-128"/>
+              <a:ea typeface="UD デジタル 教科書体 NP" panose="02020400000000000000" pitchFamily="18" charset="-128"/>
+            </a:endParaRPr>
+          </a:p>
+          <a:p>
+            <a:pPr eaLnBrk="1" hangingPunct="1">
+              <a:lnSpc>
+                <a:spcPct val="80000"/>
+              </a:lnSpc>
+              <a:spcBef>
+                <a:spcPct val="20000"/>
+              </a:spcBef>
+            </a:pPr>
+            <a:r>
+              <a:rPr lang="ja-JP" altLang="en-US" sz="1200" dirty="0">
+                <a:latin typeface="UD デジタル 教科書体 NP" panose="02020400000000000000" pitchFamily="18" charset="-128"/>
+                <a:ea typeface="UD デジタル 教科書体 NP" panose="02020400000000000000" pitchFamily="18" charset="-128"/>
+              </a:rPr>
+              <a:t>後ほど進路の決定を行うため、この時点では走行体が左右どちらのラインエッジを</a:t>
+            </a:r>
+            <a:endParaRPr lang="en-US" altLang="ja-JP" sz="1200" dirty="0">
+              <a:latin typeface="UD デジタル 教科書体 NP" panose="02020400000000000000" pitchFamily="18" charset="-128"/>
+              <a:ea typeface="UD デジタル 教科書体 NP" panose="02020400000000000000" pitchFamily="18" charset="-128"/>
+            </a:endParaRPr>
+          </a:p>
+          <a:p>
+            <a:pPr eaLnBrk="1" hangingPunct="1">
+              <a:lnSpc>
+                <a:spcPct val="80000"/>
+              </a:lnSpc>
+              <a:spcBef>
+                <a:spcPct val="20000"/>
+              </a:spcBef>
+            </a:pPr>
+            <a:r>
+              <a:rPr lang="ja-JP" altLang="en-US" sz="1200" dirty="0">
+                <a:latin typeface="UD デジタル 教科書体 NP" panose="02020400000000000000" pitchFamily="18" charset="-128"/>
+                <a:ea typeface="UD デジタル 教科書体 NP" panose="02020400000000000000" pitchFamily="18" charset="-128"/>
+              </a:rPr>
+              <a:t>走行しているかは問わない。</a:t>
+            </a:r>
+            <a:endParaRPr lang="en-US" altLang="ja-JP" sz="1200" dirty="0">
+              <a:latin typeface="UD デジタル 教科書体 NP" panose="02020400000000000000" pitchFamily="18" charset="-128"/>
+              <a:ea typeface="UD デジタル 教科書体 NP" panose="02020400000000000000" pitchFamily="18" charset="-128"/>
+            </a:endParaRPr>
+          </a:p>
+          <a:p>
+            <a:pPr eaLnBrk="1" hangingPunct="1">
+              <a:lnSpc>
+                <a:spcPct val="80000"/>
+              </a:lnSpc>
+              <a:spcBef>
+                <a:spcPct val="20000"/>
+              </a:spcBef>
+            </a:pPr>
+            <a:r>
+              <a:rPr lang="ja-JP" altLang="en-US" sz="1200" dirty="0">
+                <a:latin typeface="UD デジタル 教科書体 NP" panose="02020400000000000000" pitchFamily="18" charset="-128"/>
+                <a:ea typeface="UD デジタル 教科書体 NP" panose="02020400000000000000" pitchFamily="18" charset="-128"/>
+              </a:rPr>
+              <a:t>青ラインを検知後、</a:t>
+            </a:r>
+            <a:r>
+              <a:rPr lang="ja-JP" altLang="en-US" sz="1200" dirty="0">
+                <a:solidFill>
+                  <a:schemeClr val="accent1"/>
+                </a:solidFill>
+                <a:latin typeface="UD デジタル 教科書体 NP" panose="02020400000000000000" pitchFamily="18" charset="-128"/>
+                <a:ea typeface="UD デジタル 教科書体 NP" panose="02020400000000000000" pitchFamily="18" charset="-128"/>
+              </a:rPr>
+              <a:t>青矢印</a:t>
+            </a:r>
+            <a:r>
+              <a:rPr lang="en-US" altLang="ja-JP" sz="1200" dirty="0">
+                <a:solidFill>
+                  <a:schemeClr val="accent1"/>
+                </a:solidFill>
+                <a:latin typeface="UD デジタル 教科書体 NP" panose="02020400000000000000" pitchFamily="18" charset="-128"/>
+                <a:ea typeface="UD デジタル 教科書体 NP" panose="02020400000000000000" pitchFamily="18" charset="-128"/>
+              </a:rPr>
+              <a:t>(</a:t>
+            </a:r>
+            <a:r>
+              <a:rPr lang="ja-JP" altLang="en-US" sz="1200" dirty="0">
+                <a:solidFill>
+                  <a:schemeClr val="accent1"/>
+                </a:solidFill>
+                <a:latin typeface="UD デジタル 教科書体 NP" panose="02020400000000000000" pitchFamily="18" charset="-128"/>
+                <a:ea typeface="UD デジタル 教科書体 NP" panose="02020400000000000000" pitchFamily="18" charset="-128"/>
+              </a:rPr>
+              <a:t>②</a:t>
+            </a:r>
+            <a:r>
+              <a:rPr lang="en-US" altLang="ja-JP" sz="1200" dirty="0">
+                <a:solidFill>
+                  <a:schemeClr val="accent1"/>
+                </a:solidFill>
+                <a:latin typeface="UD デジタル 教科書体 NP" panose="02020400000000000000" pitchFamily="18" charset="-128"/>
+                <a:ea typeface="UD デジタル 教科書体 NP" panose="02020400000000000000" pitchFamily="18" charset="-128"/>
+              </a:rPr>
+              <a:t>)</a:t>
+            </a:r>
+            <a:r>
+              <a:rPr lang="ja-JP" altLang="en-US" sz="1200" dirty="0">
+                <a:latin typeface="UD デジタル 教科書体 NP" panose="02020400000000000000" pitchFamily="18" charset="-128"/>
+                <a:ea typeface="UD デジタル 教科書体 NP" panose="02020400000000000000" pitchFamily="18" charset="-128"/>
+              </a:rPr>
+              <a:t>の個所では青ラインをトレースして走行する。</a:t>
+            </a:r>
+            <a:endParaRPr lang="en-US" altLang="ja-JP" sz="1200" dirty="0">
+              <a:latin typeface="UD デジタル 教科書体 NP" panose="02020400000000000000" pitchFamily="18" charset="-128"/>
+              <a:ea typeface="UD デジタル 教科書体 NP" panose="02020400000000000000" pitchFamily="18" charset="-128"/>
+            </a:endParaRPr>
+          </a:p>
+          <a:p>
+            <a:pPr eaLnBrk="1" hangingPunct="1">
+              <a:lnSpc>
+                <a:spcPct val="80000"/>
+              </a:lnSpc>
+              <a:spcBef>
+                <a:spcPct val="20000"/>
+              </a:spcBef>
+            </a:pPr>
+            <a:r>
+              <a:rPr lang="ja-JP" altLang="en-US" sz="1200" dirty="0">
+                <a:latin typeface="UD デジタル 教科書体 NP" panose="02020400000000000000" pitchFamily="18" charset="-128"/>
+                <a:ea typeface="UD デジタル 教科書体 NP" panose="02020400000000000000" pitchFamily="18" charset="-128"/>
+              </a:rPr>
+              <a:t>この時、最初に目指す方向が右であることをバーチャル運転手は知っている。</a:t>
+            </a:r>
+            <a:endParaRPr lang="en-US" altLang="ja-JP" sz="1200" dirty="0">
+              <a:latin typeface="UD デジタル 教科書体 NP" panose="02020400000000000000" pitchFamily="18" charset="-128"/>
+              <a:ea typeface="UD デジタル 教科書体 NP" panose="02020400000000000000" pitchFamily="18" charset="-128"/>
+            </a:endParaRPr>
+          </a:p>
+          <a:p>
+            <a:pPr eaLnBrk="1" hangingPunct="1">
+              <a:lnSpc>
+                <a:spcPct val="80000"/>
+              </a:lnSpc>
+              <a:spcBef>
+                <a:spcPct val="20000"/>
+              </a:spcBef>
+            </a:pPr>
+            <a:r>
+              <a:rPr lang="ja-JP" altLang="en-US" sz="1200" dirty="0">
+                <a:latin typeface="UD デジタル 教科書体 NP" panose="02020400000000000000" pitchFamily="18" charset="-128"/>
+                <a:ea typeface="UD デジタル 教科書体 NP" panose="02020400000000000000" pitchFamily="18" charset="-128"/>
+              </a:rPr>
+              <a:t>そのため、黒ライン検知後の</a:t>
+            </a:r>
+            <a:r>
+              <a:rPr lang="ja-JP" altLang="en-US" sz="1200" dirty="0">
+                <a:solidFill>
+                  <a:schemeClr val="accent4">
+                    <a:lumMod val="75000"/>
+                  </a:schemeClr>
+                </a:solidFill>
+                <a:latin typeface="UD デジタル 教科書体 NP" panose="02020400000000000000" pitchFamily="18" charset="-128"/>
+                <a:ea typeface="UD デジタル 教科書体 NP" panose="02020400000000000000" pitchFamily="18" charset="-128"/>
+              </a:rPr>
+              <a:t>黄色矢印</a:t>
+            </a:r>
+            <a:r>
+              <a:rPr lang="en-US" altLang="ja-JP" sz="1200" dirty="0">
+                <a:solidFill>
+                  <a:schemeClr val="accent4">
+                    <a:lumMod val="75000"/>
+                  </a:schemeClr>
+                </a:solidFill>
+                <a:latin typeface="UD デジタル 教科書体 NP" panose="02020400000000000000" pitchFamily="18" charset="-128"/>
+                <a:ea typeface="UD デジタル 教科書体 NP" panose="02020400000000000000" pitchFamily="18" charset="-128"/>
+              </a:rPr>
+              <a:t>(</a:t>
+            </a:r>
+            <a:r>
+              <a:rPr lang="ja-JP" altLang="en-US" sz="1200" dirty="0">
+                <a:solidFill>
+                  <a:schemeClr val="accent4">
+                    <a:lumMod val="75000"/>
+                  </a:schemeClr>
+                </a:solidFill>
+                <a:latin typeface="UD デジタル 教科書体 NP" panose="02020400000000000000" pitchFamily="18" charset="-128"/>
+                <a:ea typeface="UD デジタル 教科書体 NP" panose="02020400000000000000" pitchFamily="18" charset="-128"/>
+              </a:rPr>
+              <a:t>③</a:t>
+            </a:r>
+            <a:r>
+              <a:rPr lang="en-US" altLang="ja-JP" sz="1200" dirty="0">
+                <a:solidFill>
+                  <a:schemeClr val="accent4">
+                    <a:lumMod val="75000"/>
+                  </a:schemeClr>
+                </a:solidFill>
+                <a:latin typeface="UD デジタル 教科書体 NP" panose="02020400000000000000" pitchFamily="18" charset="-128"/>
+                <a:ea typeface="UD デジタル 教科書体 NP" panose="02020400000000000000" pitchFamily="18" charset="-128"/>
+              </a:rPr>
+              <a:t>)</a:t>
+            </a:r>
+            <a:r>
+              <a:rPr lang="ja-JP" altLang="en-US" sz="1200" dirty="0">
+                <a:latin typeface="UD デジタル 教科書体 NP" panose="02020400000000000000" pitchFamily="18" charset="-128"/>
+                <a:ea typeface="UD デジタル 教科書体 NP" panose="02020400000000000000" pitchFamily="18" charset="-128"/>
+              </a:rPr>
+              <a:t>の個所ではバーチャル運転手は右を目指</a:t>
+            </a:r>
+            <a:endParaRPr lang="en-US" altLang="ja-JP" sz="1200" dirty="0">
+              <a:latin typeface="UD デジタル 教科書体 NP" panose="02020400000000000000" pitchFamily="18" charset="-128"/>
+              <a:ea typeface="UD デジタル 教科書体 NP" panose="02020400000000000000" pitchFamily="18" charset="-128"/>
+            </a:endParaRPr>
+          </a:p>
+          <a:p>
+            <a:pPr eaLnBrk="1" hangingPunct="1">
+              <a:lnSpc>
+                <a:spcPct val="80000"/>
+              </a:lnSpc>
+              <a:spcBef>
+                <a:spcPct val="20000"/>
+              </a:spcBef>
+            </a:pPr>
+            <a:r>
+              <a:rPr lang="ja-JP" altLang="en-US" sz="1200" dirty="0">
+                <a:latin typeface="UD デジタル 教科書体 NP" panose="02020400000000000000" pitchFamily="18" charset="-128"/>
+                <a:ea typeface="UD デジタル 教科書体 NP" panose="02020400000000000000" pitchFamily="18" charset="-128"/>
+              </a:rPr>
+              <a:t>して走行する。</a:t>
+            </a:r>
+            <a:endParaRPr lang="en-US" altLang="ja-JP" sz="1200" dirty="0">
+              <a:latin typeface="UD デジタル 教科書体 NP" panose="02020400000000000000" pitchFamily="18" charset="-128"/>
+              <a:ea typeface="UD デジタル 教科書体 NP" panose="02020400000000000000" pitchFamily="18" charset="-128"/>
+            </a:endParaRPr>
+          </a:p>
+          <a:p>
+            <a:pPr eaLnBrk="1" hangingPunct="1">
+              <a:lnSpc>
+                <a:spcPct val="80000"/>
+              </a:lnSpc>
+              <a:spcBef>
+                <a:spcPct val="20000"/>
+              </a:spcBef>
+            </a:pPr>
+            <a:r>
+              <a:rPr lang="ja-JP" altLang="en-US" sz="1200" dirty="0">
+                <a:latin typeface="UD デジタル 教科書体 NP" panose="02020400000000000000" pitchFamily="18" charset="-128"/>
+                <a:ea typeface="UD デジタル 教科書体 NP" panose="02020400000000000000" pitchFamily="18" charset="-128"/>
+              </a:rPr>
+              <a:t>その時、際限なく右に向かう訳ではなく、ライン上を走行する特性によって、</a:t>
+            </a:r>
+            <a:endParaRPr lang="en-US" altLang="ja-JP" sz="1200" dirty="0">
+              <a:latin typeface="UD デジタル 教科書体 NP" panose="02020400000000000000" pitchFamily="18" charset="-128"/>
+              <a:ea typeface="UD デジタル 教科書体 NP" panose="02020400000000000000" pitchFamily="18" charset="-128"/>
+            </a:endParaRPr>
+          </a:p>
+          <a:p>
+            <a:pPr eaLnBrk="1" hangingPunct="1">
+              <a:lnSpc>
+                <a:spcPct val="80000"/>
+              </a:lnSpc>
+              <a:spcBef>
+                <a:spcPct val="20000"/>
+              </a:spcBef>
+            </a:pPr>
+            <a:r>
+              <a:rPr lang="ja-JP" altLang="en-US" sz="1200" dirty="0">
+                <a:solidFill>
+                  <a:schemeClr val="accent4">
+                    <a:lumMod val="75000"/>
+                  </a:schemeClr>
+                </a:solidFill>
+                <a:latin typeface="UD デジタル 教科書体 NP" panose="02020400000000000000" pitchFamily="18" charset="-128"/>
+                <a:ea typeface="UD デジタル 教科書体 NP" panose="02020400000000000000" pitchFamily="18" charset="-128"/>
+              </a:rPr>
+              <a:t>黄色矢印</a:t>
+            </a:r>
+            <a:r>
+              <a:rPr lang="ja-JP" altLang="en-US" sz="1200" dirty="0">
+                <a:latin typeface="UD デジタル 教科書体 NP" panose="02020400000000000000" pitchFamily="18" charset="-128"/>
+                <a:ea typeface="UD デジタル 教科書体 NP" panose="02020400000000000000" pitchFamily="18" charset="-128"/>
+              </a:rPr>
+              <a:t>の示すように、より右にあるラインに沿って走行することとなる。</a:t>
+            </a:r>
+            <a:endParaRPr lang="en-US" altLang="ja-JP" sz="1200" dirty="0">
+              <a:latin typeface="UD デジタル 教科書体 NP" panose="02020400000000000000" pitchFamily="18" charset="-128"/>
+              <a:ea typeface="UD デジタル 教科書体 NP" panose="02020400000000000000" pitchFamily="18" charset="-128"/>
+            </a:endParaRPr>
+          </a:p>
+          <a:p>
+            <a:pPr eaLnBrk="1" hangingPunct="1">
+              <a:lnSpc>
+                <a:spcPct val="80000"/>
+              </a:lnSpc>
+              <a:spcBef>
+                <a:spcPct val="20000"/>
+              </a:spcBef>
+            </a:pPr>
+            <a:r>
+              <a:rPr lang="ja-JP" altLang="en-US" sz="1200" dirty="0">
+                <a:latin typeface="UD デジタル 教科書体 NP" panose="02020400000000000000" pitchFamily="18" charset="-128"/>
+                <a:ea typeface="UD デジタル 教科書体 NP" panose="02020400000000000000" pitchFamily="18" charset="-128"/>
+              </a:rPr>
+              <a:t>以降もバーチャル運転手は分岐時の進行方向を知っており、上記の動作を繰り返すこととする。</a:t>
+            </a:r>
+            <a:endParaRPr lang="en-US" altLang="ja-JP" sz="1200" dirty="0">
+              <a:latin typeface="UD デジタル 教科書体 NP" panose="02020400000000000000" pitchFamily="18" charset="-128"/>
+              <a:ea typeface="UD デジタル 教科書体 NP" panose="02020400000000000000" pitchFamily="18" charset="-128"/>
+            </a:endParaRPr>
+          </a:p>
+        </p:txBody>
+      </p:sp>
+      <p:pic>
+        <p:nvPicPr>
+          <p:cNvPr id="6" name="図 5">
+            <a:extLst>
+              <a:ext uri="{FF2B5EF4-FFF2-40B4-BE49-F238E27FC236}">
+                <a16:creationId xmlns:a16="http://schemas.microsoft.com/office/drawing/2014/main" id="{06ED64A9-B13C-E295-15FF-22D743B4A9A0}"/>
+              </a:ext>
+            </a:extLst>
+          </p:cNvPr>
+          <p:cNvPicPr>
+            <a:picLocks noChangeAspect="1"/>
+          </p:cNvPicPr>
+          <p:nvPr/>
+        </p:nvPicPr>
+        <p:blipFill>
+          <a:blip r:embed="rId2"/>
+          <a:stretch>
+            <a:fillRect/>
+          </a:stretch>
+        </p:blipFill>
+        <p:spPr>
+          <a:xfrm>
+            <a:off x="13072338" y="0"/>
+            <a:ext cx="1782501" cy="561372"/>
+          </a:xfrm>
+          <a:prstGeom prst="rect">
+            <a:avLst/>
+          </a:prstGeom>
+        </p:spPr>
+      </p:pic>
+      <p:sp>
+        <p:nvSpPr>
+          <p:cNvPr id="15" name="Google Shape;92;p3">
+            <a:extLst>
+              <a:ext uri="{FF2B5EF4-FFF2-40B4-BE49-F238E27FC236}">
+                <a16:creationId xmlns:a16="http://schemas.microsoft.com/office/drawing/2014/main" id="{0CB19D41-B315-D2F3-0574-4C5741DA70FA}"/>
+              </a:ext>
+            </a:extLst>
+          </p:cNvPr>
+          <p:cNvSpPr txBox="1">
+            <a:spLocks noGrp="1"/>
+          </p:cNvSpPr>
+          <p:nvPr/>
+        </p:nvSpPr>
+        <p:spPr>
+          <a:xfrm>
+            <a:off x="0" y="23866"/>
+            <a:ext cx="7873249" cy="515650"/>
+          </a:xfrm>
+          <a:prstGeom prst="rect">
+            <a:avLst/>
+          </a:prstGeom>
+          <a:noFill/>
+          <a:ln>
+            <a:noFill/>
+          </a:ln>
+        </p:spPr>
+        <p:txBody>
+          <a:bodyPr spcFirstLastPara="1" wrap="square" lIns="91425" tIns="45700" rIns="91425" bIns="45700" anchor="ctr" anchorCtr="0">
+            <a:noAutofit/>
+          </a:bodyPr>
+          <a:lstStyle>
+            <a:defPPr marR="0" lvl="0" algn="l" rtl="0">
+              <a:lnSpc>
+                <a:spcPct val="100000"/>
+              </a:lnSpc>
+              <a:spcBef>
+                <a:spcPts val="0"/>
+              </a:spcBef>
+              <a:spcAft>
+                <a:spcPts val="0"/>
+              </a:spcAft>
+            </a:defPPr>
+            <a:lvl1pPr marR="0" lvl="0" algn="l" rtl="0">
+              <a:lnSpc>
+                <a:spcPct val="90000"/>
+              </a:lnSpc>
+              <a:spcBef>
+                <a:spcPts val="0"/>
+              </a:spcBef>
+              <a:spcAft>
+                <a:spcPts val="0"/>
+              </a:spcAft>
+              <a:buClr>
+                <a:schemeClr val="dk1"/>
+              </a:buClr>
+              <a:buSzPts val="1800"/>
+              <a:buFont typeface="Calibri"/>
+              <a:buNone/>
+              <a:defRPr sz="6860" b="0" i="0" u="none" strike="noStrike" cap="none">
+                <a:solidFill>
+                  <a:schemeClr val="dk1"/>
+                </a:solidFill>
+                <a:latin typeface="Calibri"/>
+                <a:ea typeface="Calibri"/>
+                <a:cs typeface="Calibri"/>
+                <a:sym typeface="Calibri"/>
+              </a:defRPr>
+            </a:lvl1pPr>
+            <a:lvl2pPr marR="0" lvl="1" algn="l" rtl="0">
+              <a:lnSpc>
+                <a:spcPct val="100000"/>
+              </a:lnSpc>
+              <a:spcBef>
+                <a:spcPts val="0"/>
+              </a:spcBef>
+              <a:spcAft>
+                <a:spcPts val="0"/>
+              </a:spcAft>
+              <a:buClr>
+                <a:srgbClr val="000000"/>
+              </a:buClr>
+              <a:buSzPts val="1400"/>
+              <a:buFont typeface="Arial"/>
+              <a:buNone/>
+              <a:defRPr sz="1800" b="0" i="0" u="none" strike="noStrike" cap="none">
+                <a:solidFill>
+                  <a:srgbClr val="000000"/>
+                </a:solidFill>
+                <a:latin typeface="Arial"/>
+                <a:ea typeface="Arial"/>
+                <a:cs typeface="Arial"/>
+                <a:sym typeface="Arial"/>
+              </a:defRPr>
+            </a:lvl2pPr>
+            <a:lvl3pPr marR="0" lvl="2" algn="l" rtl="0">
+              <a:lnSpc>
+                <a:spcPct val="100000"/>
+              </a:lnSpc>
+              <a:spcBef>
+                <a:spcPts val="0"/>
+              </a:spcBef>
+              <a:spcAft>
+                <a:spcPts val="0"/>
+              </a:spcAft>
+              <a:buClr>
+                <a:srgbClr val="000000"/>
+              </a:buClr>
+              <a:buSzPts val="1400"/>
+              <a:buFont typeface="Arial"/>
+              <a:buNone/>
+              <a:defRPr sz="1800" b="0" i="0" u="none" strike="noStrike" cap="none">
+                <a:solidFill>
+                  <a:srgbClr val="000000"/>
+                </a:solidFill>
+                <a:latin typeface="Arial"/>
+                <a:ea typeface="Arial"/>
+                <a:cs typeface="Arial"/>
+                <a:sym typeface="Arial"/>
+              </a:defRPr>
+            </a:lvl3pPr>
+            <a:lvl4pPr marR="0" lvl="3" algn="l" rtl="0">
+              <a:lnSpc>
+                <a:spcPct val="100000"/>
+              </a:lnSpc>
+              <a:spcBef>
+                <a:spcPts val="0"/>
+              </a:spcBef>
+              <a:spcAft>
+                <a:spcPts val="0"/>
+              </a:spcAft>
+              <a:buClr>
+                <a:srgbClr val="000000"/>
+              </a:buClr>
+              <a:buSzPts val="1400"/>
+              <a:buFont typeface="Arial"/>
+              <a:buNone/>
+              <a:defRPr sz="1800" b="0" i="0" u="none" strike="noStrike" cap="none">
+                <a:solidFill>
+                  <a:srgbClr val="000000"/>
+                </a:solidFill>
+                <a:latin typeface="Arial"/>
+                <a:ea typeface="Arial"/>
+                <a:cs typeface="Arial"/>
+                <a:sym typeface="Arial"/>
+              </a:defRPr>
+            </a:lvl4pPr>
+            <a:lvl5pPr marR="0" lvl="4" algn="l" rtl="0">
+              <a:lnSpc>
+                <a:spcPct val="100000"/>
+              </a:lnSpc>
+              <a:spcBef>
+                <a:spcPts val="0"/>
+              </a:spcBef>
+              <a:spcAft>
+                <a:spcPts val="0"/>
+              </a:spcAft>
+              <a:buClr>
+                <a:srgbClr val="000000"/>
+              </a:buClr>
+              <a:buSzPts val="1400"/>
+              <a:buFont typeface="Arial"/>
+              <a:buNone/>
+              <a:defRPr sz="1800" b="0" i="0" u="none" strike="noStrike" cap="none">
+                <a:solidFill>
+                  <a:srgbClr val="000000"/>
+                </a:solidFill>
+                <a:latin typeface="Arial"/>
+                <a:ea typeface="Arial"/>
+                <a:cs typeface="Arial"/>
+                <a:sym typeface="Arial"/>
+              </a:defRPr>
+            </a:lvl5pPr>
+            <a:lvl6pPr marR="0" lvl="5" algn="l" rtl="0">
+              <a:lnSpc>
+                <a:spcPct val="100000"/>
+              </a:lnSpc>
+              <a:spcBef>
+                <a:spcPts val="0"/>
+              </a:spcBef>
+              <a:spcAft>
+                <a:spcPts val="0"/>
+              </a:spcAft>
+              <a:buClr>
+                <a:srgbClr val="000000"/>
+              </a:buClr>
+              <a:buSzPts val="1400"/>
+              <a:buFont typeface="Arial"/>
+              <a:buNone/>
+              <a:defRPr sz="1800" b="0" i="0" u="none" strike="noStrike" cap="none">
+                <a:solidFill>
+                  <a:srgbClr val="000000"/>
+                </a:solidFill>
+                <a:latin typeface="Arial"/>
+                <a:ea typeface="Arial"/>
+                <a:cs typeface="Arial"/>
+                <a:sym typeface="Arial"/>
+              </a:defRPr>
+            </a:lvl6pPr>
+            <a:lvl7pPr marR="0" lvl="6" algn="l" rtl="0">
+              <a:lnSpc>
+                <a:spcPct val="100000"/>
+              </a:lnSpc>
+              <a:spcBef>
+                <a:spcPts val="0"/>
+              </a:spcBef>
+              <a:spcAft>
+                <a:spcPts val="0"/>
+              </a:spcAft>
+              <a:buClr>
+                <a:srgbClr val="000000"/>
+              </a:buClr>
+              <a:buSzPts val="1400"/>
+              <a:buFont typeface="Arial"/>
+              <a:buNone/>
+              <a:defRPr sz="1800" b="0" i="0" u="none" strike="noStrike" cap="none">
+                <a:solidFill>
+                  <a:srgbClr val="000000"/>
+                </a:solidFill>
+                <a:latin typeface="Arial"/>
+                <a:ea typeface="Arial"/>
+                <a:cs typeface="Arial"/>
+                <a:sym typeface="Arial"/>
+              </a:defRPr>
+            </a:lvl7pPr>
+            <a:lvl8pPr marR="0" lvl="7" algn="l" rtl="0">
+              <a:lnSpc>
+                <a:spcPct val="100000"/>
+              </a:lnSpc>
+              <a:spcBef>
+                <a:spcPts val="0"/>
+              </a:spcBef>
+              <a:spcAft>
+                <a:spcPts val="0"/>
+              </a:spcAft>
+              <a:buClr>
+                <a:srgbClr val="000000"/>
+              </a:buClr>
+              <a:buSzPts val="1400"/>
+              <a:buFont typeface="Arial"/>
+              <a:buNone/>
+              <a:defRPr sz="1800" b="0" i="0" u="none" strike="noStrike" cap="none">
+                <a:solidFill>
+                  <a:srgbClr val="000000"/>
+                </a:solidFill>
+                <a:latin typeface="Arial"/>
+                <a:ea typeface="Arial"/>
+                <a:cs typeface="Arial"/>
+                <a:sym typeface="Arial"/>
+              </a:defRPr>
+            </a:lvl8pPr>
+            <a:lvl9pPr marR="0" lvl="8" algn="l" rtl="0">
+              <a:lnSpc>
+                <a:spcPct val="100000"/>
+              </a:lnSpc>
+              <a:spcBef>
+                <a:spcPts val="0"/>
+              </a:spcBef>
+              <a:spcAft>
+                <a:spcPts val="0"/>
+              </a:spcAft>
+              <a:buClr>
+                <a:srgbClr val="000000"/>
+              </a:buClr>
+              <a:buSzPts val="1400"/>
+              <a:buFont typeface="Arial"/>
+              <a:buNone/>
+              <a:defRPr sz="1800" b="0" i="0" u="none" strike="noStrike" cap="none">
+                <a:solidFill>
+                  <a:srgbClr val="000000"/>
+                </a:solidFill>
+                <a:latin typeface="Arial"/>
+                <a:ea typeface="Arial"/>
+                <a:cs typeface="Arial"/>
+                <a:sym typeface="Arial"/>
+              </a:defRPr>
+            </a:lvl9pPr>
+          </a:lstStyle>
+          <a:p>
+            <a:pPr marL="0" lvl="0" indent="0" algn="l" rtl="0">
+              <a:lnSpc>
+                <a:spcPct val="90000"/>
+              </a:lnSpc>
+              <a:spcBef>
+                <a:spcPts val="0"/>
+              </a:spcBef>
+              <a:spcAft>
+                <a:spcPts val="0"/>
+              </a:spcAft>
+              <a:buClr>
+                <a:schemeClr val="dk1"/>
+              </a:buClr>
+              <a:buSzPts val="6120"/>
+              <a:buFont typeface="Calibri"/>
+              <a:buNone/>
+            </a:pPr>
+            <a:r>
+              <a:rPr lang="ja-JP" sz="2800" b="1" dirty="0">
+                <a:solidFill>
+                  <a:srgbClr val="ED7D31"/>
+                </a:solidFill>
+                <a:latin typeface="+mj-ea"/>
+                <a:ea typeface="+mj-ea"/>
+              </a:rPr>
+              <a:t>1. 機能モデル</a:t>
+            </a:r>
+            <a:endParaRPr sz="2800" b="1" dirty="0">
+              <a:solidFill>
+                <a:srgbClr val="ED7D31"/>
+              </a:solidFill>
+              <a:latin typeface="+mj-ea"/>
+              <a:ea typeface="+mj-ea"/>
+            </a:endParaRPr>
+          </a:p>
+        </p:txBody>
+      </p:sp>
+      <p:sp>
+        <p:nvSpPr>
+          <p:cNvPr id="16" name="Google Shape;110;p3">
+            <a:extLst>
+              <a:ext uri="{FF2B5EF4-FFF2-40B4-BE49-F238E27FC236}">
+                <a16:creationId xmlns:a16="http://schemas.microsoft.com/office/drawing/2014/main" id="{E5849CF8-96C8-50A6-C787-45FE2ABF0F1A}"/>
+              </a:ext>
+            </a:extLst>
+          </p:cNvPr>
+          <p:cNvSpPr/>
+          <p:nvPr/>
+        </p:nvSpPr>
+        <p:spPr>
+          <a:xfrm>
+            <a:off x="7649914" y="-1773"/>
+            <a:ext cx="5463600" cy="554400"/>
+          </a:xfrm>
+          <a:prstGeom prst="rect">
+            <a:avLst/>
+          </a:prstGeom>
+          <a:solidFill>
+            <a:schemeClr val="accent2"/>
+          </a:solidFill>
+          <a:ln>
+            <a:noFill/>
+          </a:ln>
+        </p:spPr>
+        <p:txBody>
+          <a:bodyPr spcFirstLastPara="1" wrap="square" lIns="91425" tIns="45700" rIns="91425" bIns="45700" anchor="ctr" anchorCtr="0">
+            <a:noAutofit/>
+          </a:bodyPr>
+          <a:lstStyle>
+            <a:defPPr marR="0" lvl="0" algn="l" rtl="0">
+              <a:lnSpc>
+                <a:spcPct val="100000"/>
+              </a:lnSpc>
+              <a:spcBef>
+                <a:spcPts val="0"/>
+              </a:spcBef>
+              <a:spcAft>
+                <a:spcPts val="0"/>
+              </a:spcAft>
+            </a:defPPr>
+            <a:lvl1pPr marR="0" lvl="0" algn="l" rtl="0">
+              <a:lnSpc>
+                <a:spcPct val="100000"/>
+              </a:lnSpc>
+              <a:spcBef>
+                <a:spcPts val="0"/>
+              </a:spcBef>
+              <a:spcAft>
+                <a:spcPts val="0"/>
+              </a:spcAft>
+              <a:buClr>
+                <a:srgbClr val="000000"/>
+              </a:buClr>
+              <a:buFont typeface="Arial"/>
+              <a:defRPr sz="1400" b="0" i="0" u="none" strike="noStrike" cap="none">
+                <a:solidFill>
+                  <a:srgbClr val="000000"/>
+                </a:solidFill>
+                <a:latin typeface="Arial"/>
+                <a:ea typeface="Arial"/>
+                <a:cs typeface="Arial"/>
+                <a:sym typeface="Arial"/>
+              </a:defRPr>
+            </a:lvl1pPr>
+            <a:lvl2pPr marR="0" lvl="1" algn="l" rtl="0">
+              <a:lnSpc>
+                <a:spcPct val="100000"/>
+              </a:lnSpc>
+              <a:spcBef>
+                <a:spcPts val="0"/>
+              </a:spcBef>
+              <a:spcAft>
+                <a:spcPts val="0"/>
+              </a:spcAft>
+              <a:buClr>
+                <a:srgbClr val="000000"/>
+              </a:buClr>
+              <a:buFont typeface="Arial"/>
+              <a:defRPr sz="1400" b="0" i="0" u="none" strike="noStrike" cap="none">
+                <a:solidFill>
+                  <a:srgbClr val="000000"/>
+                </a:solidFill>
+                <a:latin typeface="Arial"/>
+                <a:ea typeface="Arial"/>
+                <a:cs typeface="Arial"/>
+                <a:sym typeface="Arial"/>
+              </a:defRPr>
+            </a:lvl2pPr>
+            <a:lvl3pPr marR="0" lvl="2" algn="l" rtl="0">
+              <a:lnSpc>
+                <a:spcPct val="100000"/>
+              </a:lnSpc>
+              <a:spcBef>
+                <a:spcPts val="0"/>
+              </a:spcBef>
+              <a:spcAft>
+                <a:spcPts val="0"/>
+              </a:spcAft>
+              <a:buClr>
+                <a:srgbClr val="000000"/>
+              </a:buClr>
+              <a:buFont typeface="Arial"/>
+              <a:defRPr sz="1400" b="0" i="0" u="none" strike="noStrike" cap="none">
+                <a:solidFill>
+                  <a:srgbClr val="000000"/>
+                </a:solidFill>
+                <a:latin typeface="Arial"/>
+                <a:ea typeface="Arial"/>
+                <a:cs typeface="Arial"/>
+                <a:sym typeface="Arial"/>
+              </a:defRPr>
+            </a:lvl3pPr>
+            <a:lvl4pPr marR="0" lvl="3" algn="l" rtl="0">
+              <a:lnSpc>
+                <a:spcPct val="100000"/>
+              </a:lnSpc>
+              <a:spcBef>
+                <a:spcPts val="0"/>
+              </a:spcBef>
+              <a:spcAft>
+                <a:spcPts val="0"/>
+              </a:spcAft>
+              <a:buClr>
+                <a:srgbClr val="000000"/>
+              </a:buClr>
+              <a:buFont typeface="Arial"/>
+              <a:defRPr sz="1400" b="0" i="0" u="none" strike="noStrike" cap="none">
+                <a:solidFill>
+                  <a:srgbClr val="000000"/>
+                </a:solidFill>
+                <a:latin typeface="Arial"/>
+                <a:ea typeface="Arial"/>
+                <a:cs typeface="Arial"/>
+                <a:sym typeface="Arial"/>
+              </a:defRPr>
+            </a:lvl4pPr>
+            <a:lvl5pPr marR="0" lvl="4" algn="l" rtl="0">
+              <a:lnSpc>
+                <a:spcPct val="100000"/>
+              </a:lnSpc>
+              <a:spcBef>
+                <a:spcPts val="0"/>
+              </a:spcBef>
+              <a:spcAft>
+                <a:spcPts val="0"/>
+              </a:spcAft>
+              <a:buClr>
+                <a:srgbClr val="000000"/>
+              </a:buClr>
+              <a:buFont typeface="Arial"/>
+              <a:defRPr sz="1400" b="0" i="0" u="none" strike="noStrike" cap="none">
+                <a:solidFill>
+                  <a:srgbClr val="000000"/>
+                </a:solidFill>
+                <a:latin typeface="Arial"/>
+                <a:ea typeface="Arial"/>
+                <a:cs typeface="Arial"/>
+                <a:sym typeface="Arial"/>
+              </a:defRPr>
+            </a:lvl5pPr>
+            <a:lvl6pPr marR="0" lvl="5" algn="l" rtl="0">
+              <a:lnSpc>
+                <a:spcPct val="100000"/>
+              </a:lnSpc>
+              <a:spcBef>
+                <a:spcPts val="0"/>
+              </a:spcBef>
+              <a:spcAft>
+                <a:spcPts val="0"/>
+              </a:spcAft>
+              <a:buClr>
+                <a:srgbClr val="000000"/>
+              </a:buClr>
+              <a:buFont typeface="Arial"/>
+              <a:defRPr sz="1400" b="0" i="0" u="none" strike="noStrike" cap="none">
+                <a:solidFill>
+                  <a:srgbClr val="000000"/>
+                </a:solidFill>
+                <a:latin typeface="Arial"/>
+                <a:ea typeface="Arial"/>
+                <a:cs typeface="Arial"/>
+                <a:sym typeface="Arial"/>
+              </a:defRPr>
+            </a:lvl6pPr>
+            <a:lvl7pPr marR="0" lvl="6" algn="l" rtl="0">
+              <a:lnSpc>
+                <a:spcPct val="100000"/>
+              </a:lnSpc>
+              <a:spcBef>
+                <a:spcPts val="0"/>
+              </a:spcBef>
+              <a:spcAft>
+                <a:spcPts val="0"/>
+              </a:spcAft>
+              <a:buClr>
+                <a:srgbClr val="000000"/>
+              </a:buClr>
+              <a:buFont typeface="Arial"/>
+              <a:defRPr sz="1400" b="0" i="0" u="none" strike="noStrike" cap="none">
+                <a:solidFill>
+                  <a:srgbClr val="000000"/>
+                </a:solidFill>
+                <a:latin typeface="Arial"/>
+                <a:ea typeface="Arial"/>
+                <a:cs typeface="Arial"/>
+                <a:sym typeface="Arial"/>
+              </a:defRPr>
+            </a:lvl7pPr>
+            <a:lvl8pPr marR="0" lvl="7" algn="l" rtl="0">
+              <a:lnSpc>
+                <a:spcPct val="100000"/>
+              </a:lnSpc>
+              <a:spcBef>
+                <a:spcPts val="0"/>
+              </a:spcBef>
+              <a:spcAft>
+                <a:spcPts val="0"/>
+              </a:spcAft>
+              <a:buClr>
+                <a:srgbClr val="000000"/>
+              </a:buClr>
+              <a:buFont typeface="Arial"/>
+              <a:defRPr sz="1400" b="0" i="0" u="none" strike="noStrike" cap="none">
+                <a:solidFill>
+                  <a:srgbClr val="000000"/>
+                </a:solidFill>
+                <a:latin typeface="Arial"/>
+                <a:ea typeface="Arial"/>
+                <a:cs typeface="Arial"/>
+                <a:sym typeface="Arial"/>
+              </a:defRPr>
+            </a:lvl8pPr>
+            <a:lvl9pPr marR="0" lvl="8" algn="l" rtl="0">
+              <a:lnSpc>
+                <a:spcPct val="100000"/>
+              </a:lnSpc>
+              <a:spcBef>
+                <a:spcPts val="0"/>
+              </a:spcBef>
+              <a:spcAft>
+                <a:spcPts val="0"/>
+              </a:spcAft>
+              <a:buClr>
+                <a:srgbClr val="000000"/>
+              </a:buClr>
+              <a:buFont typeface="Arial"/>
+              <a:defRPr sz="1400" b="0" i="0" u="none" strike="noStrike" cap="none">
+                <a:solidFill>
+                  <a:srgbClr val="000000"/>
+                </a:solidFill>
+                <a:latin typeface="Arial"/>
+                <a:ea typeface="Arial"/>
+                <a:cs typeface="Arial"/>
+                <a:sym typeface="Arial"/>
+              </a:defRPr>
+            </a:lvl9pPr>
+          </a:lstStyle>
+          <a:p>
+            <a:pPr marL="0" marR="0" lvl="0" indent="0" algn="ctr" rtl="0">
+              <a:lnSpc>
+                <a:spcPct val="100000"/>
+              </a:lnSpc>
+              <a:spcBef>
+                <a:spcPts val="0"/>
+              </a:spcBef>
+              <a:spcAft>
+                <a:spcPts val="0"/>
+              </a:spcAft>
+              <a:buClr>
+                <a:srgbClr val="000000"/>
+              </a:buClr>
+              <a:buSzPts val="3200"/>
+              <a:buFont typeface="Arial"/>
+              <a:buNone/>
+            </a:pPr>
+            <a:r>
+              <a:rPr lang="ja-JP" sz="3200" b="0" i="0" u="none" strike="noStrike" cap="none" dirty="0">
+                <a:solidFill>
+                  <a:schemeClr val="lt1"/>
+                </a:solidFill>
+                <a:latin typeface="Arial"/>
+                <a:ea typeface="Arial"/>
+                <a:cs typeface="Arial"/>
+                <a:sym typeface="Arial"/>
+              </a:rPr>
+              <a:t>てなろぼ★ぷらいまりぃ</a:t>
+            </a:r>
+            <a:endParaRPr sz="3200" b="0" i="0" u="none" strike="noStrike" cap="none" dirty="0">
+              <a:solidFill>
+                <a:schemeClr val="lt1"/>
+              </a:solidFill>
+              <a:latin typeface="Arial"/>
+              <a:ea typeface="Arial"/>
+              <a:cs typeface="Arial"/>
+              <a:sym typeface="Arial"/>
+            </a:endParaRPr>
+          </a:p>
+        </p:txBody>
+      </p:sp>
+      <mc:AlternateContent xmlns:mc="http://schemas.openxmlformats.org/markup-compatibility/2006" xmlns:p14="http://schemas.microsoft.com/office/powerpoint/2010/main">
+        <mc:Choice Requires="p14">
+          <p:contentPart p14:bwMode="auto" r:id="rId3">
+            <p14:nvContentPartPr>
+              <p14:cNvPr id="18" name="インク 17">
+                <a:extLst>
+                  <a:ext uri="{FF2B5EF4-FFF2-40B4-BE49-F238E27FC236}">
+                    <a16:creationId xmlns:a16="http://schemas.microsoft.com/office/drawing/2014/main" id="{DFC48485-B09A-7828-3758-61EEDCDB8E21}"/>
+                  </a:ext>
+                </a:extLst>
+              </p14:cNvPr>
+              <p14:cNvContentPartPr/>
+              <p14:nvPr/>
+            </p14:nvContentPartPr>
+            <p14:xfrm>
+              <a:off x="8296793" y="121087"/>
+              <a:ext cx="360" cy="360"/>
+            </p14:xfrm>
+          </p:contentPart>
+        </mc:Choice>
+        <mc:Fallback xmlns="">
+          <p:pic>
+            <p:nvPicPr>
+              <p:cNvPr id="18" name="インク 17">
+                <a:extLst>
+                  <a:ext uri="{FF2B5EF4-FFF2-40B4-BE49-F238E27FC236}">
+                    <a16:creationId xmlns:a16="http://schemas.microsoft.com/office/drawing/2014/main" id="{DFC48485-B09A-7828-3758-61EEDCDB8E21}"/>
+                  </a:ext>
+                </a:extLst>
+              </p:cNvPr>
+              <p:cNvPicPr/>
+              <p:nvPr/>
+            </p:nvPicPr>
+            <p:blipFill>
+              <a:blip r:embed="rId7"/>
+              <a:stretch>
+                <a:fillRect/>
+              </a:stretch>
+            </p:blipFill>
+            <p:spPr>
+              <a:xfrm>
+                <a:off x="8290673" y="114967"/>
+                <a:ext cx="12600" cy="12600"/>
+              </a:xfrm>
+              <a:prstGeom prst="rect">
+                <a:avLst/>
+              </a:prstGeom>
+            </p:spPr>
+          </p:pic>
+        </mc:Fallback>
+      </mc:AlternateContent>
+      <mc:AlternateContent xmlns:mc="http://schemas.openxmlformats.org/markup-compatibility/2006" xmlns:p14="http://schemas.microsoft.com/office/powerpoint/2010/main">
+        <mc:Choice Requires="p14">
+          <p:contentPart p14:bwMode="auto" r:id="rId8">
+            <p14:nvContentPartPr>
+              <p14:cNvPr id="21" name="インク 20">
+                <a:extLst>
+                  <a:ext uri="{FF2B5EF4-FFF2-40B4-BE49-F238E27FC236}">
+                    <a16:creationId xmlns:a16="http://schemas.microsoft.com/office/drawing/2014/main" id="{0FD97F9E-4E3B-3F7F-80A4-8BF47475E612}"/>
+                  </a:ext>
+                </a:extLst>
+              </p14:cNvPr>
+              <p14:cNvContentPartPr/>
+              <p14:nvPr/>
+            </p14:nvContentPartPr>
+            <p14:xfrm>
+              <a:off x="8982593" y="1667287"/>
+              <a:ext cx="360" cy="360"/>
+            </p14:xfrm>
+          </p:contentPart>
+        </mc:Choice>
+        <mc:Fallback xmlns="">
+          <p:pic>
+            <p:nvPicPr>
+              <p:cNvPr id="21" name="インク 20">
+                <a:extLst>
+                  <a:ext uri="{FF2B5EF4-FFF2-40B4-BE49-F238E27FC236}">
+                    <a16:creationId xmlns:a16="http://schemas.microsoft.com/office/drawing/2014/main" id="{0FD97F9E-4E3B-3F7F-80A4-8BF47475E612}"/>
+                  </a:ext>
+                </a:extLst>
+              </p:cNvPr>
+              <p:cNvPicPr/>
+              <p:nvPr/>
+            </p:nvPicPr>
+            <p:blipFill>
+              <a:blip r:embed="rId7"/>
+              <a:stretch>
+                <a:fillRect/>
+              </a:stretch>
+            </p:blipFill>
+            <p:spPr>
+              <a:xfrm>
+                <a:off x="8976473" y="1661167"/>
+                <a:ext cx="12600" cy="12600"/>
+              </a:xfrm>
+              <a:prstGeom prst="rect">
+                <a:avLst/>
+              </a:prstGeom>
+            </p:spPr>
+          </p:pic>
+        </mc:Fallback>
+      </mc:AlternateContent>
+      <p:cxnSp>
+        <p:nvCxnSpPr>
+          <p:cNvPr id="22" name="Google Shape;127;p4">
+            <a:extLst>
+              <a:ext uri="{FF2B5EF4-FFF2-40B4-BE49-F238E27FC236}">
+                <a16:creationId xmlns:a16="http://schemas.microsoft.com/office/drawing/2014/main" id="{908872A4-3C72-3AB5-A4C2-771945FAE992}"/>
+              </a:ext>
+            </a:extLst>
+          </p:cNvPr>
+          <p:cNvCxnSpPr/>
+          <p:nvPr/>
+        </p:nvCxnSpPr>
+        <p:spPr>
+          <a:xfrm>
+            <a:off x="2951" y="554400"/>
+            <a:ext cx="15116399" cy="0"/>
+          </a:xfrm>
+          <a:prstGeom prst="straightConnector1">
+            <a:avLst/>
+          </a:prstGeom>
+          <a:noFill/>
+          <a:ln w="19050" cap="flat" cmpd="sng">
+            <a:solidFill>
+              <a:schemeClr val="accent2"/>
+            </a:solidFill>
+            <a:prstDash val="solid"/>
+            <a:miter lim="800000"/>
+            <a:headEnd type="none" w="sm" len="sm"/>
+            <a:tailEnd type="none" w="sm" len="sm"/>
+          </a:ln>
+        </p:spPr>
+      </p:cxnSp>
+      <p:sp>
+        <p:nvSpPr>
+          <p:cNvPr id="24" name="Rectangle 3">
+            <a:extLst>
+              <a:ext uri="{FF2B5EF4-FFF2-40B4-BE49-F238E27FC236}">
+                <a16:creationId xmlns:a16="http://schemas.microsoft.com/office/drawing/2014/main" id="{C9D5E40D-479F-E22F-E7A6-7CC87CE8BDFD}"/>
+              </a:ext>
+            </a:extLst>
+          </p:cNvPr>
+          <p:cNvSpPr>
+            <a:spLocks noChangeArrowheads="1"/>
+          </p:cNvSpPr>
+          <p:nvPr/>
+        </p:nvSpPr>
+        <p:spPr bwMode="auto">
+          <a:xfrm>
+            <a:off x="48679" y="3998602"/>
+            <a:ext cx="11055730" cy="6652353"/>
+          </a:xfrm>
+          <a:prstGeom prst="rect">
+            <a:avLst/>
+          </a:prstGeom>
+          <a:solidFill>
+            <a:schemeClr val="bg1"/>
+          </a:solidFill>
+          <a:ln w="9525">
+            <a:solidFill>
+              <a:srgbClr val="ED7D31"/>
+            </a:solidFill>
+            <a:miter lim="800000"/>
+            <a:headEnd/>
+            <a:tailEnd/>
+          </a:ln>
+        </p:spPr>
+        <p:txBody>
+          <a:bodyPr lIns="120687" tIns="60343" rIns="120687" bIns="60343"/>
+          <a:lstStyle>
+            <a:lvl1pPr marL="481013" indent="-481013" defTabSz="1279525" eaLnBrk="0" hangingPunct="0">
+              <a:defRPr kumimoji="1" sz="1600">
+                <a:solidFill>
+                  <a:schemeClr val="tx1"/>
+                </a:solidFill>
+                <a:latin typeface="Times New Roman" panose="02020603050405020304" pitchFamily="18" charset="0"/>
+                <a:ea typeface="ＭＳ Ｐゴシック" panose="020B0600070205080204" pitchFamily="34" charset="-128"/>
+              </a:defRPr>
+            </a:lvl1pPr>
+            <a:lvl2pPr marL="742950" indent="-285750" defTabSz="1279525" eaLnBrk="0" hangingPunct="0">
+              <a:defRPr kumimoji="1" sz="1600">
+                <a:solidFill>
+                  <a:schemeClr val="tx1"/>
+                </a:solidFill>
+                <a:latin typeface="Times New Roman" panose="02020603050405020304" pitchFamily="18" charset="0"/>
+                <a:ea typeface="ＭＳ Ｐゴシック" panose="020B0600070205080204" pitchFamily="34" charset="-128"/>
+              </a:defRPr>
+            </a:lvl2pPr>
+            <a:lvl3pPr marL="1143000" indent="-228600" defTabSz="1279525" eaLnBrk="0" hangingPunct="0">
+              <a:defRPr kumimoji="1" sz="1600">
+                <a:solidFill>
+                  <a:schemeClr val="tx1"/>
+                </a:solidFill>
+                <a:latin typeface="Times New Roman" panose="02020603050405020304" pitchFamily="18" charset="0"/>
+                <a:ea typeface="ＭＳ Ｐゴシック" panose="020B0600070205080204" pitchFamily="34" charset="-128"/>
+              </a:defRPr>
+            </a:lvl3pPr>
+            <a:lvl4pPr marL="1600200" indent="-228600" defTabSz="1279525" eaLnBrk="0" hangingPunct="0">
+              <a:defRPr kumimoji="1" sz="1600">
+                <a:solidFill>
+                  <a:schemeClr val="tx1"/>
+                </a:solidFill>
+                <a:latin typeface="Times New Roman" panose="02020603050405020304" pitchFamily="18" charset="0"/>
+                <a:ea typeface="ＭＳ Ｐゴシック" panose="020B0600070205080204" pitchFamily="34" charset="-128"/>
+              </a:defRPr>
+            </a:lvl4pPr>
+            <a:lvl5pPr marL="2057400" indent="-228600" defTabSz="1279525" eaLnBrk="0" hangingPunct="0">
+              <a:defRPr kumimoji="1" sz="1600">
+                <a:solidFill>
+                  <a:schemeClr val="tx1"/>
+                </a:solidFill>
+                <a:latin typeface="Times New Roman" panose="02020603050405020304" pitchFamily="18" charset="0"/>
+                <a:ea typeface="ＭＳ Ｐゴシック" panose="020B0600070205080204" pitchFamily="34" charset="-128"/>
+              </a:defRPr>
+            </a:lvl5pPr>
+            <a:lvl6pPr marL="2514600" indent="-228600" defTabSz="1279525" eaLnBrk="0" fontAlgn="base" hangingPunct="0">
+              <a:spcBef>
+                <a:spcPct val="0"/>
+              </a:spcBef>
+              <a:spcAft>
+                <a:spcPct val="0"/>
+              </a:spcAft>
+              <a:defRPr kumimoji="1" sz="1600">
+                <a:solidFill>
+                  <a:schemeClr val="tx1"/>
+                </a:solidFill>
+                <a:latin typeface="Times New Roman" panose="02020603050405020304" pitchFamily="18" charset="0"/>
+                <a:ea typeface="ＭＳ Ｐゴシック" panose="020B0600070205080204" pitchFamily="34" charset="-128"/>
+              </a:defRPr>
+            </a:lvl6pPr>
+            <a:lvl7pPr marL="2971800" indent="-228600" defTabSz="1279525" eaLnBrk="0" fontAlgn="base" hangingPunct="0">
+              <a:spcBef>
+                <a:spcPct val="0"/>
+              </a:spcBef>
+              <a:spcAft>
+                <a:spcPct val="0"/>
+              </a:spcAft>
+              <a:defRPr kumimoji="1" sz="1600">
+                <a:solidFill>
+                  <a:schemeClr val="tx1"/>
+                </a:solidFill>
+                <a:latin typeface="Times New Roman" panose="02020603050405020304" pitchFamily="18" charset="0"/>
+                <a:ea typeface="ＭＳ Ｐゴシック" panose="020B0600070205080204" pitchFamily="34" charset="-128"/>
+              </a:defRPr>
+            </a:lvl7pPr>
+            <a:lvl8pPr marL="3429000" indent="-228600" defTabSz="1279525" eaLnBrk="0" fontAlgn="base" hangingPunct="0">
+              <a:spcBef>
+                <a:spcPct val="0"/>
+              </a:spcBef>
+              <a:spcAft>
+                <a:spcPct val="0"/>
+              </a:spcAft>
+              <a:defRPr kumimoji="1" sz="1600">
+                <a:solidFill>
+                  <a:schemeClr val="tx1"/>
+                </a:solidFill>
+                <a:latin typeface="Times New Roman" panose="02020603050405020304" pitchFamily="18" charset="0"/>
+                <a:ea typeface="ＭＳ Ｐゴシック" panose="020B0600070205080204" pitchFamily="34" charset="-128"/>
+              </a:defRPr>
+            </a:lvl8pPr>
+            <a:lvl9pPr marL="3886200" indent="-228600" defTabSz="1279525" eaLnBrk="0" fontAlgn="base" hangingPunct="0">
+              <a:spcBef>
+                <a:spcPct val="0"/>
+              </a:spcBef>
+              <a:spcAft>
+                <a:spcPct val="0"/>
+              </a:spcAft>
+              <a:defRPr kumimoji="1" sz="1600">
+                <a:solidFill>
+                  <a:schemeClr val="tx1"/>
+                </a:solidFill>
+                <a:latin typeface="Times New Roman" panose="02020603050405020304" pitchFamily="18" charset="0"/>
+                <a:ea typeface="ＭＳ Ｐゴシック" panose="020B0600070205080204" pitchFamily="34" charset="-128"/>
+              </a:defRPr>
+            </a:lvl9pPr>
+          </a:lstStyle>
+          <a:p>
+            <a:pPr eaLnBrk="1" hangingPunct="1">
+              <a:lnSpc>
+                <a:spcPct val="80000"/>
+              </a:lnSpc>
+              <a:spcBef>
+                <a:spcPct val="20000"/>
+              </a:spcBef>
+            </a:pPr>
+            <a:r>
+              <a:rPr lang="en-US" altLang="ja-JP" sz="1782" dirty="0">
+                <a:solidFill>
+                  <a:srgbClr val="FF0000"/>
+                </a:solidFill>
+                <a:latin typeface="UD デジタル 教科書体 NP" panose="02020400000000000000" pitchFamily="18" charset="-128"/>
+                <a:ea typeface="UD デジタル 教科書体 NP" panose="02020400000000000000" pitchFamily="18" charset="-128"/>
+              </a:rPr>
+              <a:t>1-2. </a:t>
+            </a:r>
+            <a:r>
+              <a:rPr lang="ja-JP" altLang="en-US" sz="1782" dirty="0">
+                <a:solidFill>
+                  <a:srgbClr val="FF0000"/>
+                </a:solidFill>
+                <a:latin typeface="UD デジタル 教科書体 NP" panose="02020400000000000000" pitchFamily="18" charset="-128"/>
+                <a:ea typeface="UD デジタル 教科書体 NP" panose="02020400000000000000" pitchFamily="18" charset="-128"/>
+              </a:rPr>
+              <a:t>要件分析とリスク分析</a:t>
+            </a:r>
+            <a:endParaRPr lang="en-US" altLang="ja-JP" sz="1800" dirty="0">
+              <a:latin typeface="UD デジタル 教科書体 NP" panose="02020400000000000000" pitchFamily="18" charset="-128"/>
+              <a:ea typeface="UD デジタル 教科書体 NP" panose="02020400000000000000" pitchFamily="18" charset="-128"/>
+            </a:endParaRPr>
+          </a:p>
+          <a:p>
+            <a:pPr eaLnBrk="1" hangingPunct="1">
+              <a:lnSpc>
+                <a:spcPct val="80000"/>
+              </a:lnSpc>
+              <a:spcBef>
+                <a:spcPct val="20000"/>
+              </a:spcBef>
+            </a:pPr>
+            <a:r>
+              <a:rPr lang="ja-JP" altLang="en-US" sz="1200" dirty="0">
+                <a:latin typeface="UD デジタル 教科書体 NP" panose="02020400000000000000" pitchFamily="18" charset="-128"/>
+                <a:ea typeface="UD デジタル 教科書体 NP" panose="02020400000000000000" pitchFamily="18" charset="-128"/>
+              </a:rPr>
+              <a:t>基本戦略の実現に向けて</a:t>
+            </a:r>
+            <a:r>
+              <a:rPr lang="en-US" altLang="ja-JP" sz="1200" dirty="0">
+                <a:latin typeface="UD デジタル 教科書体 NP" panose="02020400000000000000" pitchFamily="18" charset="-128"/>
+                <a:ea typeface="UD デジタル 教科書体 NP" panose="02020400000000000000" pitchFamily="18" charset="-128"/>
+              </a:rPr>
+              <a:t>2</a:t>
+            </a:r>
+            <a:r>
+              <a:rPr lang="ja-JP" altLang="en-US" sz="1200" dirty="0">
+                <a:latin typeface="UD デジタル 教科書体 NP" panose="02020400000000000000" pitchFamily="18" charset="-128"/>
+                <a:ea typeface="UD デジタル 教科書体 NP" panose="02020400000000000000" pitchFamily="18" charset="-128"/>
+              </a:rPr>
+              <a:t>つのサブシステムに分割して整理することとした。</a:t>
+            </a:r>
+            <a:endParaRPr lang="en-US" altLang="ja-JP" sz="1200" dirty="0">
+              <a:latin typeface="UD デジタル 教科書体 NP" panose="02020400000000000000" pitchFamily="18" charset="-128"/>
+              <a:ea typeface="UD デジタル 教科書体 NP" panose="02020400000000000000" pitchFamily="18" charset="-128"/>
+            </a:endParaRPr>
+          </a:p>
+          <a:p>
+            <a:pPr eaLnBrk="1" hangingPunct="1">
+              <a:lnSpc>
+                <a:spcPct val="80000"/>
+              </a:lnSpc>
+              <a:spcBef>
+                <a:spcPct val="20000"/>
+              </a:spcBef>
+            </a:pPr>
+            <a:r>
+              <a:rPr lang="en-US" altLang="ja-JP" sz="1200" dirty="0">
+                <a:latin typeface="UD デジタル 教科書体 NP" panose="02020400000000000000" pitchFamily="18" charset="-128"/>
+                <a:ea typeface="UD デジタル 教科書体 NP" panose="02020400000000000000" pitchFamily="18" charset="-128"/>
+              </a:rPr>
+              <a:t>1</a:t>
+            </a:r>
+            <a:r>
+              <a:rPr lang="ja-JP" altLang="en-US" sz="1200" dirty="0">
+                <a:latin typeface="UD デジタル 教科書体 NP" panose="02020400000000000000" pitchFamily="18" charset="-128"/>
+                <a:ea typeface="UD デジタル 教科書体 NP" panose="02020400000000000000" pitchFamily="18" charset="-128"/>
+              </a:rPr>
+              <a:t>つは先述した競技者から受けた依頼の通りに走行体を走行させる「バーチャル運転手」、もう</a:t>
+            </a:r>
+            <a:r>
+              <a:rPr lang="en-US" altLang="ja-JP" sz="1200" dirty="0">
+                <a:latin typeface="UD デジタル 教科書体 NP" panose="02020400000000000000" pitchFamily="18" charset="-128"/>
+                <a:ea typeface="UD デジタル 教科書体 NP" panose="02020400000000000000" pitchFamily="18" charset="-128"/>
+              </a:rPr>
+              <a:t>1</a:t>
+            </a:r>
+            <a:r>
+              <a:rPr lang="ja-JP" altLang="en-US" sz="1200" dirty="0">
+                <a:latin typeface="UD デジタル 教科書体 NP" panose="02020400000000000000" pitchFamily="18" charset="-128"/>
+                <a:ea typeface="UD デジタル 教科書体 NP" panose="02020400000000000000" pitchFamily="18" charset="-128"/>
+              </a:rPr>
+              <a:t>つは走行体</a:t>
+            </a:r>
+            <a:endParaRPr lang="en-US" altLang="ja-JP" sz="1200" dirty="0">
+              <a:latin typeface="UD デジタル 教科書体 NP" panose="02020400000000000000" pitchFamily="18" charset="-128"/>
+              <a:ea typeface="UD デジタル 教科書体 NP" panose="02020400000000000000" pitchFamily="18" charset="-128"/>
+            </a:endParaRPr>
+          </a:p>
+          <a:p>
+            <a:pPr eaLnBrk="1" hangingPunct="1">
+              <a:lnSpc>
+                <a:spcPct val="80000"/>
+              </a:lnSpc>
+              <a:spcBef>
+                <a:spcPct val="20000"/>
+              </a:spcBef>
+            </a:pPr>
+            <a:r>
+              <a:rPr lang="ja-JP" altLang="en-US" sz="1200" dirty="0">
+                <a:latin typeface="UD デジタル 教科書体 NP" panose="02020400000000000000" pitchFamily="18" charset="-128"/>
+                <a:ea typeface="UD デジタル 教科書体 NP" panose="02020400000000000000" pitchFamily="18" charset="-128"/>
+              </a:rPr>
+              <a:t>自体の走行機能を提供する「走行システム」とする。</a:t>
+            </a:r>
+            <a:endParaRPr lang="en-US" altLang="ja-JP" sz="1200" dirty="0">
+              <a:latin typeface="UD デジタル 教科書体 NP" panose="02020400000000000000" pitchFamily="18" charset="-128"/>
+              <a:ea typeface="UD デジタル 教科書体 NP" panose="02020400000000000000" pitchFamily="18" charset="-128"/>
+            </a:endParaRPr>
+          </a:p>
+          <a:p>
+            <a:pPr eaLnBrk="1" hangingPunct="1">
+              <a:lnSpc>
+                <a:spcPct val="80000"/>
+              </a:lnSpc>
+              <a:spcBef>
+                <a:spcPct val="20000"/>
+              </a:spcBef>
+            </a:pPr>
+            <a:r>
+              <a:rPr lang="ja-JP" altLang="en-US" sz="1200" dirty="0">
+                <a:latin typeface="UD デジタル 教科書体 NP" panose="02020400000000000000" pitchFamily="18" charset="-128"/>
+                <a:ea typeface="UD デジタル 教科書体 NP" panose="02020400000000000000" pitchFamily="18" charset="-128"/>
+              </a:rPr>
+              <a:t>各サブシステムの</a:t>
+            </a:r>
+            <a:r>
+              <a:rPr lang="en-US" altLang="ja-JP" sz="1200" dirty="0">
+                <a:latin typeface="UD デジタル 教科書体 NP" panose="02020400000000000000" pitchFamily="18" charset="-128"/>
+                <a:ea typeface="UD デジタル 教科書体 NP" panose="02020400000000000000" pitchFamily="18" charset="-128"/>
+              </a:rPr>
+              <a:t>ID</a:t>
+            </a:r>
+            <a:r>
+              <a:rPr lang="ja-JP" altLang="en-US" sz="1200" dirty="0">
+                <a:latin typeface="UD デジタル 教科書体 NP" panose="02020400000000000000" pitchFamily="18" charset="-128"/>
+                <a:ea typeface="UD デジタル 教科書体 NP" panose="02020400000000000000" pitchFamily="18" charset="-128"/>
+              </a:rPr>
+              <a:t>として「バーチャル運転手」に対し「</a:t>
+            </a:r>
+            <a:r>
+              <a:rPr lang="en-US" altLang="ja-JP" sz="1200" dirty="0">
+                <a:latin typeface="UD デジタル 教科書体 NP" panose="02020400000000000000" pitchFamily="18" charset="-128"/>
+                <a:ea typeface="UD デジタル 教科書体 NP" panose="02020400000000000000" pitchFamily="18" charset="-128"/>
+              </a:rPr>
+              <a:t>VD</a:t>
+            </a:r>
+            <a:r>
+              <a:rPr lang="ja-JP" altLang="en-US" sz="1200" dirty="0">
+                <a:latin typeface="UD デジタル 教科書体 NP" panose="02020400000000000000" pitchFamily="18" charset="-128"/>
+                <a:ea typeface="UD デジタル 教科書体 NP" panose="02020400000000000000" pitchFamily="18" charset="-128"/>
+              </a:rPr>
+              <a:t>」、「走行システム」に対し「</a:t>
+            </a:r>
+            <a:r>
+              <a:rPr lang="en-US" altLang="ja-JP" sz="1200" dirty="0">
+                <a:latin typeface="UD デジタル 教科書体 NP" panose="02020400000000000000" pitchFamily="18" charset="-128"/>
+                <a:ea typeface="UD デジタル 教科書体 NP" panose="02020400000000000000" pitchFamily="18" charset="-128"/>
+              </a:rPr>
+              <a:t>DS</a:t>
+            </a:r>
+            <a:r>
+              <a:rPr lang="ja-JP" altLang="en-US" sz="1200" dirty="0">
+                <a:latin typeface="UD デジタル 教科書体 NP" panose="02020400000000000000" pitchFamily="18" charset="-128"/>
+                <a:ea typeface="UD デジタル 教科書体 NP" panose="02020400000000000000" pitchFamily="18" charset="-128"/>
+              </a:rPr>
+              <a:t>」を付与する。</a:t>
+            </a:r>
+            <a:endParaRPr lang="en-US" altLang="ja-JP" sz="1200" dirty="0">
+              <a:latin typeface="UD デジタル 教科書体 NP" panose="02020400000000000000" pitchFamily="18" charset="-128"/>
+              <a:ea typeface="UD デジタル 教科書体 NP" panose="02020400000000000000" pitchFamily="18" charset="-128"/>
+            </a:endParaRPr>
+          </a:p>
+          <a:p>
+            <a:pPr eaLnBrk="1" hangingPunct="1">
+              <a:lnSpc>
+                <a:spcPct val="80000"/>
+              </a:lnSpc>
+              <a:spcBef>
+                <a:spcPct val="20000"/>
+              </a:spcBef>
+            </a:pPr>
+            <a:r>
+              <a:rPr lang="ja-JP" altLang="en-US" sz="1200" dirty="0">
+                <a:latin typeface="UD デジタル 教科書体 NP" panose="02020400000000000000" pitchFamily="18" charset="-128"/>
+                <a:ea typeface="UD デジタル 教科書体 NP" panose="02020400000000000000" pitchFamily="18" charset="-128"/>
+              </a:rPr>
+              <a:t>ダブルループ攻略における各システムのユースケース分析を図</a:t>
+            </a:r>
+            <a:r>
+              <a:rPr lang="en-US" altLang="ja-JP" sz="1200" dirty="0">
+                <a:latin typeface="UD デジタル 教科書体 NP" panose="02020400000000000000" pitchFamily="18" charset="-128"/>
+                <a:ea typeface="UD デジタル 教科書体 NP" panose="02020400000000000000" pitchFamily="18" charset="-128"/>
+              </a:rPr>
+              <a:t>1.2</a:t>
+            </a:r>
+            <a:r>
+              <a:rPr lang="ja-JP" altLang="en-US" sz="1200" dirty="0">
+                <a:latin typeface="UD デジタル 教科書体 NP" panose="02020400000000000000" pitchFamily="18" charset="-128"/>
+                <a:ea typeface="UD デジタル 教科書体 NP" panose="02020400000000000000" pitchFamily="18" charset="-128"/>
+              </a:rPr>
+              <a:t>に、競技者から見たシステムの入り口となる</a:t>
+            </a:r>
+            <a:endParaRPr lang="en-US" altLang="ja-JP" sz="1200" dirty="0">
+              <a:latin typeface="UD デジタル 教科書体 NP" panose="02020400000000000000" pitchFamily="18" charset="-128"/>
+              <a:ea typeface="UD デジタル 教科書体 NP" panose="02020400000000000000" pitchFamily="18" charset="-128"/>
+            </a:endParaRPr>
+          </a:p>
+          <a:p>
+            <a:pPr eaLnBrk="1" hangingPunct="1">
+              <a:lnSpc>
+                <a:spcPct val="80000"/>
+              </a:lnSpc>
+              <a:spcBef>
+                <a:spcPct val="20000"/>
+              </a:spcBef>
+            </a:pPr>
+            <a:r>
+              <a:rPr lang="ja-JP" altLang="en-US" sz="1200" dirty="0">
+                <a:latin typeface="UD デジタル 教科書体 NP" panose="02020400000000000000" pitchFamily="18" charset="-128"/>
+                <a:ea typeface="UD デジタル 教科書体 NP" panose="02020400000000000000" pitchFamily="18" charset="-128"/>
+              </a:rPr>
+              <a:t>ユースケース「バーチャル運転手」の「ダブルループを攻略する」の表</a:t>
+            </a:r>
+            <a:r>
+              <a:rPr lang="en-US" altLang="ja-JP" sz="1200" dirty="0">
+                <a:latin typeface="UD デジタル 教科書体 NP" panose="02020400000000000000" pitchFamily="18" charset="-128"/>
+                <a:ea typeface="UD デジタル 教科書体 NP" panose="02020400000000000000" pitchFamily="18" charset="-128"/>
+              </a:rPr>
+              <a:t>1.1</a:t>
+            </a:r>
+            <a:r>
+              <a:rPr lang="ja-JP" altLang="en-US" sz="1200" dirty="0">
+                <a:latin typeface="UD デジタル 教科書体 NP" panose="02020400000000000000" pitchFamily="18" charset="-128"/>
+                <a:ea typeface="UD デジタル 教科書体 NP" panose="02020400000000000000" pitchFamily="18" charset="-128"/>
+              </a:rPr>
+              <a:t>に示す。</a:t>
+            </a:r>
+            <a:endParaRPr lang="en-US" altLang="ja-JP" sz="1200" dirty="0">
+              <a:latin typeface="UD デジタル 教科書体 NP" panose="02020400000000000000" pitchFamily="18" charset="-128"/>
+              <a:ea typeface="UD デジタル 教科書体 NP" panose="02020400000000000000" pitchFamily="18" charset="-128"/>
+            </a:endParaRPr>
+          </a:p>
+        </p:txBody>
+      </p:sp>
+      <p:sp>
+        <p:nvSpPr>
+          <p:cNvPr id="13" name="テキスト ボックス 12">
+            <a:extLst>
+              <a:ext uri="{FF2B5EF4-FFF2-40B4-BE49-F238E27FC236}">
+                <a16:creationId xmlns:a16="http://schemas.microsoft.com/office/drawing/2014/main" id="{81731CA3-517B-2FBA-E335-F9B8ED9FF651}"/>
+              </a:ext>
+            </a:extLst>
+          </p:cNvPr>
+          <p:cNvSpPr txBox="1"/>
+          <p:nvPr/>
+        </p:nvSpPr>
+        <p:spPr>
+          <a:xfrm>
+            <a:off x="6494388" y="3575112"/>
+            <a:ext cx="1567138" cy="284693"/>
+          </a:xfrm>
+          <a:prstGeom prst="rect">
+            <a:avLst/>
+          </a:prstGeom>
+          <a:noFill/>
+        </p:spPr>
+        <p:txBody>
+          <a:bodyPr wrap="square" rtlCol="0">
+            <a:spAutoFit/>
+          </a:bodyPr>
+          <a:lstStyle/>
+          <a:p>
+            <a:r>
+              <a:rPr kumimoji="1" lang="ja-JP" altLang="en-US" sz="1200" dirty="0">
+                <a:latin typeface="BIZ UDPゴシック" panose="020B0400000000000000" pitchFamily="50" charset="-128"/>
+                <a:ea typeface="BIZ UDPゴシック" panose="020B0400000000000000" pitchFamily="50" charset="-128"/>
+              </a:rPr>
+              <a:t>図</a:t>
+            </a:r>
+            <a:r>
+              <a:rPr kumimoji="1" lang="en-US" altLang="ja-JP" sz="1200" dirty="0">
+                <a:latin typeface="BIZ UDPゴシック" panose="020B0400000000000000" pitchFamily="50" charset="-128"/>
+                <a:ea typeface="BIZ UDPゴシック" panose="020B0400000000000000" pitchFamily="50" charset="-128"/>
+              </a:rPr>
+              <a:t>1.1 </a:t>
+            </a:r>
+            <a:r>
+              <a:rPr kumimoji="1" lang="ja-JP" altLang="en-US" sz="1200" dirty="0">
+                <a:latin typeface="BIZ UDPゴシック" panose="020B0400000000000000" pitchFamily="50" charset="-128"/>
+                <a:ea typeface="BIZ UDPゴシック" panose="020B0400000000000000" pitchFamily="50" charset="-128"/>
+              </a:rPr>
+              <a:t>走行イメージ</a:t>
+            </a:r>
+          </a:p>
+        </p:txBody>
+      </p:sp>
+      <p:sp>
+        <p:nvSpPr>
+          <p:cNvPr id="38" name="テキスト ボックス 37">
+            <a:extLst>
+              <a:ext uri="{FF2B5EF4-FFF2-40B4-BE49-F238E27FC236}">
+                <a16:creationId xmlns:a16="http://schemas.microsoft.com/office/drawing/2014/main" id="{CEA6922C-B158-5BCB-3136-8CE64D9DD0DB}"/>
+              </a:ext>
+            </a:extLst>
+          </p:cNvPr>
+          <p:cNvSpPr txBox="1"/>
+          <p:nvPr/>
+        </p:nvSpPr>
+        <p:spPr>
+          <a:xfrm>
+            <a:off x="11281703" y="10344938"/>
+            <a:ext cx="3766804" cy="284693"/>
+          </a:xfrm>
+          <a:prstGeom prst="rect">
+            <a:avLst/>
+          </a:prstGeom>
+          <a:noFill/>
+        </p:spPr>
+        <p:txBody>
+          <a:bodyPr wrap="square" rtlCol="0">
+            <a:spAutoFit/>
+          </a:bodyPr>
+          <a:lstStyle/>
+          <a:p>
+            <a:r>
+              <a:rPr lang="ja-JP" altLang="en-US" sz="1250" dirty="0">
+                <a:latin typeface="BIZ UDPゴシック" panose="020B0400000000000000" pitchFamily="50" charset="-128"/>
+                <a:ea typeface="BIZ UDPゴシック" panose="020B0400000000000000" pitchFamily="50" charset="-128"/>
+              </a:rPr>
+              <a:t>図</a:t>
+            </a:r>
+            <a:r>
+              <a:rPr kumimoji="1" lang="en-US" altLang="ja-JP" sz="1250" dirty="0">
+                <a:latin typeface="BIZ UDPゴシック" panose="020B0400000000000000" pitchFamily="50" charset="-128"/>
+                <a:ea typeface="BIZ UDPゴシック" panose="020B0400000000000000" pitchFamily="50" charset="-128"/>
+              </a:rPr>
+              <a:t>1.4</a:t>
+            </a:r>
+            <a:r>
+              <a:rPr lang="en-US" altLang="ja-JP" sz="1250" dirty="0">
+                <a:latin typeface="BIZ UDPゴシック" panose="020B0400000000000000" pitchFamily="50" charset="-128"/>
+                <a:ea typeface="BIZ UDPゴシック" panose="020B0400000000000000" pitchFamily="50" charset="-128"/>
+              </a:rPr>
+              <a:t> </a:t>
+            </a:r>
+            <a:r>
+              <a:rPr lang="ja-JP" altLang="en-US" sz="1250" dirty="0">
+                <a:latin typeface="BIZ UDPゴシック" panose="020B0400000000000000" pitchFamily="50" charset="-128"/>
+                <a:ea typeface="BIZ UDPゴシック" panose="020B0400000000000000" pitchFamily="50" charset="-128"/>
+              </a:rPr>
+              <a:t>ダブルループ攻略の流れ</a:t>
+            </a:r>
+            <a:r>
+              <a:rPr lang="en-US" altLang="ja-JP" sz="1250" dirty="0">
+                <a:latin typeface="BIZ UDPゴシック" panose="020B0400000000000000" pitchFamily="50" charset="-128"/>
+                <a:ea typeface="BIZ UDPゴシック" panose="020B0400000000000000" pitchFamily="50" charset="-128"/>
+              </a:rPr>
+              <a:t>(</a:t>
+            </a:r>
+            <a:r>
+              <a:rPr lang="ja-JP" altLang="en-US" sz="1250" dirty="0">
+                <a:latin typeface="BIZ UDPゴシック" panose="020B0400000000000000" pitchFamily="50" charset="-128"/>
+                <a:ea typeface="BIZ UDPゴシック" panose="020B0400000000000000" pitchFamily="50" charset="-128"/>
+              </a:rPr>
+              <a:t>アクティビティ図</a:t>
+            </a:r>
+            <a:r>
+              <a:rPr lang="en-US" altLang="ja-JP" sz="1250" dirty="0">
+                <a:latin typeface="BIZ UDPゴシック" panose="020B0400000000000000" pitchFamily="50" charset="-128"/>
+                <a:ea typeface="BIZ UDPゴシック" panose="020B0400000000000000" pitchFamily="50" charset="-128"/>
+              </a:rPr>
+              <a:t>)</a:t>
+            </a:r>
+            <a:endParaRPr kumimoji="1" lang="ja-JP" altLang="en-US" sz="1200" dirty="0">
+              <a:latin typeface="BIZ UDPゴシック" panose="020B0400000000000000" pitchFamily="50" charset="-128"/>
+              <a:ea typeface="BIZ UDPゴシック" panose="020B0400000000000000" pitchFamily="50" charset="-128"/>
+            </a:endParaRPr>
+          </a:p>
+        </p:txBody>
+      </p:sp>
+      <p:pic>
+        <p:nvPicPr>
+          <p:cNvPr id="43" name="図 42">
+            <a:extLst>
+              <a:ext uri="{FF2B5EF4-FFF2-40B4-BE49-F238E27FC236}">
+                <a16:creationId xmlns:a16="http://schemas.microsoft.com/office/drawing/2014/main" id="{36AD90E0-84F5-7312-6E5A-A0B82E18F1FA}"/>
+              </a:ext>
+            </a:extLst>
+          </p:cNvPr>
+          <p:cNvPicPr>
+            <a:picLocks noChangeAspect="1"/>
+          </p:cNvPicPr>
+          <p:nvPr/>
+        </p:nvPicPr>
+        <p:blipFill>
+          <a:blip r:embed="rId9"/>
+          <a:stretch>
+            <a:fillRect/>
+          </a:stretch>
+        </p:blipFill>
+        <p:spPr>
+          <a:xfrm>
+            <a:off x="6119424" y="1855418"/>
+            <a:ext cx="1958754" cy="1726226"/>
+          </a:xfrm>
+          <a:prstGeom prst="rect">
+            <a:avLst/>
+          </a:prstGeom>
+        </p:spPr>
+      </p:pic>
+      <p:sp>
+        <p:nvSpPr>
+          <p:cNvPr id="4" name="テキスト ボックス 3">
+            <a:extLst>
+              <a:ext uri="{FF2B5EF4-FFF2-40B4-BE49-F238E27FC236}">
+                <a16:creationId xmlns:a16="http://schemas.microsoft.com/office/drawing/2014/main" id="{B2CED557-90FC-4AAA-E417-5F33110243FF}"/>
+              </a:ext>
+            </a:extLst>
+          </p:cNvPr>
+          <p:cNvSpPr txBox="1"/>
+          <p:nvPr/>
+        </p:nvSpPr>
+        <p:spPr>
+          <a:xfrm>
+            <a:off x="2273717" y="10363796"/>
+            <a:ext cx="3329790" cy="276999"/>
+          </a:xfrm>
+          <a:prstGeom prst="rect">
+            <a:avLst/>
+          </a:prstGeom>
+          <a:noFill/>
+        </p:spPr>
+        <p:txBody>
+          <a:bodyPr wrap="square" rtlCol="0">
+            <a:spAutoFit/>
+          </a:bodyPr>
+          <a:lstStyle/>
+          <a:p>
+            <a:r>
+              <a:rPr kumimoji="1" lang="ja-JP" altLang="en-US" sz="1200" dirty="0">
+                <a:latin typeface="BIZ UDPゴシック" panose="020B0400000000000000" pitchFamily="50" charset="-128"/>
+                <a:ea typeface="BIZ UDPゴシック" panose="020B0400000000000000" pitchFamily="50" charset="-128"/>
+              </a:rPr>
+              <a:t>図</a:t>
+            </a:r>
+            <a:r>
+              <a:rPr kumimoji="1" lang="en-US" altLang="ja-JP" sz="1200" dirty="0">
+                <a:latin typeface="BIZ UDPゴシック" panose="020B0400000000000000" pitchFamily="50" charset="-128"/>
+                <a:ea typeface="BIZ UDPゴシック" panose="020B0400000000000000" pitchFamily="50" charset="-128"/>
+              </a:rPr>
+              <a:t>1.2 </a:t>
+            </a:r>
+            <a:r>
+              <a:rPr lang="ja-JP" altLang="en-US" sz="1200" dirty="0">
+                <a:latin typeface="BIZ UDPゴシック" panose="020B0400000000000000" pitchFamily="50" charset="-128"/>
+                <a:ea typeface="BIZ UDPゴシック" panose="020B0400000000000000" pitchFamily="50" charset="-128"/>
+              </a:rPr>
+              <a:t>ダブルループ攻略</a:t>
+            </a:r>
+            <a:r>
+              <a:rPr lang="en-US" altLang="ja-JP" sz="1200" dirty="0">
+                <a:latin typeface="BIZ UDPゴシック" panose="020B0400000000000000" pitchFamily="50" charset="-128"/>
+                <a:ea typeface="BIZ UDPゴシック" panose="020B0400000000000000" pitchFamily="50" charset="-128"/>
+              </a:rPr>
+              <a:t>(</a:t>
+            </a:r>
+            <a:r>
+              <a:rPr lang="ja-JP" altLang="en-US" sz="1200" dirty="0">
+                <a:latin typeface="BIZ UDPゴシック" panose="020B0400000000000000" pitchFamily="50" charset="-128"/>
+                <a:ea typeface="BIZ UDPゴシック" panose="020B0400000000000000" pitchFamily="50" charset="-128"/>
+              </a:rPr>
+              <a:t>ミスユースケース図</a:t>
+            </a:r>
+            <a:r>
+              <a:rPr lang="en-US" altLang="ja-JP" sz="1200" dirty="0">
+                <a:latin typeface="BIZ UDPゴシック" panose="020B0400000000000000" pitchFamily="50" charset="-128"/>
+                <a:ea typeface="BIZ UDPゴシック" panose="020B0400000000000000" pitchFamily="50" charset="-128"/>
+              </a:rPr>
+              <a:t>)</a:t>
+            </a:r>
+            <a:endParaRPr kumimoji="1" lang="ja-JP" altLang="en-US" sz="1200" dirty="0">
+              <a:latin typeface="BIZ UDPゴシック" panose="020B0400000000000000" pitchFamily="50" charset="-128"/>
+              <a:ea typeface="BIZ UDPゴシック" panose="020B0400000000000000" pitchFamily="50" charset="-128"/>
+            </a:endParaRPr>
+          </a:p>
+        </p:txBody>
+      </p:sp>
+      <p:sp>
+        <p:nvSpPr>
+          <p:cNvPr id="8" name="テキスト ボックス 7">
+            <a:extLst>
+              <a:ext uri="{FF2B5EF4-FFF2-40B4-BE49-F238E27FC236}">
+                <a16:creationId xmlns:a16="http://schemas.microsoft.com/office/drawing/2014/main" id="{967E377B-E9F9-069E-0A68-5F0626603D6D}"/>
+              </a:ext>
+            </a:extLst>
+          </p:cNvPr>
+          <p:cNvSpPr txBox="1"/>
+          <p:nvPr/>
+        </p:nvSpPr>
+        <p:spPr>
+          <a:xfrm>
+            <a:off x="7775699" y="4049762"/>
+            <a:ext cx="3329790" cy="461665"/>
+          </a:xfrm>
+          <a:prstGeom prst="rect">
+            <a:avLst/>
+          </a:prstGeom>
+          <a:noFill/>
+        </p:spPr>
+        <p:txBody>
+          <a:bodyPr wrap="square" rtlCol="0">
+            <a:spAutoFit/>
+          </a:bodyPr>
+          <a:lstStyle/>
+          <a:p>
+            <a:pPr algn="ctr"/>
+            <a:r>
+              <a:rPr lang="ja-JP" altLang="en-US" sz="1200" dirty="0">
+                <a:latin typeface="BIZ UDPゴシック" panose="020B0400000000000000" pitchFamily="50" charset="-128"/>
+                <a:ea typeface="BIZ UDPゴシック" panose="020B0400000000000000" pitchFamily="50" charset="-128"/>
+              </a:rPr>
+              <a:t>表</a:t>
+            </a:r>
+            <a:r>
+              <a:rPr kumimoji="1" lang="en-US" altLang="ja-JP" sz="1200" dirty="0">
+                <a:latin typeface="BIZ UDPゴシック" panose="020B0400000000000000" pitchFamily="50" charset="-128"/>
+                <a:ea typeface="BIZ UDPゴシック" panose="020B0400000000000000" pitchFamily="50" charset="-128"/>
+              </a:rPr>
+              <a:t>1.</a:t>
+            </a:r>
+            <a:r>
+              <a:rPr lang="en-US" altLang="ja-JP" sz="1200" dirty="0">
+                <a:latin typeface="BIZ UDPゴシック" panose="020B0400000000000000" pitchFamily="50" charset="-128"/>
+                <a:ea typeface="BIZ UDPゴシック" panose="020B0400000000000000" pitchFamily="50" charset="-128"/>
+              </a:rPr>
+              <a:t>1</a:t>
+            </a:r>
+            <a:r>
+              <a:rPr kumimoji="1" lang="en-US" altLang="ja-JP" sz="1200" dirty="0">
+                <a:latin typeface="BIZ UDPゴシック" panose="020B0400000000000000" pitchFamily="50" charset="-128"/>
+                <a:ea typeface="BIZ UDPゴシック" panose="020B0400000000000000" pitchFamily="50" charset="-128"/>
+              </a:rPr>
+              <a:t> [UC_VD_001</a:t>
+            </a:r>
+            <a:r>
+              <a:rPr lang="en-US" altLang="ja-JP" sz="1200" dirty="0">
+                <a:latin typeface="BIZ UDPゴシック" panose="020B0400000000000000" pitchFamily="50" charset="-128"/>
+                <a:ea typeface="BIZ UDPゴシック" panose="020B0400000000000000" pitchFamily="50" charset="-128"/>
+              </a:rPr>
+              <a:t>]</a:t>
+            </a:r>
+            <a:r>
+              <a:rPr lang="ja-JP" altLang="en-US" sz="1200" dirty="0">
+                <a:latin typeface="BIZ UDPゴシック" panose="020B0400000000000000" pitchFamily="50" charset="-128"/>
+                <a:ea typeface="BIZ UDPゴシック" panose="020B0400000000000000" pitchFamily="50" charset="-128"/>
+              </a:rPr>
+              <a:t>ダブルループを攻略する</a:t>
+            </a:r>
+            <a:endParaRPr lang="en-US" altLang="ja-JP" sz="1200" dirty="0">
+              <a:latin typeface="BIZ UDPゴシック" panose="020B0400000000000000" pitchFamily="50" charset="-128"/>
+              <a:ea typeface="BIZ UDPゴシック" panose="020B0400000000000000" pitchFamily="50" charset="-128"/>
+            </a:endParaRPr>
+          </a:p>
+          <a:p>
+            <a:pPr algn="ctr"/>
+            <a:r>
+              <a:rPr kumimoji="1" lang="en-US" altLang="ja-JP" sz="1200" dirty="0">
+                <a:latin typeface="BIZ UDPゴシック" panose="020B0400000000000000" pitchFamily="50" charset="-128"/>
+                <a:ea typeface="BIZ UDPゴシック" panose="020B0400000000000000" pitchFamily="50" charset="-128"/>
+              </a:rPr>
+              <a:t>(</a:t>
+            </a:r>
+            <a:r>
+              <a:rPr kumimoji="1" lang="ja-JP" altLang="en-US" sz="1200" dirty="0">
+                <a:latin typeface="BIZ UDPゴシック" panose="020B0400000000000000" pitchFamily="50" charset="-128"/>
+                <a:ea typeface="BIZ UDPゴシック" panose="020B0400000000000000" pitchFamily="50" charset="-128"/>
+              </a:rPr>
+              <a:t>ユースケース記述</a:t>
+            </a:r>
+            <a:r>
+              <a:rPr kumimoji="1" lang="en-US" altLang="ja-JP" sz="1200" dirty="0">
+                <a:latin typeface="BIZ UDPゴシック" panose="020B0400000000000000" pitchFamily="50" charset="-128"/>
+                <a:ea typeface="BIZ UDPゴシック" panose="020B0400000000000000" pitchFamily="50" charset="-128"/>
+              </a:rPr>
+              <a:t>)</a:t>
+            </a:r>
+            <a:endParaRPr kumimoji="1" lang="ja-JP" altLang="en-US" sz="1200" dirty="0">
+              <a:latin typeface="BIZ UDPゴシック" panose="020B0400000000000000" pitchFamily="50" charset="-128"/>
+              <a:ea typeface="BIZ UDPゴシック" panose="020B0400000000000000" pitchFamily="50" charset="-128"/>
+            </a:endParaRPr>
+          </a:p>
+        </p:txBody>
+      </p:sp>
+      <p:pic>
+        <p:nvPicPr>
+          <p:cNvPr id="14" name="図 13">
+            <a:extLst>
+              <a:ext uri="{FF2B5EF4-FFF2-40B4-BE49-F238E27FC236}">
+                <a16:creationId xmlns:a16="http://schemas.microsoft.com/office/drawing/2014/main" id="{13D1BFA0-2530-CB44-0271-42D33AEBEAA2}"/>
+              </a:ext>
+            </a:extLst>
+          </p:cNvPr>
+          <p:cNvPicPr>
+            <a:picLocks noChangeAspect="1"/>
+          </p:cNvPicPr>
+          <p:nvPr/>
+        </p:nvPicPr>
+        <p:blipFill>
+          <a:blip r:embed="rId10"/>
+          <a:stretch>
+            <a:fillRect/>
+          </a:stretch>
+        </p:blipFill>
+        <p:spPr>
+          <a:xfrm>
+            <a:off x="8514879" y="2745718"/>
+            <a:ext cx="2429172" cy="1225729"/>
+          </a:xfrm>
+          <a:prstGeom prst="rect">
+            <a:avLst/>
+          </a:prstGeom>
+        </p:spPr>
+      </p:pic>
+      <p:pic>
+        <p:nvPicPr>
+          <p:cNvPr id="19" name="図 18">
+            <a:extLst>
+              <a:ext uri="{FF2B5EF4-FFF2-40B4-BE49-F238E27FC236}">
+                <a16:creationId xmlns:a16="http://schemas.microsoft.com/office/drawing/2014/main" id="{8D0A7F59-A295-98CD-394C-CF32C09B7310}"/>
+              </a:ext>
+            </a:extLst>
+          </p:cNvPr>
+          <p:cNvPicPr>
+            <a:picLocks noChangeAspect="1"/>
+          </p:cNvPicPr>
+          <p:nvPr/>
+        </p:nvPicPr>
+        <p:blipFill>
+          <a:blip r:embed="rId11"/>
+          <a:stretch>
+            <a:fillRect/>
+          </a:stretch>
+        </p:blipFill>
+        <p:spPr>
+          <a:xfrm>
+            <a:off x="11222258" y="665746"/>
+            <a:ext cx="3714444" cy="3113235"/>
+          </a:xfrm>
+          <a:prstGeom prst="rect">
+            <a:avLst/>
+          </a:prstGeom>
+        </p:spPr>
+      </p:pic>
+      <p:sp>
+        <p:nvSpPr>
+          <p:cNvPr id="20" name="テキスト ボックス 19">
+            <a:extLst>
+              <a:ext uri="{FF2B5EF4-FFF2-40B4-BE49-F238E27FC236}">
+                <a16:creationId xmlns:a16="http://schemas.microsoft.com/office/drawing/2014/main" id="{F6B000CE-6E3F-22FC-7839-CBEE0826B8AA}"/>
+              </a:ext>
+            </a:extLst>
+          </p:cNvPr>
+          <p:cNvSpPr txBox="1"/>
+          <p:nvPr/>
+        </p:nvSpPr>
+        <p:spPr>
+          <a:xfrm>
+            <a:off x="8046309" y="2523973"/>
+            <a:ext cx="3329790" cy="276999"/>
+          </a:xfrm>
+          <a:prstGeom prst="rect">
+            <a:avLst/>
+          </a:prstGeom>
+          <a:noFill/>
+        </p:spPr>
+        <p:txBody>
+          <a:bodyPr wrap="square" rtlCol="0">
+            <a:spAutoFit/>
+          </a:bodyPr>
+          <a:lstStyle/>
+          <a:p>
+            <a:pPr algn="ctr"/>
+            <a:r>
+              <a:rPr lang="ja-JP" altLang="en-US" sz="1200" dirty="0">
+                <a:latin typeface="BIZ UDPゴシック" panose="020B0400000000000000" pitchFamily="50" charset="-128"/>
+                <a:ea typeface="BIZ UDPゴシック" panose="020B0400000000000000" pitchFamily="50" charset="-128"/>
+              </a:rPr>
+              <a:t>表</a:t>
+            </a:r>
+            <a:r>
+              <a:rPr kumimoji="1" lang="en-US" altLang="ja-JP" sz="1200" dirty="0">
+                <a:latin typeface="BIZ UDPゴシック" panose="020B0400000000000000" pitchFamily="50" charset="-128"/>
+                <a:ea typeface="BIZ UDPゴシック" panose="020B0400000000000000" pitchFamily="50" charset="-128"/>
+              </a:rPr>
+              <a:t>1.2 </a:t>
+            </a:r>
+            <a:r>
+              <a:rPr kumimoji="1" lang="ja-JP" altLang="en-US" sz="1200" dirty="0">
+                <a:latin typeface="BIZ UDPゴシック" panose="020B0400000000000000" pitchFamily="50" charset="-128"/>
+                <a:ea typeface="BIZ UDPゴシック" panose="020B0400000000000000" pitchFamily="50" charset="-128"/>
+              </a:rPr>
+              <a:t>ダブルループの</a:t>
+            </a:r>
+            <a:r>
+              <a:rPr lang="ja-JP" altLang="en-US" sz="1200" dirty="0">
+                <a:latin typeface="BIZ UDPゴシック" panose="020B0400000000000000" pitchFamily="50" charset="-128"/>
+                <a:ea typeface="BIZ UDPゴシック" panose="020B0400000000000000" pitchFamily="50" charset="-128"/>
+              </a:rPr>
+              <a:t>マップ情報</a:t>
+            </a:r>
+            <a:endParaRPr kumimoji="1" lang="ja-JP" altLang="en-US" sz="1200" dirty="0">
+              <a:latin typeface="BIZ UDPゴシック" panose="020B0400000000000000" pitchFamily="50" charset="-128"/>
+              <a:ea typeface="BIZ UDPゴシック" panose="020B0400000000000000" pitchFamily="50" charset="-128"/>
+            </a:endParaRPr>
+          </a:p>
+        </p:txBody>
+      </p:sp>
+      <p:sp>
+        <p:nvSpPr>
+          <p:cNvPr id="23" name="テキスト ボックス 22">
+            <a:extLst>
+              <a:ext uri="{FF2B5EF4-FFF2-40B4-BE49-F238E27FC236}">
+                <a16:creationId xmlns:a16="http://schemas.microsoft.com/office/drawing/2014/main" id="{9CDC1353-9A1E-5A50-6F1F-871C81B46E15}"/>
+              </a:ext>
+            </a:extLst>
+          </p:cNvPr>
+          <p:cNvSpPr txBox="1"/>
+          <p:nvPr/>
+        </p:nvSpPr>
+        <p:spPr>
+          <a:xfrm>
+            <a:off x="11606912" y="3686491"/>
+            <a:ext cx="3329790" cy="276999"/>
+          </a:xfrm>
+          <a:prstGeom prst="rect">
+            <a:avLst/>
+          </a:prstGeom>
+          <a:noFill/>
+        </p:spPr>
+        <p:txBody>
+          <a:bodyPr wrap="square" rtlCol="0">
+            <a:spAutoFit/>
+          </a:bodyPr>
+          <a:lstStyle/>
+          <a:p>
+            <a:pPr algn="ctr"/>
+            <a:r>
+              <a:rPr kumimoji="1" lang="ja-JP" altLang="en-US" sz="1200" dirty="0">
+                <a:latin typeface="BIZ UDPゴシック" panose="020B0400000000000000" pitchFamily="50" charset="-128"/>
+                <a:ea typeface="BIZ UDPゴシック" panose="020B0400000000000000" pitchFamily="50" charset="-128"/>
+              </a:rPr>
+              <a:t>図</a:t>
+            </a:r>
+            <a:r>
+              <a:rPr kumimoji="1" lang="en-US" altLang="ja-JP" sz="1200" dirty="0">
+                <a:latin typeface="BIZ UDPゴシック" panose="020B0400000000000000" pitchFamily="50" charset="-128"/>
+                <a:ea typeface="BIZ UDPゴシック" panose="020B0400000000000000" pitchFamily="50" charset="-128"/>
+              </a:rPr>
+              <a:t>1.3 </a:t>
+            </a:r>
+            <a:r>
+              <a:rPr kumimoji="1" lang="ja-JP" altLang="en-US" sz="1200" dirty="0">
+                <a:latin typeface="BIZ UDPゴシック" panose="020B0400000000000000" pitchFamily="50" charset="-128"/>
+                <a:ea typeface="BIZ UDPゴシック" panose="020B0400000000000000" pitchFamily="50" charset="-128"/>
+              </a:rPr>
+              <a:t>ダブルループの</a:t>
+            </a:r>
+            <a:r>
+              <a:rPr lang="ja-JP" altLang="en-US" sz="1200" dirty="0">
+                <a:latin typeface="BIZ UDPゴシック" panose="020B0400000000000000" pitchFamily="50" charset="-128"/>
+                <a:ea typeface="BIZ UDPゴシック" panose="020B0400000000000000" pitchFamily="50" charset="-128"/>
+              </a:rPr>
+              <a:t>マップ情報</a:t>
+            </a:r>
+            <a:endParaRPr kumimoji="1" lang="ja-JP" altLang="en-US" sz="1200" dirty="0">
+              <a:latin typeface="BIZ UDPゴシック" panose="020B0400000000000000" pitchFamily="50" charset="-128"/>
+              <a:ea typeface="BIZ UDPゴシック" panose="020B0400000000000000" pitchFamily="50" charset="-128"/>
+            </a:endParaRPr>
+          </a:p>
+        </p:txBody>
+      </p:sp>
+      <p:pic>
+        <p:nvPicPr>
+          <p:cNvPr id="3" name="図 2">
+            <a:extLst>
+              <a:ext uri="{FF2B5EF4-FFF2-40B4-BE49-F238E27FC236}">
+                <a16:creationId xmlns:a16="http://schemas.microsoft.com/office/drawing/2014/main" id="{58B5AEBA-4708-E887-C34E-8B4209CFCCA7}"/>
+              </a:ext>
+            </a:extLst>
+          </p:cNvPr>
+          <p:cNvPicPr>
+            <a:picLocks noChangeAspect="1"/>
+          </p:cNvPicPr>
+          <p:nvPr/>
+        </p:nvPicPr>
+        <p:blipFill>
+          <a:blip r:embed="rId12"/>
+          <a:stretch>
+            <a:fillRect/>
+          </a:stretch>
+        </p:blipFill>
+        <p:spPr>
+          <a:xfrm>
+            <a:off x="7797558" y="4482454"/>
+            <a:ext cx="3218501" cy="6111633"/>
+          </a:xfrm>
+          <a:prstGeom prst="rect">
+            <a:avLst/>
+          </a:prstGeom>
+        </p:spPr>
+      </p:pic>
+      <p:pic>
+        <p:nvPicPr>
+          <p:cNvPr id="34" name="図 33">
+            <a:extLst>
+              <a:ext uri="{FF2B5EF4-FFF2-40B4-BE49-F238E27FC236}">
+                <a16:creationId xmlns:a16="http://schemas.microsoft.com/office/drawing/2014/main" id="{166487EB-CDD6-70AA-FF8A-A9AE26F2AA5F}"/>
+              </a:ext>
+            </a:extLst>
+          </p:cNvPr>
+          <p:cNvPicPr>
+            <a:picLocks noChangeAspect="1"/>
+          </p:cNvPicPr>
+          <p:nvPr/>
+        </p:nvPicPr>
+        <p:blipFill>
+          <a:blip r:embed="rId13"/>
+          <a:stretch>
+            <a:fillRect/>
+          </a:stretch>
+        </p:blipFill>
+        <p:spPr>
+          <a:xfrm>
+            <a:off x="11160075" y="4049762"/>
+            <a:ext cx="3808589" cy="6335079"/>
+          </a:xfrm>
+          <a:prstGeom prst="rect">
+            <a:avLst/>
+          </a:prstGeom>
+        </p:spPr>
+      </p:pic>
+      <p:pic>
+        <p:nvPicPr>
+          <p:cNvPr id="36" name="図 35">
+            <a:extLst>
+              <a:ext uri="{FF2B5EF4-FFF2-40B4-BE49-F238E27FC236}">
+                <a16:creationId xmlns:a16="http://schemas.microsoft.com/office/drawing/2014/main" id="{E5384C7E-B946-DCD9-98A0-381BBACD8591}"/>
+              </a:ext>
+            </a:extLst>
+          </p:cNvPr>
+          <p:cNvPicPr>
+            <a:picLocks noChangeAspect="1"/>
+          </p:cNvPicPr>
+          <p:nvPr/>
+        </p:nvPicPr>
+        <p:blipFill>
+          <a:blip r:embed="rId14"/>
+          <a:stretch>
+            <a:fillRect/>
+          </a:stretch>
+        </p:blipFill>
+        <p:spPr>
+          <a:xfrm>
+            <a:off x="350860" y="5350204"/>
+            <a:ext cx="7208815" cy="5083710"/>
+          </a:xfrm>
+          <a:prstGeom prst="rect">
+            <a:avLst/>
+          </a:prstGeom>
+        </p:spPr>
+      </p:pic>
     </p:spTree>
     <p:extLst>
       <p:ext uri="{BB962C8B-B14F-4D97-AF65-F5344CB8AC3E}">
-        <p14:creationId xmlns:p14="http://schemas.microsoft.com/office/powerpoint/2010/main" val="3469258545"/>
+        <p14:creationId xmlns:p14="http://schemas.microsoft.com/office/powerpoint/2010/main" val="482023647"/>
       </p:ext>
     </p:extLst>
   </p:cSld>
@@ -12874,3088 +16277,6 @@
 </file>
 
 <file path=ppt/slides/slide5.xml><?xml version="1.0" encoding="utf-8"?>
-<p:sld xmlns:a="http://schemas.openxmlformats.org/drawingml/2006/main" xmlns:r="http://schemas.openxmlformats.org/officeDocument/2006/relationships" xmlns:p="http://schemas.openxmlformats.org/presentationml/2006/main">
-  <p:cSld>
-    <p:spTree>
-      <p:nvGrpSpPr>
-        <p:cNvPr id="1" name=""/>
-        <p:cNvGrpSpPr/>
-        <p:nvPr/>
-      </p:nvGrpSpPr>
-      <p:grpSpPr>
-        <a:xfrm>
-          <a:off x="0" y="0"/>
-          <a:ext cx="0" cy="0"/>
-          <a:chOff x="0" y="0"/>
-          <a:chExt cx="0" cy="0"/>
-        </a:xfrm>
-      </p:grpSpPr>
-      <p:sp>
-        <p:nvSpPr>
-          <p:cNvPr id="29" name="Rectangle 3">
-            <a:extLst>
-              <a:ext uri="{FF2B5EF4-FFF2-40B4-BE49-F238E27FC236}">
-                <a16:creationId xmlns:a16="http://schemas.microsoft.com/office/drawing/2014/main" id="{0C219822-20FD-8814-4292-C78B861EFB1A}"/>
-              </a:ext>
-            </a:extLst>
-          </p:cNvPr>
-          <p:cNvSpPr>
-            <a:spLocks noChangeArrowheads="1"/>
-          </p:cNvSpPr>
-          <p:nvPr/>
-        </p:nvSpPr>
-        <p:spPr bwMode="auto">
-          <a:xfrm>
-            <a:off x="8170747" y="600411"/>
-            <a:ext cx="6896672" cy="10050544"/>
-          </a:xfrm>
-          <a:prstGeom prst="rect">
-            <a:avLst/>
-          </a:prstGeom>
-          <a:noFill/>
-          <a:ln w="9525">
-            <a:solidFill>
-              <a:srgbClr val="ED7D31"/>
-            </a:solidFill>
-            <a:miter lim="800000"/>
-            <a:headEnd/>
-            <a:tailEnd/>
-          </a:ln>
-          <a:extLst>
-            <a:ext uri="{909E8E84-426E-40DD-AFC4-6F175D3DCCD1}">
-              <a14:hiddenFill xmlns:a14="http://schemas.microsoft.com/office/drawing/2010/main">
-                <a:solidFill>
-                  <a:srgbClr val="FFFFFF"/>
-                </a:solidFill>
-              </a14:hiddenFill>
-            </a:ext>
-          </a:extLst>
-        </p:spPr>
-        <p:txBody>
-          <a:bodyPr lIns="120687" tIns="60343" rIns="120687" bIns="60343"/>
-          <a:lstStyle>
-            <a:lvl1pPr marL="481013" indent="-481013" defTabSz="1279525" eaLnBrk="0" hangingPunct="0">
-              <a:defRPr kumimoji="1" sz="1600">
-                <a:solidFill>
-                  <a:schemeClr val="tx1"/>
-                </a:solidFill>
-                <a:latin typeface="Times New Roman" panose="02020603050405020304" pitchFamily="18" charset="0"/>
-                <a:ea typeface="ＭＳ Ｐゴシック" panose="020B0600070205080204" pitchFamily="34" charset="-128"/>
-              </a:defRPr>
-            </a:lvl1pPr>
-            <a:lvl2pPr marL="742950" indent="-285750" defTabSz="1279525" eaLnBrk="0" hangingPunct="0">
-              <a:defRPr kumimoji="1" sz="1600">
-                <a:solidFill>
-                  <a:schemeClr val="tx1"/>
-                </a:solidFill>
-                <a:latin typeface="Times New Roman" panose="02020603050405020304" pitchFamily="18" charset="0"/>
-                <a:ea typeface="ＭＳ Ｐゴシック" panose="020B0600070205080204" pitchFamily="34" charset="-128"/>
-              </a:defRPr>
-            </a:lvl2pPr>
-            <a:lvl3pPr marL="1143000" indent="-228600" defTabSz="1279525" eaLnBrk="0" hangingPunct="0">
-              <a:defRPr kumimoji="1" sz="1600">
-                <a:solidFill>
-                  <a:schemeClr val="tx1"/>
-                </a:solidFill>
-                <a:latin typeface="Times New Roman" panose="02020603050405020304" pitchFamily="18" charset="0"/>
-                <a:ea typeface="ＭＳ Ｐゴシック" panose="020B0600070205080204" pitchFamily="34" charset="-128"/>
-              </a:defRPr>
-            </a:lvl3pPr>
-            <a:lvl4pPr marL="1600200" indent="-228600" defTabSz="1279525" eaLnBrk="0" hangingPunct="0">
-              <a:defRPr kumimoji="1" sz="1600">
-                <a:solidFill>
-                  <a:schemeClr val="tx1"/>
-                </a:solidFill>
-                <a:latin typeface="Times New Roman" panose="02020603050405020304" pitchFamily="18" charset="0"/>
-                <a:ea typeface="ＭＳ Ｐゴシック" panose="020B0600070205080204" pitchFamily="34" charset="-128"/>
-              </a:defRPr>
-            </a:lvl4pPr>
-            <a:lvl5pPr marL="2057400" indent="-228600" defTabSz="1279525" eaLnBrk="0" hangingPunct="0">
-              <a:defRPr kumimoji="1" sz="1600">
-                <a:solidFill>
-                  <a:schemeClr val="tx1"/>
-                </a:solidFill>
-                <a:latin typeface="Times New Roman" panose="02020603050405020304" pitchFamily="18" charset="0"/>
-                <a:ea typeface="ＭＳ Ｐゴシック" panose="020B0600070205080204" pitchFamily="34" charset="-128"/>
-              </a:defRPr>
-            </a:lvl5pPr>
-            <a:lvl6pPr marL="2514600" indent="-228600" defTabSz="1279525" eaLnBrk="0" fontAlgn="base" hangingPunct="0">
-              <a:spcBef>
-                <a:spcPct val="0"/>
-              </a:spcBef>
-              <a:spcAft>
-                <a:spcPct val="0"/>
-              </a:spcAft>
-              <a:defRPr kumimoji="1" sz="1600">
-                <a:solidFill>
-                  <a:schemeClr val="tx1"/>
-                </a:solidFill>
-                <a:latin typeface="Times New Roman" panose="02020603050405020304" pitchFamily="18" charset="0"/>
-                <a:ea typeface="ＭＳ Ｐゴシック" panose="020B0600070205080204" pitchFamily="34" charset="-128"/>
-              </a:defRPr>
-            </a:lvl6pPr>
-            <a:lvl7pPr marL="2971800" indent="-228600" defTabSz="1279525" eaLnBrk="0" fontAlgn="base" hangingPunct="0">
-              <a:spcBef>
-                <a:spcPct val="0"/>
-              </a:spcBef>
-              <a:spcAft>
-                <a:spcPct val="0"/>
-              </a:spcAft>
-              <a:defRPr kumimoji="1" sz="1600">
-                <a:solidFill>
-                  <a:schemeClr val="tx1"/>
-                </a:solidFill>
-                <a:latin typeface="Times New Roman" panose="02020603050405020304" pitchFamily="18" charset="0"/>
-                <a:ea typeface="ＭＳ Ｐゴシック" panose="020B0600070205080204" pitchFamily="34" charset="-128"/>
-              </a:defRPr>
-            </a:lvl7pPr>
-            <a:lvl8pPr marL="3429000" indent="-228600" defTabSz="1279525" eaLnBrk="0" fontAlgn="base" hangingPunct="0">
-              <a:spcBef>
-                <a:spcPct val="0"/>
-              </a:spcBef>
-              <a:spcAft>
-                <a:spcPct val="0"/>
-              </a:spcAft>
-              <a:defRPr kumimoji="1" sz="1600">
-                <a:solidFill>
-                  <a:schemeClr val="tx1"/>
-                </a:solidFill>
-                <a:latin typeface="Times New Roman" panose="02020603050405020304" pitchFamily="18" charset="0"/>
-                <a:ea typeface="ＭＳ Ｐゴシック" panose="020B0600070205080204" pitchFamily="34" charset="-128"/>
-              </a:defRPr>
-            </a:lvl8pPr>
-            <a:lvl9pPr marL="3886200" indent="-228600" defTabSz="1279525" eaLnBrk="0" fontAlgn="base" hangingPunct="0">
-              <a:spcBef>
-                <a:spcPct val="0"/>
-              </a:spcBef>
-              <a:spcAft>
-                <a:spcPct val="0"/>
-              </a:spcAft>
-              <a:defRPr kumimoji="1" sz="1600">
-                <a:solidFill>
-                  <a:schemeClr val="tx1"/>
-                </a:solidFill>
-                <a:latin typeface="Times New Roman" panose="02020603050405020304" pitchFamily="18" charset="0"/>
-                <a:ea typeface="ＭＳ Ｐゴシック" panose="020B0600070205080204" pitchFamily="34" charset="-128"/>
-              </a:defRPr>
-            </a:lvl9pPr>
-          </a:lstStyle>
-          <a:p>
-            <a:pPr eaLnBrk="1" hangingPunct="1">
-              <a:lnSpc>
-                <a:spcPct val="80000"/>
-              </a:lnSpc>
-              <a:spcBef>
-                <a:spcPct val="20000"/>
-              </a:spcBef>
-            </a:pPr>
-            <a:r>
-              <a:rPr lang="en-US" altLang="ja-JP" sz="1782" dirty="0">
-                <a:solidFill>
-                  <a:srgbClr val="FF0000"/>
-                </a:solidFill>
-                <a:latin typeface="UD デジタル 教科書体 NP" panose="02020400000000000000" pitchFamily="18" charset="-128"/>
-                <a:ea typeface="UD デジタル 教科書体 NP" panose="02020400000000000000" pitchFamily="18" charset="-128"/>
-              </a:rPr>
-              <a:t>1-3. </a:t>
-            </a:r>
-            <a:r>
-              <a:rPr lang="ja-JP" altLang="en-US" sz="1782" dirty="0">
-                <a:solidFill>
-                  <a:srgbClr val="FF0000"/>
-                </a:solidFill>
-                <a:latin typeface="UD デジタル 教科書体 NP" panose="02020400000000000000" pitchFamily="18" charset="-128"/>
-                <a:ea typeface="UD デジタル 教科書体 NP" panose="02020400000000000000" pitchFamily="18" charset="-128"/>
-              </a:rPr>
-              <a:t>機能の流れ</a:t>
-            </a:r>
-          </a:p>
-          <a:p>
-            <a:pPr eaLnBrk="1" hangingPunct="1">
-              <a:lnSpc>
-                <a:spcPct val="80000"/>
-              </a:lnSpc>
-              <a:spcBef>
-                <a:spcPct val="20000"/>
-              </a:spcBef>
-            </a:pPr>
-            <a:r>
-              <a:rPr lang="ja-JP" altLang="en-US" sz="1200" dirty="0">
-                <a:latin typeface="UD デジタル 教科書体 NP" panose="02020400000000000000" pitchFamily="18" charset="-128"/>
-                <a:ea typeface="UD デジタル 教科書体 NP" panose="02020400000000000000" pitchFamily="18" charset="-128"/>
-              </a:rPr>
-              <a:t>先述の通りバーチャル運転手は競技者から</a:t>
-            </a:r>
-            <a:endParaRPr lang="en-US" altLang="ja-JP" sz="1200" dirty="0">
-              <a:latin typeface="UD デジタル 教科書体 NP" panose="02020400000000000000" pitchFamily="18" charset="-128"/>
-              <a:ea typeface="UD デジタル 教科書体 NP" panose="02020400000000000000" pitchFamily="18" charset="-128"/>
-            </a:endParaRPr>
-          </a:p>
-          <a:p>
-            <a:pPr eaLnBrk="1" hangingPunct="1">
-              <a:lnSpc>
-                <a:spcPct val="80000"/>
-              </a:lnSpc>
-              <a:spcBef>
-                <a:spcPct val="20000"/>
-              </a:spcBef>
-            </a:pPr>
-            <a:r>
-              <a:rPr lang="ja-JP" altLang="en-US" sz="1200" dirty="0">
-                <a:latin typeface="UD デジタル 教科書体 NP" panose="02020400000000000000" pitchFamily="18" charset="-128"/>
-                <a:ea typeface="UD デジタル 教科書体 NP" panose="02020400000000000000" pitchFamily="18" charset="-128"/>
-              </a:rPr>
-              <a:t>引き渡されたマップ情報を基に走行する。</a:t>
-            </a:r>
-            <a:endParaRPr lang="en-US" altLang="ja-JP" sz="1200" dirty="0">
-              <a:latin typeface="UD デジタル 教科書体 NP" panose="02020400000000000000" pitchFamily="18" charset="-128"/>
-              <a:ea typeface="UD デジタル 教科書体 NP" panose="02020400000000000000" pitchFamily="18" charset="-128"/>
-            </a:endParaRPr>
-          </a:p>
-          <a:p>
-            <a:pPr eaLnBrk="1" hangingPunct="1">
-              <a:lnSpc>
-                <a:spcPct val="80000"/>
-              </a:lnSpc>
-              <a:spcBef>
-                <a:spcPct val="20000"/>
-              </a:spcBef>
-            </a:pPr>
-            <a:r>
-              <a:rPr lang="ja-JP" altLang="en-US" sz="1200" dirty="0">
-                <a:latin typeface="UD デジタル 教科書体 NP" panose="02020400000000000000" pitchFamily="18" charset="-128"/>
-                <a:ea typeface="UD デジタル 教科書体 NP" panose="02020400000000000000" pitchFamily="18" charset="-128"/>
-              </a:rPr>
-              <a:t>表</a:t>
-            </a:r>
-            <a:r>
-              <a:rPr lang="en-US" altLang="ja-JP" sz="1200" dirty="0">
-                <a:latin typeface="UD デジタル 教科書体 NP" panose="02020400000000000000" pitchFamily="18" charset="-128"/>
-                <a:ea typeface="UD デジタル 教科書体 NP" panose="02020400000000000000" pitchFamily="18" charset="-128"/>
-              </a:rPr>
-              <a:t>1.2</a:t>
-            </a:r>
-            <a:r>
-              <a:rPr lang="ja-JP" altLang="en-US" sz="1200" dirty="0">
-                <a:latin typeface="UD デジタル 教科書体 NP" panose="02020400000000000000" pitchFamily="18" charset="-128"/>
-                <a:ea typeface="UD デジタル 教科書体 NP" panose="02020400000000000000" pitchFamily="18" charset="-128"/>
-              </a:rPr>
-              <a:t>、図</a:t>
-            </a:r>
-            <a:r>
-              <a:rPr lang="en-US" altLang="ja-JP" sz="1200" dirty="0">
-                <a:latin typeface="UD デジタル 教科書体 NP" panose="02020400000000000000" pitchFamily="18" charset="-128"/>
-                <a:ea typeface="UD デジタル 教科書体 NP" panose="02020400000000000000" pitchFamily="18" charset="-128"/>
-              </a:rPr>
-              <a:t>1.3</a:t>
-            </a:r>
-            <a:r>
-              <a:rPr lang="ja-JP" altLang="en-US" sz="1200" dirty="0">
-                <a:latin typeface="UD デジタル 教科書体 NP" panose="02020400000000000000" pitchFamily="18" charset="-128"/>
-                <a:ea typeface="UD デジタル 教科書体 NP" panose="02020400000000000000" pitchFamily="18" charset="-128"/>
-              </a:rPr>
-              <a:t>にダブルループ攻略における</a:t>
-            </a:r>
-            <a:endParaRPr lang="en-US" altLang="ja-JP" sz="1200" dirty="0">
-              <a:latin typeface="UD デジタル 教科書体 NP" panose="02020400000000000000" pitchFamily="18" charset="-128"/>
-              <a:ea typeface="UD デジタル 教科書体 NP" panose="02020400000000000000" pitchFamily="18" charset="-128"/>
-            </a:endParaRPr>
-          </a:p>
-          <a:p>
-            <a:pPr eaLnBrk="1" hangingPunct="1">
-              <a:lnSpc>
-                <a:spcPct val="80000"/>
-              </a:lnSpc>
-              <a:spcBef>
-                <a:spcPct val="20000"/>
-              </a:spcBef>
-            </a:pPr>
-            <a:r>
-              <a:rPr lang="ja-JP" altLang="en-US" sz="1200" dirty="0">
-                <a:latin typeface="UD デジタル 教科書体 NP" panose="02020400000000000000" pitchFamily="18" charset="-128"/>
-                <a:ea typeface="UD デジタル 教科書体 NP" panose="02020400000000000000" pitchFamily="18" charset="-128"/>
-              </a:rPr>
-              <a:t>マップ情報を示した。</a:t>
-            </a:r>
-            <a:endParaRPr lang="en-US" altLang="ja-JP" sz="1200" dirty="0">
-              <a:latin typeface="UD デジタル 教科書体 NP" panose="02020400000000000000" pitchFamily="18" charset="-128"/>
-              <a:ea typeface="UD デジタル 教科書体 NP" panose="02020400000000000000" pitchFamily="18" charset="-128"/>
-            </a:endParaRPr>
-          </a:p>
-          <a:p>
-            <a:pPr eaLnBrk="1" hangingPunct="1">
-              <a:lnSpc>
-                <a:spcPct val="80000"/>
-              </a:lnSpc>
-              <a:spcBef>
-                <a:spcPct val="20000"/>
-              </a:spcBef>
-            </a:pPr>
-            <a:r>
-              <a:rPr lang="ja-JP" altLang="en-US" sz="1200" dirty="0">
-                <a:latin typeface="UD デジタル 教科書体 NP" panose="02020400000000000000" pitchFamily="18" charset="-128"/>
-                <a:ea typeface="UD デジタル 教科書体 NP" panose="02020400000000000000" pitchFamily="18" charset="-128"/>
-              </a:rPr>
-              <a:t>また、マップ情報を利用したダブルループ</a:t>
-            </a:r>
-            <a:endParaRPr lang="en-US" altLang="ja-JP" sz="1200" dirty="0">
-              <a:latin typeface="UD デジタル 教科書体 NP" panose="02020400000000000000" pitchFamily="18" charset="-128"/>
-              <a:ea typeface="UD デジタル 教科書体 NP" panose="02020400000000000000" pitchFamily="18" charset="-128"/>
-            </a:endParaRPr>
-          </a:p>
-          <a:p>
-            <a:pPr eaLnBrk="1" hangingPunct="1">
-              <a:lnSpc>
-                <a:spcPct val="80000"/>
-              </a:lnSpc>
-              <a:spcBef>
-                <a:spcPct val="20000"/>
-              </a:spcBef>
-            </a:pPr>
-            <a:r>
-              <a:rPr lang="ja-JP" altLang="en-US" sz="1200" dirty="0">
-                <a:latin typeface="UD デジタル 教科書体 NP" panose="02020400000000000000" pitchFamily="18" charset="-128"/>
-                <a:ea typeface="UD デジタル 教科書体 NP" panose="02020400000000000000" pitchFamily="18" charset="-128"/>
-              </a:rPr>
-              <a:t>攻略の流れを図</a:t>
-            </a:r>
-            <a:r>
-              <a:rPr lang="en-US" altLang="ja-JP" sz="1200" dirty="0">
-                <a:latin typeface="UD デジタル 教科書体 NP" panose="02020400000000000000" pitchFamily="18" charset="-128"/>
-                <a:ea typeface="UD デジタル 教科書体 NP" panose="02020400000000000000" pitchFamily="18" charset="-128"/>
-              </a:rPr>
-              <a:t>1.4</a:t>
-            </a:r>
-            <a:r>
-              <a:rPr lang="ja-JP" altLang="en-US" sz="1200" dirty="0">
-                <a:latin typeface="UD デジタル 教科書体 NP" panose="02020400000000000000" pitchFamily="18" charset="-128"/>
-                <a:ea typeface="UD デジタル 教科書体 NP" panose="02020400000000000000" pitchFamily="18" charset="-128"/>
-              </a:rPr>
-              <a:t>に示した。</a:t>
-            </a:r>
-            <a:endParaRPr lang="en-US" altLang="ja-JP" sz="1200" dirty="0">
-              <a:latin typeface="UD デジタル 教科書体 NP" panose="02020400000000000000" pitchFamily="18" charset="-128"/>
-              <a:ea typeface="UD デジタル 教科書体 NP" panose="02020400000000000000" pitchFamily="18" charset="-128"/>
-            </a:endParaRPr>
-          </a:p>
-          <a:p>
-            <a:pPr eaLnBrk="1" hangingPunct="1">
-              <a:lnSpc>
-                <a:spcPct val="80000"/>
-              </a:lnSpc>
-              <a:spcBef>
-                <a:spcPct val="20000"/>
-              </a:spcBef>
-            </a:pPr>
-            <a:r>
-              <a:rPr lang="ja-JP" altLang="en-US" sz="1200" dirty="0">
-                <a:latin typeface="UD デジタル 教科書体 NP" panose="02020400000000000000" pitchFamily="18" charset="-128"/>
-                <a:ea typeface="UD デジタル 教科書体 NP" panose="02020400000000000000" pitchFamily="18" charset="-128"/>
-              </a:rPr>
-              <a:t>マップ情報の引き渡しには設定ファイルを</a:t>
-            </a:r>
-            <a:endParaRPr lang="en-US" altLang="ja-JP" sz="1200" dirty="0">
-              <a:latin typeface="UD デジタル 教科書体 NP" panose="02020400000000000000" pitchFamily="18" charset="-128"/>
-              <a:ea typeface="UD デジタル 教科書体 NP" panose="02020400000000000000" pitchFamily="18" charset="-128"/>
-            </a:endParaRPr>
-          </a:p>
-          <a:p>
-            <a:pPr eaLnBrk="1" hangingPunct="1">
-              <a:lnSpc>
-                <a:spcPct val="80000"/>
-              </a:lnSpc>
-              <a:spcBef>
-                <a:spcPct val="20000"/>
-              </a:spcBef>
-            </a:pPr>
-            <a:r>
-              <a:rPr lang="ja-JP" altLang="en-US" sz="1200" dirty="0">
-                <a:latin typeface="UD デジタル 教科書体 NP" panose="02020400000000000000" pitchFamily="18" charset="-128"/>
-                <a:ea typeface="UD デジタル 教科書体 NP" panose="02020400000000000000" pitchFamily="18" charset="-128"/>
-              </a:rPr>
-              <a:t>利用し、バーチャル運転手は処理開始時に</a:t>
-            </a:r>
-            <a:endParaRPr lang="en-US" altLang="ja-JP" sz="1200" dirty="0">
-              <a:latin typeface="UD デジタル 教科書体 NP" panose="02020400000000000000" pitchFamily="18" charset="-128"/>
-              <a:ea typeface="UD デジタル 教科書体 NP" panose="02020400000000000000" pitchFamily="18" charset="-128"/>
-            </a:endParaRPr>
-          </a:p>
-          <a:p>
-            <a:pPr eaLnBrk="1" hangingPunct="1">
-              <a:lnSpc>
-                <a:spcPct val="80000"/>
-              </a:lnSpc>
-              <a:spcBef>
-                <a:spcPct val="20000"/>
-              </a:spcBef>
-            </a:pPr>
-            <a:r>
-              <a:rPr lang="ja-JP" altLang="en-US" sz="1200" dirty="0">
-                <a:latin typeface="UD デジタル 教科書体 NP" panose="02020400000000000000" pitchFamily="18" charset="-128"/>
-                <a:ea typeface="UD デジタル 教科書体 NP" panose="02020400000000000000" pitchFamily="18" charset="-128"/>
-              </a:rPr>
-              <a:t>設定ファイルを読みこむこととする。</a:t>
-            </a:r>
-            <a:endParaRPr lang="en-US" altLang="ja-JP" sz="1200" dirty="0">
-              <a:latin typeface="UD デジタル 教科書体 NP" panose="02020400000000000000" pitchFamily="18" charset="-128"/>
-              <a:ea typeface="UD デジタル 教科書体 NP" panose="02020400000000000000" pitchFamily="18" charset="-128"/>
-            </a:endParaRPr>
-          </a:p>
-        </p:txBody>
-      </p:sp>
-      <p:sp>
-        <p:nvSpPr>
-          <p:cNvPr id="10" name="Rectangle 3">
-            <a:extLst>
-              <a:ext uri="{FF2B5EF4-FFF2-40B4-BE49-F238E27FC236}">
-                <a16:creationId xmlns:a16="http://schemas.microsoft.com/office/drawing/2014/main" id="{88738640-807A-7E29-9AE4-292BE60FFC3D}"/>
-              </a:ext>
-            </a:extLst>
-          </p:cNvPr>
-          <p:cNvSpPr>
-            <a:spLocks noChangeArrowheads="1"/>
-          </p:cNvSpPr>
-          <p:nvPr/>
-        </p:nvSpPr>
-        <p:spPr bwMode="auto">
-          <a:xfrm>
-            <a:off x="51931" y="602183"/>
-            <a:ext cx="8118817" cy="3396419"/>
-          </a:xfrm>
-          <a:prstGeom prst="rect">
-            <a:avLst/>
-          </a:prstGeom>
-          <a:noFill/>
-          <a:ln w="9525">
-            <a:solidFill>
-              <a:schemeClr val="accent2"/>
-            </a:solidFill>
-            <a:miter lim="800000"/>
-            <a:headEnd/>
-            <a:tailEnd/>
-          </a:ln>
-          <a:extLst>
-            <a:ext uri="{909E8E84-426E-40DD-AFC4-6F175D3DCCD1}">
-              <a14:hiddenFill xmlns:a14="http://schemas.microsoft.com/office/drawing/2010/main">
-                <a:solidFill>
-                  <a:srgbClr val="FFFFFF"/>
-                </a:solidFill>
-              </a14:hiddenFill>
-            </a:ext>
-          </a:extLst>
-        </p:spPr>
-        <p:txBody>
-          <a:bodyPr lIns="120687" tIns="60343" rIns="120687" bIns="60343"/>
-          <a:lstStyle>
-            <a:lvl1pPr marL="481013" indent="-481013" defTabSz="1279525" eaLnBrk="0" hangingPunct="0">
-              <a:defRPr kumimoji="1" sz="1600">
-                <a:solidFill>
-                  <a:schemeClr val="tx1"/>
-                </a:solidFill>
-                <a:latin typeface="Times New Roman" panose="02020603050405020304" pitchFamily="18" charset="0"/>
-                <a:ea typeface="ＭＳ Ｐゴシック" panose="020B0600070205080204" pitchFamily="34" charset="-128"/>
-              </a:defRPr>
-            </a:lvl1pPr>
-            <a:lvl2pPr marL="742950" indent="-285750" defTabSz="1279525" eaLnBrk="0" hangingPunct="0">
-              <a:defRPr kumimoji="1" sz="1600">
-                <a:solidFill>
-                  <a:schemeClr val="tx1"/>
-                </a:solidFill>
-                <a:latin typeface="Times New Roman" panose="02020603050405020304" pitchFamily="18" charset="0"/>
-                <a:ea typeface="ＭＳ Ｐゴシック" panose="020B0600070205080204" pitchFamily="34" charset="-128"/>
-              </a:defRPr>
-            </a:lvl2pPr>
-            <a:lvl3pPr marL="1143000" indent="-228600" defTabSz="1279525" eaLnBrk="0" hangingPunct="0">
-              <a:defRPr kumimoji="1" sz="1600">
-                <a:solidFill>
-                  <a:schemeClr val="tx1"/>
-                </a:solidFill>
-                <a:latin typeface="Times New Roman" panose="02020603050405020304" pitchFamily="18" charset="0"/>
-                <a:ea typeface="ＭＳ Ｐゴシック" panose="020B0600070205080204" pitchFamily="34" charset="-128"/>
-              </a:defRPr>
-            </a:lvl3pPr>
-            <a:lvl4pPr marL="1600200" indent="-228600" defTabSz="1279525" eaLnBrk="0" hangingPunct="0">
-              <a:defRPr kumimoji="1" sz="1600">
-                <a:solidFill>
-                  <a:schemeClr val="tx1"/>
-                </a:solidFill>
-                <a:latin typeface="Times New Roman" panose="02020603050405020304" pitchFamily="18" charset="0"/>
-                <a:ea typeface="ＭＳ Ｐゴシック" panose="020B0600070205080204" pitchFamily="34" charset="-128"/>
-              </a:defRPr>
-            </a:lvl4pPr>
-            <a:lvl5pPr marL="2057400" indent="-228600" defTabSz="1279525" eaLnBrk="0" hangingPunct="0">
-              <a:defRPr kumimoji="1" sz="1600">
-                <a:solidFill>
-                  <a:schemeClr val="tx1"/>
-                </a:solidFill>
-                <a:latin typeface="Times New Roman" panose="02020603050405020304" pitchFamily="18" charset="0"/>
-                <a:ea typeface="ＭＳ Ｐゴシック" panose="020B0600070205080204" pitchFamily="34" charset="-128"/>
-              </a:defRPr>
-            </a:lvl5pPr>
-            <a:lvl6pPr marL="2514600" indent="-228600" defTabSz="1279525" eaLnBrk="0" fontAlgn="base" hangingPunct="0">
-              <a:spcBef>
-                <a:spcPct val="0"/>
-              </a:spcBef>
-              <a:spcAft>
-                <a:spcPct val="0"/>
-              </a:spcAft>
-              <a:defRPr kumimoji="1" sz="1600">
-                <a:solidFill>
-                  <a:schemeClr val="tx1"/>
-                </a:solidFill>
-                <a:latin typeface="Times New Roman" panose="02020603050405020304" pitchFamily="18" charset="0"/>
-                <a:ea typeface="ＭＳ Ｐゴシック" panose="020B0600070205080204" pitchFamily="34" charset="-128"/>
-              </a:defRPr>
-            </a:lvl6pPr>
-            <a:lvl7pPr marL="2971800" indent="-228600" defTabSz="1279525" eaLnBrk="0" fontAlgn="base" hangingPunct="0">
-              <a:spcBef>
-                <a:spcPct val="0"/>
-              </a:spcBef>
-              <a:spcAft>
-                <a:spcPct val="0"/>
-              </a:spcAft>
-              <a:defRPr kumimoji="1" sz="1600">
-                <a:solidFill>
-                  <a:schemeClr val="tx1"/>
-                </a:solidFill>
-                <a:latin typeface="Times New Roman" panose="02020603050405020304" pitchFamily="18" charset="0"/>
-                <a:ea typeface="ＭＳ Ｐゴシック" panose="020B0600070205080204" pitchFamily="34" charset="-128"/>
-              </a:defRPr>
-            </a:lvl7pPr>
-            <a:lvl8pPr marL="3429000" indent="-228600" defTabSz="1279525" eaLnBrk="0" fontAlgn="base" hangingPunct="0">
-              <a:spcBef>
-                <a:spcPct val="0"/>
-              </a:spcBef>
-              <a:spcAft>
-                <a:spcPct val="0"/>
-              </a:spcAft>
-              <a:defRPr kumimoji="1" sz="1600">
-                <a:solidFill>
-                  <a:schemeClr val="tx1"/>
-                </a:solidFill>
-                <a:latin typeface="Times New Roman" panose="02020603050405020304" pitchFamily="18" charset="0"/>
-                <a:ea typeface="ＭＳ Ｐゴシック" panose="020B0600070205080204" pitchFamily="34" charset="-128"/>
-              </a:defRPr>
-            </a:lvl8pPr>
-            <a:lvl9pPr marL="3886200" indent="-228600" defTabSz="1279525" eaLnBrk="0" fontAlgn="base" hangingPunct="0">
-              <a:spcBef>
-                <a:spcPct val="0"/>
-              </a:spcBef>
-              <a:spcAft>
-                <a:spcPct val="0"/>
-              </a:spcAft>
-              <a:defRPr kumimoji="1" sz="1600">
-                <a:solidFill>
-                  <a:schemeClr val="tx1"/>
-                </a:solidFill>
-                <a:latin typeface="Times New Roman" panose="02020603050405020304" pitchFamily="18" charset="0"/>
-                <a:ea typeface="ＭＳ Ｐゴシック" panose="020B0600070205080204" pitchFamily="34" charset="-128"/>
-              </a:defRPr>
-            </a:lvl9pPr>
-          </a:lstStyle>
-          <a:p>
-            <a:pPr eaLnBrk="1" hangingPunct="1">
-              <a:lnSpc>
-                <a:spcPct val="80000"/>
-              </a:lnSpc>
-              <a:spcBef>
-                <a:spcPct val="20000"/>
-              </a:spcBef>
-            </a:pPr>
-            <a:r>
-              <a:rPr lang="en-US" altLang="ja-JP" sz="1782" dirty="0">
-                <a:solidFill>
-                  <a:srgbClr val="FF0000"/>
-                </a:solidFill>
-                <a:latin typeface="UD デジタル 教科書体 NP" panose="02020400000000000000" pitchFamily="18" charset="-128"/>
-                <a:ea typeface="UD デジタル 教科書体 NP" panose="02020400000000000000" pitchFamily="18" charset="-128"/>
-              </a:rPr>
-              <a:t>1-1. </a:t>
-            </a:r>
-            <a:r>
-              <a:rPr lang="ja-JP" altLang="en-US" sz="1782" dirty="0">
-                <a:solidFill>
-                  <a:srgbClr val="FF0000"/>
-                </a:solidFill>
-                <a:latin typeface="UD デジタル 教科書体 NP" panose="02020400000000000000" pitchFamily="18" charset="-128"/>
-                <a:ea typeface="UD デジタル 教科書体 NP" panose="02020400000000000000" pitchFamily="18" charset="-128"/>
-              </a:rPr>
-              <a:t>基本戦略</a:t>
-            </a:r>
-          </a:p>
-          <a:p>
-            <a:pPr eaLnBrk="1" hangingPunct="1">
-              <a:lnSpc>
-                <a:spcPct val="80000"/>
-              </a:lnSpc>
-              <a:spcBef>
-                <a:spcPct val="20000"/>
-              </a:spcBef>
-            </a:pPr>
-            <a:r>
-              <a:rPr lang="ja-JP" altLang="en-US" sz="1200" dirty="0">
-                <a:latin typeface="UD デジタル 教科書体 NP" panose="02020400000000000000" pitchFamily="18" charset="-128"/>
-                <a:ea typeface="UD デジタル 教科書体 NP" panose="02020400000000000000" pitchFamily="18" charset="-128"/>
-              </a:rPr>
-              <a:t>基本的な考え方として、我々競技者はバーチャル運転手に走行体の運転を依頼するイメージを持つこととした。</a:t>
-            </a:r>
-            <a:endParaRPr lang="en-US" altLang="ja-JP" sz="1200" dirty="0">
-              <a:latin typeface="UD デジタル 教科書体 NP" panose="02020400000000000000" pitchFamily="18" charset="-128"/>
-              <a:ea typeface="UD デジタル 教科書体 NP" panose="02020400000000000000" pitchFamily="18" charset="-128"/>
-            </a:endParaRPr>
-          </a:p>
-          <a:p>
-            <a:pPr eaLnBrk="1" hangingPunct="1">
-              <a:lnSpc>
-                <a:spcPct val="80000"/>
-              </a:lnSpc>
-              <a:spcBef>
-                <a:spcPct val="20000"/>
-              </a:spcBef>
-            </a:pPr>
-            <a:r>
-              <a:rPr lang="ja-JP" altLang="en-US" sz="1200" dirty="0">
-                <a:latin typeface="UD デジタル 教科書体 NP" panose="02020400000000000000" pitchFamily="18" charset="-128"/>
-                <a:ea typeface="UD デジタル 教科書体 NP" panose="02020400000000000000" pitchFamily="18" charset="-128"/>
-              </a:rPr>
-              <a:t>バーチャル運転手とは、限りなくライン上を走行しながら与えられた目的を達成する模範的な運転手を指す。</a:t>
-            </a:r>
-            <a:endParaRPr lang="en-US" altLang="ja-JP" sz="1200" dirty="0">
-              <a:latin typeface="UD デジタル 教科書体 NP" panose="02020400000000000000" pitchFamily="18" charset="-128"/>
-              <a:ea typeface="UD デジタル 教科書体 NP" panose="02020400000000000000" pitchFamily="18" charset="-128"/>
-            </a:endParaRPr>
-          </a:p>
-          <a:p>
-            <a:pPr eaLnBrk="1" hangingPunct="1">
-              <a:lnSpc>
-                <a:spcPct val="80000"/>
-              </a:lnSpc>
-              <a:spcBef>
-                <a:spcPct val="20000"/>
-              </a:spcBef>
-            </a:pPr>
-            <a:r>
-              <a:rPr lang="ja-JP" altLang="en-US" sz="1200" dirty="0">
-                <a:latin typeface="UD デジタル 教科書体 NP" panose="02020400000000000000" pitchFamily="18" charset="-128"/>
-                <a:ea typeface="UD デジタル 教科書体 NP" panose="02020400000000000000" pitchFamily="18" charset="-128"/>
-              </a:rPr>
-              <a:t>その上で目的を</a:t>
-            </a:r>
-            <a:r>
-              <a:rPr lang="ja-JP" altLang="en-US" sz="1200" b="1" dirty="0">
-                <a:latin typeface="UD デジタル 教科書体 NP" panose="02020400000000000000" pitchFamily="18" charset="-128"/>
-                <a:ea typeface="UD デジタル 教科書体 NP" panose="02020400000000000000" pitchFamily="18" charset="-128"/>
-              </a:rPr>
-              <a:t>「ダブルループの攻略」</a:t>
-            </a:r>
-            <a:r>
-              <a:rPr lang="ja-JP" altLang="en-US" sz="1200" dirty="0">
-                <a:latin typeface="UD デジタル 教科書体 NP" panose="02020400000000000000" pitchFamily="18" charset="-128"/>
-                <a:ea typeface="UD デジタル 教科書体 NP" panose="02020400000000000000" pitchFamily="18" charset="-128"/>
-              </a:rPr>
-              <a:t>と置き、ダブルループ侵入前から脱出後までのコースを汎化して捉えると、</a:t>
-            </a:r>
-            <a:endParaRPr lang="en-US" altLang="ja-JP" sz="1200" dirty="0">
-              <a:latin typeface="UD デジタル 教科書体 NP" panose="02020400000000000000" pitchFamily="18" charset="-128"/>
-              <a:ea typeface="UD デジタル 教科書体 NP" panose="02020400000000000000" pitchFamily="18" charset="-128"/>
-            </a:endParaRPr>
-          </a:p>
-          <a:p>
-            <a:pPr eaLnBrk="1" hangingPunct="1">
-              <a:lnSpc>
-                <a:spcPct val="80000"/>
-              </a:lnSpc>
-              <a:spcBef>
-                <a:spcPct val="20000"/>
-              </a:spcBef>
-            </a:pPr>
-            <a:r>
-              <a:rPr lang="ja-JP" altLang="en-US" sz="1200" b="1" dirty="0">
-                <a:latin typeface="UD デジタル 教科書体 NP" panose="02020400000000000000" pitchFamily="18" charset="-128"/>
-                <a:ea typeface="UD デジタル 教科書体 NP" panose="02020400000000000000" pitchFamily="18" charset="-128"/>
-              </a:rPr>
-              <a:t>「黒ライン」⇒</a:t>
-            </a:r>
-            <a:r>
-              <a:rPr lang="ja-JP" altLang="en-US" sz="1200" b="1" dirty="0">
-                <a:solidFill>
-                  <a:schemeClr val="accent1"/>
-                </a:solidFill>
-                <a:latin typeface="UD デジタル 教科書体 NP" panose="02020400000000000000" pitchFamily="18" charset="-128"/>
-                <a:ea typeface="UD デジタル 教科書体 NP" panose="02020400000000000000" pitchFamily="18" charset="-128"/>
-              </a:rPr>
-              <a:t>「分岐合図</a:t>
-            </a:r>
-            <a:r>
-              <a:rPr lang="en-US" altLang="ja-JP" sz="1200" b="1" dirty="0">
-                <a:solidFill>
-                  <a:schemeClr val="accent1"/>
-                </a:solidFill>
-                <a:latin typeface="UD デジタル 教科書体 NP" panose="02020400000000000000" pitchFamily="18" charset="-128"/>
-                <a:ea typeface="UD デジタル 教科書体 NP" panose="02020400000000000000" pitchFamily="18" charset="-128"/>
-              </a:rPr>
-              <a:t>(</a:t>
-            </a:r>
-            <a:r>
-              <a:rPr lang="ja-JP" altLang="en-US" sz="1200" b="1" dirty="0">
-                <a:solidFill>
-                  <a:schemeClr val="accent1"/>
-                </a:solidFill>
-                <a:latin typeface="UD デジタル 教科書体 NP" panose="02020400000000000000" pitchFamily="18" charset="-128"/>
-                <a:ea typeface="UD デジタル 教科書体 NP" panose="02020400000000000000" pitchFamily="18" charset="-128"/>
-              </a:rPr>
-              <a:t>青ライン</a:t>
-            </a:r>
-            <a:r>
-              <a:rPr lang="en-US" altLang="ja-JP" sz="1200" b="1" dirty="0">
-                <a:solidFill>
-                  <a:schemeClr val="accent1"/>
-                </a:solidFill>
-                <a:latin typeface="UD デジタル 教科書体 NP" panose="02020400000000000000" pitchFamily="18" charset="-128"/>
-                <a:ea typeface="UD デジタル 教科書体 NP" panose="02020400000000000000" pitchFamily="18" charset="-128"/>
-              </a:rPr>
-              <a:t>)</a:t>
-            </a:r>
-            <a:r>
-              <a:rPr lang="ja-JP" altLang="en-US" sz="1200" b="1" dirty="0">
-                <a:solidFill>
-                  <a:schemeClr val="accent1"/>
-                </a:solidFill>
-                <a:latin typeface="UD デジタル 教科書体 NP" panose="02020400000000000000" pitchFamily="18" charset="-128"/>
-                <a:ea typeface="UD デジタル 教科書体 NP" panose="02020400000000000000" pitchFamily="18" charset="-128"/>
-              </a:rPr>
-              <a:t>」</a:t>
-            </a:r>
-            <a:r>
-              <a:rPr lang="ja-JP" altLang="en-US" sz="1200" b="1" dirty="0">
-                <a:latin typeface="UD デジタル 教科書体 NP" panose="02020400000000000000" pitchFamily="18" charset="-128"/>
-                <a:ea typeface="UD デジタル 教科書体 NP" panose="02020400000000000000" pitchFamily="18" charset="-128"/>
-              </a:rPr>
-              <a:t>⇒「分岐</a:t>
-            </a:r>
-            <a:r>
-              <a:rPr lang="en-US" altLang="ja-JP" sz="1200" b="1" dirty="0">
-                <a:latin typeface="UD デジタル 教科書体 NP" panose="02020400000000000000" pitchFamily="18" charset="-128"/>
-                <a:ea typeface="UD デジタル 教科書体 NP" panose="02020400000000000000" pitchFamily="18" charset="-128"/>
-              </a:rPr>
-              <a:t>(</a:t>
-            </a:r>
-            <a:r>
-              <a:rPr lang="ja-JP" altLang="en-US" sz="1200" b="1" dirty="0">
-                <a:latin typeface="UD デジタル 教科書体 NP" panose="02020400000000000000" pitchFamily="18" charset="-128"/>
-                <a:ea typeface="UD デジタル 教科書体 NP" panose="02020400000000000000" pitchFamily="18" charset="-128"/>
-              </a:rPr>
-              <a:t>黒ライン</a:t>
-            </a:r>
-            <a:r>
-              <a:rPr lang="en-US" altLang="ja-JP" sz="1200" b="1" dirty="0">
-                <a:latin typeface="UD デジタル 教科書体 NP" panose="02020400000000000000" pitchFamily="18" charset="-128"/>
-                <a:ea typeface="UD デジタル 教科書体 NP" panose="02020400000000000000" pitchFamily="18" charset="-128"/>
-              </a:rPr>
-              <a:t>)</a:t>
-            </a:r>
-            <a:r>
-              <a:rPr lang="ja-JP" altLang="en-US" sz="1200" b="1" dirty="0">
-                <a:latin typeface="UD デジタル 教科書体 NP" panose="02020400000000000000" pitchFamily="18" charset="-128"/>
-                <a:ea typeface="UD デジタル 教科書体 NP" panose="02020400000000000000" pitchFamily="18" charset="-128"/>
-              </a:rPr>
-              <a:t>」の繰返し</a:t>
-            </a:r>
-            <a:r>
-              <a:rPr lang="ja-JP" altLang="en-US" sz="1200" dirty="0">
-                <a:latin typeface="UD デジタル 教科書体 NP" panose="02020400000000000000" pitchFamily="18" charset="-128"/>
-                <a:ea typeface="UD デジタル 教科書体 NP" panose="02020400000000000000" pitchFamily="18" charset="-128"/>
-              </a:rPr>
-              <a:t>であることが分かる。</a:t>
-            </a:r>
-            <a:endParaRPr lang="en-US" altLang="ja-JP" sz="1200" dirty="0">
-              <a:latin typeface="UD デジタル 教科書体 NP" panose="02020400000000000000" pitchFamily="18" charset="-128"/>
-              <a:ea typeface="UD デジタル 教科書体 NP" panose="02020400000000000000" pitchFamily="18" charset="-128"/>
-            </a:endParaRPr>
-          </a:p>
-          <a:p>
-            <a:pPr eaLnBrk="1" hangingPunct="1">
-              <a:lnSpc>
-                <a:spcPct val="80000"/>
-              </a:lnSpc>
-              <a:spcBef>
-                <a:spcPct val="20000"/>
-              </a:spcBef>
-            </a:pPr>
-            <a:r>
-              <a:rPr lang="ja-JP" altLang="en-US" sz="1200" dirty="0">
-                <a:latin typeface="UD デジタル 教科書体 NP" panose="02020400000000000000" pitchFamily="18" charset="-128"/>
-                <a:ea typeface="UD デジタル 教科書体 NP" panose="02020400000000000000" pitchFamily="18" charset="-128"/>
-              </a:rPr>
-              <a:t>そのため、バーチャル運転手に分岐合図検知後の分岐方向を順を追って教えておくことで、</a:t>
-            </a:r>
-            <a:endParaRPr lang="en-US" altLang="ja-JP" sz="1200" dirty="0">
-              <a:latin typeface="UD デジタル 教科書体 NP" panose="02020400000000000000" pitchFamily="18" charset="-128"/>
-              <a:ea typeface="UD デジタル 教科書体 NP" panose="02020400000000000000" pitchFamily="18" charset="-128"/>
-            </a:endParaRPr>
-          </a:p>
-          <a:p>
-            <a:pPr eaLnBrk="1" hangingPunct="1">
-              <a:lnSpc>
-                <a:spcPct val="80000"/>
-              </a:lnSpc>
-              <a:spcBef>
-                <a:spcPct val="20000"/>
-              </a:spcBef>
-            </a:pPr>
-            <a:r>
-              <a:rPr lang="ja-JP" altLang="en-US" sz="1200" dirty="0">
-                <a:latin typeface="UD デジタル 教科書体 NP" panose="02020400000000000000" pitchFamily="18" charset="-128"/>
-                <a:ea typeface="UD デジタル 教科書体 NP" panose="02020400000000000000" pitchFamily="18" charset="-128"/>
-              </a:rPr>
-              <a:t>与えられた分岐のとおりにダブルループを走行することが期待できる。</a:t>
-            </a:r>
-            <a:endParaRPr lang="en-US" altLang="ja-JP" sz="1200" dirty="0">
-              <a:latin typeface="UD デジタル 教科書体 NP" panose="02020400000000000000" pitchFamily="18" charset="-128"/>
-              <a:ea typeface="UD デジタル 教科書体 NP" panose="02020400000000000000" pitchFamily="18" charset="-128"/>
-            </a:endParaRPr>
-          </a:p>
-          <a:p>
-            <a:pPr eaLnBrk="1" hangingPunct="1">
-              <a:lnSpc>
-                <a:spcPct val="80000"/>
-              </a:lnSpc>
-              <a:spcBef>
-                <a:spcPct val="20000"/>
-              </a:spcBef>
-            </a:pPr>
-            <a:r>
-              <a:rPr lang="ja-JP" altLang="en-US" sz="1200" dirty="0">
-                <a:latin typeface="UD デジタル 教科書体 NP" panose="02020400000000000000" pitchFamily="18" charset="-128"/>
-                <a:ea typeface="UD デジタル 教科書体 NP" panose="02020400000000000000" pitchFamily="18" charset="-128"/>
-              </a:rPr>
-              <a:t>ダブルループの侵入部を例に走行イメージを示す。</a:t>
-            </a:r>
-            <a:endParaRPr lang="en-US" altLang="ja-JP" sz="1200" dirty="0">
-              <a:latin typeface="UD デジタル 教科書体 NP" panose="02020400000000000000" pitchFamily="18" charset="-128"/>
-              <a:ea typeface="UD デジタル 教科書体 NP" panose="02020400000000000000" pitchFamily="18" charset="-128"/>
-            </a:endParaRPr>
-          </a:p>
-          <a:p>
-            <a:pPr eaLnBrk="1" hangingPunct="1">
-              <a:lnSpc>
-                <a:spcPct val="80000"/>
-              </a:lnSpc>
-              <a:spcBef>
-                <a:spcPct val="20000"/>
-              </a:spcBef>
-            </a:pPr>
-            <a:r>
-              <a:rPr lang="ja-JP" altLang="en-US" sz="1200" dirty="0">
-                <a:latin typeface="UD デジタル 教科書体 NP" panose="02020400000000000000" pitchFamily="18" charset="-128"/>
-                <a:ea typeface="UD デジタル 教科書体 NP" panose="02020400000000000000" pitchFamily="18" charset="-128"/>
-              </a:rPr>
-              <a:t>図</a:t>
-            </a:r>
-            <a:r>
-              <a:rPr lang="en-US" altLang="ja-JP" sz="1200" dirty="0">
-                <a:latin typeface="UD デジタル 教科書体 NP" panose="02020400000000000000" pitchFamily="18" charset="-128"/>
-                <a:ea typeface="UD デジタル 教科書体 NP" panose="02020400000000000000" pitchFamily="18" charset="-128"/>
-              </a:rPr>
-              <a:t>1.1</a:t>
-            </a:r>
-            <a:r>
-              <a:rPr lang="ja-JP" altLang="en-US" sz="1200" dirty="0">
-                <a:latin typeface="UD デジタル 教科書体 NP" panose="02020400000000000000" pitchFamily="18" charset="-128"/>
-                <a:ea typeface="UD デジタル 教科書体 NP" panose="02020400000000000000" pitchFamily="18" charset="-128"/>
-              </a:rPr>
-              <a:t>の</a:t>
-            </a:r>
-            <a:r>
-              <a:rPr lang="ja-JP" altLang="en-US" sz="1200" dirty="0">
-                <a:solidFill>
-                  <a:srgbClr val="FF0000"/>
-                </a:solidFill>
-                <a:latin typeface="UD デジタル 教科書体 NP" panose="02020400000000000000" pitchFamily="18" charset="-128"/>
-                <a:ea typeface="UD デジタル 教科書体 NP" panose="02020400000000000000" pitchFamily="18" charset="-128"/>
-              </a:rPr>
-              <a:t>赤矢印</a:t>
-            </a:r>
-            <a:r>
-              <a:rPr lang="en-US" altLang="ja-JP" sz="1200" dirty="0">
-                <a:solidFill>
-                  <a:srgbClr val="FF0000"/>
-                </a:solidFill>
-                <a:latin typeface="UD デジタル 教科書体 NP" panose="02020400000000000000" pitchFamily="18" charset="-128"/>
-                <a:ea typeface="UD デジタル 教科書体 NP" panose="02020400000000000000" pitchFamily="18" charset="-128"/>
-              </a:rPr>
-              <a:t>(</a:t>
-            </a:r>
-            <a:r>
-              <a:rPr lang="ja-JP" altLang="en-US" sz="1200" dirty="0">
-                <a:solidFill>
-                  <a:srgbClr val="FF0000"/>
-                </a:solidFill>
-                <a:latin typeface="UD デジタル 教科書体 NP" panose="02020400000000000000" pitchFamily="18" charset="-128"/>
-                <a:ea typeface="UD デジタル 教科書体 NP" panose="02020400000000000000" pitchFamily="18" charset="-128"/>
-              </a:rPr>
-              <a:t>①</a:t>
-            </a:r>
-            <a:r>
-              <a:rPr lang="en-US" altLang="ja-JP" sz="1200" dirty="0">
-                <a:solidFill>
-                  <a:srgbClr val="FF0000"/>
-                </a:solidFill>
-                <a:latin typeface="UD デジタル 教科書体 NP" panose="02020400000000000000" pitchFamily="18" charset="-128"/>
-                <a:ea typeface="UD デジタル 教科書体 NP" panose="02020400000000000000" pitchFamily="18" charset="-128"/>
-              </a:rPr>
-              <a:t>)</a:t>
-            </a:r>
-            <a:r>
-              <a:rPr lang="ja-JP" altLang="en-US" sz="1200" dirty="0">
-                <a:latin typeface="UD デジタル 教科書体 NP" panose="02020400000000000000" pitchFamily="18" charset="-128"/>
-                <a:ea typeface="UD デジタル 教科書体 NP" panose="02020400000000000000" pitchFamily="18" charset="-128"/>
-              </a:rPr>
-              <a:t>の個所では黒ラインをトレースして走行する。</a:t>
-            </a:r>
-            <a:endParaRPr lang="en-US" altLang="ja-JP" sz="1200" dirty="0">
-              <a:latin typeface="UD デジタル 教科書体 NP" panose="02020400000000000000" pitchFamily="18" charset="-128"/>
-              <a:ea typeface="UD デジタル 教科書体 NP" panose="02020400000000000000" pitchFamily="18" charset="-128"/>
-            </a:endParaRPr>
-          </a:p>
-          <a:p>
-            <a:pPr eaLnBrk="1" hangingPunct="1">
-              <a:lnSpc>
-                <a:spcPct val="80000"/>
-              </a:lnSpc>
-              <a:spcBef>
-                <a:spcPct val="20000"/>
-              </a:spcBef>
-            </a:pPr>
-            <a:r>
-              <a:rPr lang="ja-JP" altLang="en-US" sz="1200" dirty="0">
-                <a:latin typeface="UD デジタル 教科書体 NP" panose="02020400000000000000" pitchFamily="18" charset="-128"/>
-                <a:ea typeface="UD デジタル 教科書体 NP" panose="02020400000000000000" pitchFamily="18" charset="-128"/>
-              </a:rPr>
-              <a:t>後ほど進路の決定を行うため、この時点では走行体が左右どちらのラインエッジを</a:t>
-            </a:r>
-            <a:endParaRPr lang="en-US" altLang="ja-JP" sz="1200" dirty="0">
-              <a:latin typeface="UD デジタル 教科書体 NP" panose="02020400000000000000" pitchFamily="18" charset="-128"/>
-              <a:ea typeface="UD デジタル 教科書体 NP" panose="02020400000000000000" pitchFamily="18" charset="-128"/>
-            </a:endParaRPr>
-          </a:p>
-          <a:p>
-            <a:pPr eaLnBrk="1" hangingPunct="1">
-              <a:lnSpc>
-                <a:spcPct val="80000"/>
-              </a:lnSpc>
-              <a:spcBef>
-                <a:spcPct val="20000"/>
-              </a:spcBef>
-            </a:pPr>
-            <a:r>
-              <a:rPr lang="ja-JP" altLang="en-US" sz="1200" dirty="0">
-                <a:latin typeface="UD デジタル 教科書体 NP" panose="02020400000000000000" pitchFamily="18" charset="-128"/>
-                <a:ea typeface="UD デジタル 教科書体 NP" panose="02020400000000000000" pitchFamily="18" charset="-128"/>
-              </a:rPr>
-              <a:t>走行しているかは問わない。</a:t>
-            </a:r>
-            <a:endParaRPr lang="en-US" altLang="ja-JP" sz="1200" dirty="0">
-              <a:latin typeface="UD デジタル 教科書体 NP" panose="02020400000000000000" pitchFamily="18" charset="-128"/>
-              <a:ea typeface="UD デジタル 教科書体 NP" panose="02020400000000000000" pitchFamily="18" charset="-128"/>
-            </a:endParaRPr>
-          </a:p>
-          <a:p>
-            <a:pPr eaLnBrk="1" hangingPunct="1">
-              <a:lnSpc>
-                <a:spcPct val="80000"/>
-              </a:lnSpc>
-              <a:spcBef>
-                <a:spcPct val="20000"/>
-              </a:spcBef>
-            </a:pPr>
-            <a:r>
-              <a:rPr lang="ja-JP" altLang="en-US" sz="1200" dirty="0">
-                <a:latin typeface="UD デジタル 教科書体 NP" panose="02020400000000000000" pitchFamily="18" charset="-128"/>
-                <a:ea typeface="UD デジタル 教科書体 NP" panose="02020400000000000000" pitchFamily="18" charset="-128"/>
-              </a:rPr>
-              <a:t>青ラインを検知後、</a:t>
-            </a:r>
-            <a:r>
-              <a:rPr lang="ja-JP" altLang="en-US" sz="1200" dirty="0">
-                <a:solidFill>
-                  <a:schemeClr val="accent1"/>
-                </a:solidFill>
-                <a:latin typeface="UD デジタル 教科書体 NP" panose="02020400000000000000" pitchFamily="18" charset="-128"/>
-                <a:ea typeface="UD デジタル 教科書体 NP" panose="02020400000000000000" pitchFamily="18" charset="-128"/>
-              </a:rPr>
-              <a:t>青矢印</a:t>
-            </a:r>
-            <a:r>
-              <a:rPr lang="en-US" altLang="ja-JP" sz="1200" dirty="0">
-                <a:solidFill>
-                  <a:schemeClr val="accent1"/>
-                </a:solidFill>
-                <a:latin typeface="UD デジタル 教科書体 NP" panose="02020400000000000000" pitchFamily="18" charset="-128"/>
-                <a:ea typeface="UD デジタル 教科書体 NP" panose="02020400000000000000" pitchFamily="18" charset="-128"/>
-              </a:rPr>
-              <a:t>(</a:t>
-            </a:r>
-            <a:r>
-              <a:rPr lang="ja-JP" altLang="en-US" sz="1200" dirty="0">
-                <a:solidFill>
-                  <a:schemeClr val="accent1"/>
-                </a:solidFill>
-                <a:latin typeface="UD デジタル 教科書体 NP" panose="02020400000000000000" pitchFamily="18" charset="-128"/>
-                <a:ea typeface="UD デジタル 教科書体 NP" panose="02020400000000000000" pitchFamily="18" charset="-128"/>
-              </a:rPr>
-              <a:t>②</a:t>
-            </a:r>
-            <a:r>
-              <a:rPr lang="en-US" altLang="ja-JP" sz="1200" dirty="0">
-                <a:solidFill>
-                  <a:schemeClr val="accent1"/>
-                </a:solidFill>
-                <a:latin typeface="UD デジタル 教科書体 NP" panose="02020400000000000000" pitchFamily="18" charset="-128"/>
-                <a:ea typeface="UD デジタル 教科書体 NP" panose="02020400000000000000" pitchFamily="18" charset="-128"/>
-              </a:rPr>
-              <a:t>)</a:t>
-            </a:r>
-            <a:r>
-              <a:rPr lang="ja-JP" altLang="en-US" sz="1200" dirty="0">
-                <a:latin typeface="UD デジタル 教科書体 NP" panose="02020400000000000000" pitchFamily="18" charset="-128"/>
-                <a:ea typeface="UD デジタル 教科書体 NP" panose="02020400000000000000" pitchFamily="18" charset="-128"/>
-              </a:rPr>
-              <a:t>の個所では青ラインをトレースして走行する。</a:t>
-            </a:r>
-            <a:endParaRPr lang="en-US" altLang="ja-JP" sz="1200" dirty="0">
-              <a:latin typeface="UD デジタル 教科書体 NP" panose="02020400000000000000" pitchFamily="18" charset="-128"/>
-              <a:ea typeface="UD デジタル 教科書体 NP" panose="02020400000000000000" pitchFamily="18" charset="-128"/>
-            </a:endParaRPr>
-          </a:p>
-          <a:p>
-            <a:pPr eaLnBrk="1" hangingPunct="1">
-              <a:lnSpc>
-                <a:spcPct val="80000"/>
-              </a:lnSpc>
-              <a:spcBef>
-                <a:spcPct val="20000"/>
-              </a:spcBef>
-            </a:pPr>
-            <a:r>
-              <a:rPr lang="ja-JP" altLang="en-US" sz="1200" dirty="0">
-                <a:latin typeface="UD デジタル 教科書体 NP" panose="02020400000000000000" pitchFamily="18" charset="-128"/>
-                <a:ea typeface="UD デジタル 教科書体 NP" panose="02020400000000000000" pitchFamily="18" charset="-128"/>
-              </a:rPr>
-              <a:t>この時、最初に目指す方向が右であることをバーチャル運転手は知っている。</a:t>
-            </a:r>
-            <a:endParaRPr lang="en-US" altLang="ja-JP" sz="1200" dirty="0">
-              <a:latin typeface="UD デジタル 教科書体 NP" panose="02020400000000000000" pitchFamily="18" charset="-128"/>
-              <a:ea typeface="UD デジタル 教科書体 NP" panose="02020400000000000000" pitchFamily="18" charset="-128"/>
-            </a:endParaRPr>
-          </a:p>
-          <a:p>
-            <a:pPr eaLnBrk="1" hangingPunct="1">
-              <a:lnSpc>
-                <a:spcPct val="80000"/>
-              </a:lnSpc>
-              <a:spcBef>
-                <a:spcPct val="20000"/>
-              </a:spcBef>
-            </a:pPr>
-            <a:r>
-              <a:rPr lang="ja-JP" altLang="en-US" sz="1200" dirty="0">
-                <a:latin typeface="UD デジタル 教科書体 NP" panose="02020400000000000000" pitchFamily="18" charset="-128"/>
-                <a:ea typeface="UD デジタル 教科書体 NP" panose="02020400000000000000" pitchFamily="18" charset="-128"/>
-              </a:rPr>
-              <a:t>そのため、黒ライン検知後の</a:t>
-            </a:r>
-            <a:r>
-              <a:rPr lang="ja-JP" altLang="en-US" sz="1200" dirty="0">
-                <a:solidFill>
-                  <a:schemeClr val="accent4">
-                    <a:lumMod val="75000"/>
-                  </a:schemeClr>
-                </a:solidFill>
-                <a:latin typeface="UD デジタル 教科書体 NP" panose="02020400000000000000" pitchFamily="18" charset="-128"/>
-                <a:ea typeface="UD デジタル 教科書体 NP" panose="02020400000000000000" pitchFamily="18" charset="-128"/>
-              </a:rPr>
-              <a:t>黄色矢印</a:t>
-            </a:r>
-            <a:r>
-              <a:rPr lang="en-US" altLang="ja-JP" sz="1200" dirty="0">
-                <a:solidFill>
-                  <a:schemeClr val="accent4">
-                    <a:lumMod val="75000"/>
-                  </a:schemeClr>
-                </a:solidFill>
-                <a:latin typeface="UD デジタル 教科書体 NP" panose="02020400000000000000" pitchFamily="18" charset="-128"/>
-                <a:ea typeface="UD デジタル 教科書体 NP" panose="02020400000000000000" pitchFamily="18" charset="-128"/>
-              </a:rPr>
-              <a:t>(</a:t>
-            </a:r>
-            <a:r>
-              <a:rPr lang="ja-JP" altLang="en-US" sz="1200" dirty="0">
-                <a:solidFill>
-                  <a:schemeClr val="accent4">
-                    <a:lumMod val="75000"/>
-                  </a:schemeClr>
-                </a:solidFill>
-                <a:latin typeface="UD デジタル 教科書体 NP" panose="02020400000000000000" pitchFamily="18" charset="-128"/>
-                <a:ea typeface="UD デジタル 教科書体 NP" panose="02020400000000000000" pitchFamily="18" charset="-128"/>
-              </a:rPr>
-              <a:t>③</a:t>
-            </a:r>
-            <a:r>
-              <a:rPr lang="en-US" altLang="ja-JP" sz="1200" dirty="0">
-                <a:solidFill>
-                  <a:schemeClr val="accent4">
-                    <a:lumMod val="75000"/>
-                  </a:schemeClr>
-                </a:solidFill>
-                <a:latin typeface="UD デジタル 教科書体 NP" panose="02020400000000000000" pitchFamily="18" charset="-128"/>
-                <a:ea typeface="UD デジタル 教科書体 NP" panose="02020400000000000000" pitchFamily="18" charset="-128"/>
-              </a:rPr>
-              <a:t>)</a:t>
-            </a:r>
-            <a:r>
-              <a:rPr lang="ja-JP" altLang="en-US" sz="1200" dirty="0">
-                <a:latin typeface="UD デジタル 教科書体 NP" panose="02020400000000000000" pitchFamily="18" charset="-128"/>
-                <a:ea typeface="UD デジタル 教科書体 NP" panose="02020400000000000000" pitchFamily="18" charset="-128"/>
-              </a:rPr>
-              <a:t>の個所ではバーチャル運転手は右を目指</a:t>
-            </a:r>
-            <a:endParaRPr lang="en-US" altLang="ja-JP" sz="1200" dirty="0">
-              <a:latin typeface="UD デジタル 教科書体 NP" panose="02020400000000000000" pitchFamily="18" charset="-128"/>
-              <a:ea typeface="UD デジタル 教科書体 NP" panose="02020400000000000000" pitchFamily="18" charset="-128"/>
-            </a:endParaRPr>
-          </a:p>
-          <a:p>
-            <a:pPr eaLnBrk="1" hangingPunct="1">
-              <a:lnSpc>
-                <a:spcPct val="80000"/>
-              </a:lnSpc>
-              <a:spcBef>
-                <a:spcPct val="20000"/>
-              </a:spcBef>
-            </a:pPr>
-            <a:r>
-              <a:rPr lang="ja-JP" altLang="en-US" sz="1200" dirty="0">
-                <a:latin typeface="UD デジタル 教科書体 NP" panose="02020400000000000000" pitchFamily="18" charset="-128"/>
-                <a:ea typeface="UD デジタル 教科書体 NP" panose="02020400000000000000" pitchFamily="18" charset="-128"/>
-              </a:rPr>
-              <a:t>して走行する。</a:t>
-            </a:r>
-            <a:endParaRPr lang="en-US" altLang="ja-JP" sz="1200" dirty="0">
-              <a:latin typeface="UD デジタル 教科書体 NP" panose="02020400000000000000" pitchFamily="18" charset="-128"/>
-              <a:ea typeface="UD デジタル 教科書体 NP" panose="02020400000000000000" pitchFamily="18" charset="-128"/>
-            </a:endParaRPr>
-          </a:p>
-          <a:p>
-            <a:pPr eaLnBrk="1" hangingPunct="1">
-              <a:lnSpc>
-                <a:spcPct val="80000"/>
-              </a:lnSpc>
-              <a:spcBef>
-                <a:spcPct val="20000"/>
-              </a:spcBef>
-            </a:pPr>
-            <a:r>
-              <a:rPr lang="ja-JP" altLang="en-US" sz="1200" dirty="0">
-                <a:latin typeface="UD デジタル 教科書体 NP" panose="02020400000000000000" pitchFamily="18" charset="-128"/>
-                <a:ea typeface="UD デジタル 教科書体 NP" panose="02020400000000000000" pitchFamily="18" charset="-128"/>
-              </a:rPr>
-              <a:t>その時、際限なく右に向かう訳ではなく、ライン上を走行する特性によって、</a:t>
-            </a:r>
-            <a:endParaRPr lang="en-US" altLang="ja-JP" sz="1200" dirty="0">
-              <a:latin typeface="UD デジタル 教科書体 NP" panose="02020400000000000000" pitchFamily="18" charset="-128"/>
-              <a:ea typeface="UD デジタル 教科書体 NP" panose="02020400000000000000" pitchFamily="18" charset="-128"/>
-            </a:endParaRPr>
-          </a:p>
-          <a:p>
-            <a:pPr eaLnBrk="1" hangingPunct="1">
-              <a:lnSpc>
-                <a:spcPct val="80000"/>
-              </a:lnSpc>
-              <a:spcBef>
-                <a:spcPct val="20000"/>
-              </a:spcBef>
-            </a:pPr>
-            <a:r>
-              <a:rPr lang="ja-JP" altLang="en-US" sz="1200" dirty="0">
-                <a:solidFill>
-                  <a:schemeClr val="accent4">
-                    <a:lumMod val="75000"/>
-                  </a:schemeClr>
-                </a:solidFill>
-                <a:latin typeface="UD デジタル 教科書体 NP" panose="02020400000000000000" pitchFamily="18" charset="-128"/>
-                <a:ea typeface="UD デジタル 教科書体 NP" panose="02020400000000000000" pitchFamily="18" charset="-128"/>
-              </a:rPr>
-              <a:t>黄色矢印</a:t>
-            </a:r>
-            <a:r>
-              <a:rPr lang="ja-JP" altLang="en-US" sz="1200" dirty="0">
-                <a:latin typeface="UD デジタル 教科書体 NP" panose="02020400000000000000" pitchFamily="18" charset="-128"/>
-                <a:ea typeface="UD デジタル 教科書体 NP" panose="02020400000000000000" pitchFamily="18" charset="-128"/>
-              </a:rPr>
-              <a:t>の示すように、より右にあるラインに沿って走行することとなる。</a:t>
-            </a:r>
-            <a:endParaRPr lang="en-US" altLang="ja-JP" sz="1200" dirty="0">
-              <a:latin typeface="UD デジタル 教科書体 NP" panose="02020400000000000000" pitchFamily="18" charset="-128"/>
-              <a:ea typeface="UD デジタル 教科書体 NP" panose="02020400000000000000" pitchFamily="18" charset="-128"/>
-            </a:endParaRPr>
-          </a:p>
-          <a:p>
-            <a:pPr eaLnBrk="1" hangingPunct="1">
-              <a:lnSpc>
-                <a:spcPct val="80000"/>
-              </a:lnSpc>
-              <a:spcBef>
-                <a:spcPct val="20000"/>
-              </a:spcBef>
-            </a:pPr>
-            <a:r>
-              <a:rPr lang="ja-JP" altLang="en-US" sz="1200" dirty="0">
-                <a:latin typeface="UD デジタル 教科書体 NP" panose="02020400000000000000" pitchFamily="18" charset="-128"/>
-                <a:ea typeface="UD デジタル 教科書体 NP" panose="02020400000000000000" pitchFamily="18" charset="-128"/>
-              </a:rPr>
-              <a:t>以降もバーチャル運転手は分岐時の進行方向を知っており、上記の動作を繰り返すこととする。</a:t>
-            </a:r>
-            <a:endParaRPr lang="en-US" altLang="ja-JP" sz="1200" dirty="0">
-              <a:latin typeface="UD デジタル 教科書体 NP" panose="02020400000000000000" pitchFamily="18" charset="-128"/>
-              <a:ea typeface="UD デジタル 教科書体 NP" panose="02020400000000000000" pitchFamily="18" charset="-128"/>
-            </a:endParaRPr>
-          </a:p>
-        </p:txBody>
-      </p:sp>
-      <p:pic>
-        <p:nvPicPr>
-          <p:cNvPr id="6" name="図 5">
-            <a:extLst>
-              <a:ext uri="{FF2B5EF4-FFF2-40B4-BE49-F238E27FC236}">
-                <a16:creationId xmlns:a16="http://schemas.microsoft.com/office/drawing/2014/main" id="{06ED64A9-B13C-E295-15FF-22D743B4A9A0}"/>
-              </a:ext>
-            </a:extLst>
-          </p:cNvPr>
-          <p:cNvPicPr>
-            <a:picLocks noChangeAspect="1"/>
-          </p:cNvPicPr>
-          <p:nvPr/>
-        </p:nvPicPr>
-        <p:blipFill>
-          <a:blip r:embed="rId2"/>
-          <a:stretch>
-            <a:fillRect/>
-          </a:stretch>
-        </p:blipFill>
-        <p:spPr>
-          <a:xfrm>
-            <a:off x="13072338" y="0"/>
-            <a:ext cx="1782501" cy="561372"/>
-          </a:xfrm>
-          <a:prstGeom prst="rect">
-            <a:avLst/>
-          </a:prstGeom>
-        </p:spPr>
-      </p:pic>
-      <p:sp>
-        <p:nvSpPr>
-          <p:cNvPr id="15" name="Google Shape;92;p3">
-            <a:extLst>
-              <a:ext uri="{FF2B5EF4-FFF2-40B4-BE49-F238E27FC236}">
-                <a16:creationId xmlns:a16="http://schemas.microsoft.com/office/drawing/2014/main" id="{0CB19D41-B315-D2F3-0574-4C5741DA70FA}"/>
-              </a:ext>
-            </a:extLst>
-          </p:cNvPr>
-          <p:cNvSpPr txBox="1">
-            <a:spLocks noGrp="1"/>
-          </p:cNvSpPr>
-          <p:nvPr/>
-        </p:nvSpPr>
-        <p:spPr>
-          <a:xfrm>
-            <a:off x="0" y="23866"/>
-            <a:ext cx="7873249" cy="515650"/>
-          </a:xfrm>
-          <a:prstGeom prst="rect">
-            <a:avLst/>
-          </a:prstGeom>
-          <a:noFill/>
-          <a:ln>
-            <a:noFill/>
-          </a:ln>
-        </p:spPr>
-        <p:txBody>
-          <a:bodyPr spcFirstLastPara="1" wrap="square" lIns="91425" tIns="45700" rIns="91425" bIns="45700" anchor="ctr" anchorCtr="0">
-            <a:noAutofit/>
-          </a:bodyPr>
-          <a:lstStyle>
-            <a:defPPr marR="0" lvl="0" algn="l" rtl="0">
-              <a:lnSpc>
-                <a:spcPct val="100000"/>
-              </a:lnSpc>
-              <a:spcBef>
-                <a:spcPts val="0"/>
-              </a:spcBef>
-              <a:spcAft>
-                <a:spcPts val="0"/>
-              </a:spcAft>
-            </a:defPPr>
-            <a:lvl1pPr marR="0" lvl="0" algn="l" rtl="0">
-              <a:lnSpc>
-                <a:spcPct val="90000"/>
-              </a:lnSpc>
-              <a:spcBef>
-                <a:spcPts val="0"/>
-              </a:spcBef>
-              <a:spcAft>
-                <a:spcPts val="0"/>
-              </a:spcAft>
-              <a:buClr>
-                <a:schemeClr val="dk1"/>
-              </a:buClr>
-              <a:buSzPts val="1800"/>
-              <a:buFont typeface="Calibri"/>
-              <a:buNone/>
-              <a:defRPr sz="6860" b="0" i="0" u="none" strike="noStrike" cap="none">
-                <a:solidFill>
-                  <a:schemeClr val="dk1"/>
-                </a:solidFill>
-                <a:latin typeface="Calibri"/>
-                <a:ea typeface="Calibri"/>
-                <a:cs typeface="Calibri"/>
-                <a:sym typeface="Calibri"/>
-              </a:defRPr>
-            </a:lvl1pPr>
-            <a:lvl2pPr marR="0" lvl="1" algn="l" rtl="0">
-              <a:lnSpc>
-                <a:spcPct val="100000"/>
-              </a:lnSpc>
-              <a:spcBef>
-                <a:spcPts val="0"/>
-              </a:spcBef>
-              <a:spcAft>
-                <a:spcPts val="0"/>
-              </a:spcAft>
-              <a:buClr>
-                <a:srgbClr val="000000"/>
-              </a:buClr>
-              <a:buSzPts val="1400"/>
-              <a:buFont typeface="Arial"/>
-              <a:buNone/>
-              <a:defRPr sz="1800" b="0" i="0" u="none" strike="noStrike" cap="none">
-                <a:solidFill>
-                  <a:srgbClr val="000000"/>
-                </a:solidFill>
-                <a:latin typeface="Arial"/>
-                <a:ea typeface="Arial"/>
-                <a:cs typeface="Arial"/>
-                <a:sym typeface="Arial"/>
-              </a:defRPr>
-            </a:lvl2pPr>
-            <a:lvl3pPr marR="0" lvl="2" algn="l" rtl="0">
-              <a:lnSpc>
-                <a:spcPct val="100000"/>
-              </a:lnSpc>
-              <a:spcBef>
-                <a:spcPts val="0"/>
-              </a:spcBef>
-              <a:spcAft>
-                <a:spcPts val="0"/>
-              </a:spcAft>
-              <a:buClr>
-                <a:srgbClr val="000000"/>
-              </a:buClr>
-              <a:buSzPts val="1400"/>
-              <a:buFont typeface="Arial"/>
-              <a:buNone/>
-              <a:defRPr sz="1800" b="0" i="0" u="none" strike="noStrike" cap="none">
-                <a:solidFill>
-                  <a:srgbClr val="000000"/>
-                </a:solidFill>
-                <a:latin typeface="Arial"/>
-                <a:ea typeface="Arial"/>
-                <a:cs typeface="Arial"/>
-                <a:sym typeface="Arial"/>
-              </a:defRPr>
-            </a:lvl3pPr>
-            <a:lvl4pPr marR="0" lvl="3" algn="l" rtl="0">
-              <a:lnSpc>
-                <a:spcPct val="100000"/>
-              </a:lnSpc>
-              <a:spcBef>
-                <a:spcPts val="0"/>
-              </a:spcBef>
-              <a:spcAft>
-                <a:spcPts val="0"/>
-              </a:spcAft>
-              <a:buClr>
-                <a:srgbClr val="000000"/>
-              </a:buClr>
-              <a:buSzPts val="1400"/>
-              <a:buFont typeface="Arial"/>
-              <a:buNone/>
-              <a:defRPr sz="1800" b="0" i="0" u="none" strike="noStrike" cap="none">
-                <a:solidFill>
-                  <a:srgbClr val="000000"/>
-                </a:solidFill>
-                <a:latin typeface="Arial"/>
-                <a:ea typeface="Arial"/>
-                <a:cs typeface="Arial"/>
-                <a:sym typeface="Arial"/>
-              </a:defRPr>
-            </a:lvl4pPr>
-            <a:lvl5pPr marR="0" lvl="4" algn="l" rtl="0">
-              <a:lnSpc>
-                <a:spcPct val="100000"/>
-              </a:lnSpc>
-              <a:spcBef>
-                <a:spcPts val="0"/>
-              </a:spcBef>
-              <a:spcAft>
-                <a:spcPts val="0"/>
-              </a:spcAft>
-              <a:buClr>
-                <a:srgbClr val="000000"/>
-              </a:buClr>
-              <a:buSzPts val="1400"/>
-              <a:buFont typeface="Arial"/>
-              <a:buNone/>
-              <a:defRPr sz="1800" b="0" i="0" u="none" strike="noStrike" cap="none">
-                <a:solidFill>
-                  <a:srgbClr val="000000"/>
-                </a:solidFill>
-                <a:latin typeface="Arial"/>
-                <a:ea typeface="Arial"/>
-                <a:cs typeface="Arial"/>
-                <a:sym typeface="Arial"/>
-              </a:defRPr>
-            </a:lvl5pPr>
-            <a:lvl6pPr marR="0" lvl="5" algn="l" rtl="0">
-              <a:lnSpc>
-                <a:spcPct val="100000"/>
-              </a:lnSpc>
-              <a:spcBef>
-                <a:spcPts val="0"/>
-              </a:spcBef>
-              <a:spcAft>
-                <a:spcPts val="0"/>
-              </a:spcAft>
-              <a:buClr>
-                <a:srgbClr val="000000"/>
-              </a:buClr>
-              <a:buSzPts val="1400"/>
-              <a:buFont typeface="Arial"/>
-              <a:buNone/>
-              <a:defRPr sz="1800" b="0" i="0" u="none" strike="noStrike" cap="none">
-                <a:solidFill>
-                  <a:srgbClr val="000000"/>
-                </a:solidFill>
-                <a:latin typeface="Arial"/>
-                <a:ea typeface="Arial"/>
-                <a:cs typeface="Arial"/>
-                <a:sym typeface="Arial"/>
-              </a:defRPr>
-            </a:lvl6pPr>
-            <a:lvl7pPr marR="0" lvl="6" algn="l" rtl="0">
-              <a:lnSpc>
-                <a:spcPct val="100000"/>
-              </a:lnSpc>
-              <a:spcBef>
-                <a:spcPts val="0"/>
-              </a:spcBef>
-              <a:spcAft>
-                <a:spcPts val="0"/>
-              </a:spcAft>
-              <a:buClr>
-                <a:srgbClr val="000000"/>
-              </a:buClr>
-              <a:buSzPts val="1400"/>
-              <a:buFont typeface="Arial"/>
-              <a:buNone/>
-              <a:defRPr sz="1800" b="0" i="0" u="none" strike="noStrike" cap="none">
-                <a:solidFill>
-                  <a:srgbClr val="000000"/>
-                </a:solidFill>
-                <a:latin typeface="Arial"/>
-                <a:ea typeface="Arial"/>
-                <a:cs typeface="Arial"/>
-                <a:sym typeface="Arial"/>
-              </a:defRPr>
-            </a:lvl7pPr>
-            <a:lvl8pPr marR="0" lvl="7" algn="l" rtl="0">
-              <a:lnSpc>
-                <a:spcPct val="100000"/>
-              </a:lnSpc>
-              <a:spcBef>
-                <a:spcPts val="0"/>
-              </a:spcBef>
-              <a:spcAft>
-                <a:spcPts val="0"/>
-              </a:spcAft>
-              <a:buClr>
-                <a:srgbClr val="000000"/>
-              </a:buClr>
-              <a:buSzPts val="1400"/>
-              <a:buFont typeface="Arial"/>
-              <a:buNone/>
-              <a:defRPr sz="1800" b="0" i="0" u="none" strike="noStrike" cap="none">
-                <a:solidFill>
-                  <a:srgbClr val="000000"/>
-                </a:solidFill>
-                <a:latin typeface="Arial"/>
-                <a:ea typeface="Arial"/>
-                <a:cs typeface="Arial"/>
-                <a:sym typeface="Arial"/>
-              </a:defRPr>
-            </a:lvl8pPr>
-            <a:lvl9pPr marR="0" lvl="8" algn="l" rtl="0">
-              <a:lnSpc>
-                <a:spcPct val="100000"/>
-              </a:lnSpc>
-              <a:spcBef>
-                <a:spcPts val="0"/>
-              </a:spcBef>
-              <a:spcAft>
-                <a:spcPts val="0"/>
-              </a:spcAft>
-              <a:buClr>
-                <a:srgbClr val="000000"/>
-              </a:buClr>
-              <a:buSzPts val="1400"/>
-              <a:buFont typeface="Arial"/>
-              <a:buNone/>
-              <a:defRPr sz="1800" b="0" i="0" u="none" strike="noStrike" cap="none">
-                <a:solidFill>
-                  <a:srgbClr val="000000"/>
-                </a:solidFill>
-                <a:latin typeface="Arial"/>
-                <a:ea typeface="Arial"/>
-                <a:cs typeface="Arial"/>
-                <a:sym typeface="Arial"/>
-              </a:defRPr>
-            </a:lvl9pPr>
-          </a:lstStyle>
-          <a:p>
-            <a:pPr marL="0" lvl="0" indent="0" algn="l" rtl="0">
-              <a:lnSpc>
-                <a:spcPct val="90000"/>
-              </a:lnSpc>
-              <a:spcBef>
-                <a:spcPts val="0"/>
-              </a:spcBef>
-              <a:spcAft>
-                <a:spcPts val="0"/>
-              </a:spcAft>
-              <a:buClr>
-                <a:schemeClr val="dk1"/>
-              </a:buClr>
-              <a:buSzPts val="6120"/>
-              <a:buFont typeface="Calibri"/>
-              <a:buNone/>
-            </a:pPr>
-            <a:r>
-              <a:rPr lang="ja-JP" sz="2800" b="1" dirty="0">
-                <a:solidFill>
-                  <a:srgbClr val="ED7D31"/>
-                </a:solidFill>
-                <a:latin typeface="+mj-ea"/>
-                <a:ea typeface="+mj-ea"/>
-              </a:rPr>
-              <a:t>1. 機能モデル</a:t>
-            </a:r>
-            <a:endParaRPr sz="2800" b="1" dirty="0">
-              <a:solidFill>
-                <a:srgbClr val="ED7D31"/>
-              </a:solidFill>
-              <a:latin typeface="+mj-ea"/>
-              <a:ea typeface="+mj-ea"/>
-            </a:endParaRPr>
-          </a:p>
-        </p:txBody>
-      </p:sp>
-      <p:sp>
-        <p:nvSpPr>
-          <p:cNvPr id="16" name="Google Shape;110;p3">
-            <a:extLst>
-              <a:ext uri="{FF2B5EF4-FFF2-40B4-BE49-F238E27FC236}">
-                <a16:creationId xmlns:a16="http://schemas.microsoft.com/office/drawing/2014/main" id="{E5849CF8-96C8-50A6-C787-45FE2ABF0F1A}"/>
-              </a:ext>
-            </a:extLst>
-          </p:cNvPr>
-          <p:cNvSpPr/>
-          <p:nvPr/>
-        </p:nvSpPr>
-        <p:spPr>
-          <a:xfrm>
-            <a:off x="7649914" y="-1773"/>
-            <a:ext cx="5463600" cy="554400"/>
-          </a:xfrm>
-          <a:prstGeom prst="rect">
-            <a:avLst/>
-          </a:prstGeom>
-          <a:solidFill>
-            <a:schemeClr val="accent2"/>
-          </a:solidFill>
-          <a:ln>
-            <a:noFill/>
-          </a:ln>
-        </p:spPr>
-        <p:txBody>
-          <a:bodyPr spcFirstLastPara="1" wrap="square" lIns="91425" tIns="45700" rIns="91425" bIns="45700" anchor="ctr" anchorCtr="0">
-            <a:noAutofit/>
-          </a:bodyPr>
-          <a:lstStyle>
-            <a:defPPr marR="0" lvl="0" algn="l" rtl="0">
-              <a:lnSpc>
-                <a:spcPct val="100000"/>
-              </a:lnSpc>
-              <a:spcBef>
-                <a:spcPts val="0"/>
-              </a:spcBef>
-              <a:spcAft>
-                <a:spcPts val="0"/>
-              </a:spcAft>
-            </a:defPPr>
-            <a:lvl1pPr marR="0" lvl="0" algn="l" rtl="0">
-              <a:lnSpc>
-                <a:spcPct val="100000"/>
-              </a:lnSpc>
-              <a:spcBef>
-                <a:spcPts val="0"/>
-              </a:spcBef>
-              <a:spcAft>
-                <a:spcPts val="0"/>
-              </a:spcAft>
-              <a:buClr>
-                <a:srgbClr val="000000"/>
-              </a:buClr>
-              <a:buFont typeface="Arial"/>
-              <a:defRPr sz="1400" b="0" i="0" u="none" strike="noStrike" cap="none">
-                <a:solidFill>
-                  <a:srgbClr val="000000"/>
-                </a:solidFill>
-                <a:latin typeface="Arial"/>
-                <a:ea typeface="Arial"/>
-                <a:cs typeface="Arial"/>
-                <a:sym typeface="Arial"/>
-              </a:defRPr>
-            </a:lvl1pPr>
-            <a:lvl2pPr marR="0" lvl="1" algn="l" rtl="0">
-              <a:lnSpc>
-                <a:spcPct val="100000"/>
-              </a:lnSpc>
-              <a:spcBef>
-                <a:spcPts val="0"/>
-              </a:spcBef>
-              <a:spcAft>
-                <a:spcPts val="0"/>
-              </a:spcAft>
-              <a:buClr>
-                <a:srgbClr val="000000"/>
-              </a:buClr>
-              <a:buFont typeface="Arial"/>
-              <a:defRPr sz="1400" b="0" i="0" u="none" strike="noStrike" cap="none">
-                <a:solidFill>
-                  <a:srgbClr val="000000"/>
-                </a:solidFill>
-                <a:latin typeface="Arial"/>
-                <a:ea typeface="Arial"/>
-                <a:cs typeface="Arial"/>
-                <a:sym typeface="Arial"/>
-              </a:defRPr>
-            </a:lvl2pPr>
-            <a:lvl3pPr marR="0" lvl="2" algn="l" rtl="0">
-              <a:lnSpc>
-                <a:spcPct val="100000"/>
-              </a:lnSpc>
-              <a:spcBef>
-                <a:spcPts val="0"/>
-              </a:spcBef>
-              <a:spcAft>
-                <a:spcPts val="0"/>
-              </a:spcAft>
-              <a:buClr>
-                <a:srgbClr val="000000"/>
-              </a:buClr>
-              <a:buFont typeface="Arial"/>
-              <a:defRPr sz="1400" b="0" i="0" u="none" strike="noStrike" cap="none">
-                <a:solidFill>
-                  <a:srgbClr val="000000"/>
-                </a:solidFill>
-                <a:latin typeface="Arial"/>
-                <a:ea typeface="Arial"/>
-                <a:cs typeface="Arial"/>
-                <a:sym typeface="Arial"/>
-              </a:defRPr>
-            </a:lvl3pPr>
-            <a:lvl4pPr marR="0" lvl="3" algn="l" rtl="0">
-              <a:lnSpc>
-                <a:spcPct val="100000"/>
-              </a:lnSpc>
-              <a:spcBef>
-                <a:spcPts val="0"/>
-              </a:spcBef>
-              <a:spcAft>
-                <a:spcPts val="0"/>
-              </a:spcAft>
-              <a:buClr>
-                <a:srgbClr val="000000"/>
-              </a:buClr>
-              <a:buFont typeface="Arial"/>
-              <a:defRPr sz="1400" b="0" i="0" u="none" strike="noStrike" cap="none">
-                <a:solidFill>
-                  <a:srgbClr val="000000"/>
-                </a:solidFill>
-                <a:latin typeface="Arial"/>
-                <a:ea typeface="Arial"/>
-                <a:cs typeface="Arial"/>
-                <a:sym typeface="Arial"/>
-              </a:defRPr>
-            </a:lvl4pPr>
-            <a:lvl5pPr marR="0" lvl="4" algn="l" rtl="0">
-              <a:lnSpc>
-                <a:spcPct val="100000"/>
-              </a:lnSpc>
-              <a:spcBef>
-                <a:spcPts val="0"/>
-              </a:spcBef>
-              <a:spcAft>
-                <a:spcPts val="0"/>
-              </a:spcAft>
-              <a:buClr>
-                <a:srgbClr val="000000"/>
-              </a:buClr>
-              <a:buFont typeface="Arial"/>
-              <a:defRPr sz="1400" b="0" i="0" u="none" strike="noStrike" cap="none">
-                <a:solidFill>
-                  <a:srgbClr val="000000"/>
-                </a:solidFill>
-                <a:latin typeface="Arial"/>
-                <a:ea typeface="Arial"/>
-                <a:cs typeface="Arial"/>
-                <a:sym typeface="Arial"/>
-              </a:defRPr>
-            </a:lvl5pPr>
-            <a:lvl6pPr marR="0" lvl="5" algn="l" rtl="0">
-              <a:lnSpc>
-                <a:spcPct val="100000"/>
-              </a:lnSpc>
-              <a:spcBef>
-                <a:spcPts val="0"/>
-              </a:spcBef>
-              <a:spcAft>
-                <a:spcPts val="0"/>
-              </a:spcAft>
-              <a:buClr>
-                <a:srgbClr val="000000"/>
-              </a:buClr>
-              <a:buFont typeface="Arial"/>
-              <a:defRPr sz="1400" b="0" i="0" u="none" strike="noStrike" cap="none">
-                <a:solidFill>
-                  <a:srgbClr val="000000"/>
-                </a:solidFill>
-                <a:latin typeface="Arial"/>
-                <a:ea typeface="Arial"/>
-                <a:cs typeface="Arial"/>
-                <a:sym typeface="Arial"/>
-              </a:defRPr>
-            </a:lvl6pPr>
-            <a:lvl7pPr marR="0" lvl="6" algn="l" rtl="0">
-              <a:lnSpc>
-                <a:spcPct val="100000"/>
-              </a:lnSpc>
-              <a:spcBef>
-                <a:spcPts val="0"/>
-              </a:spcBef>
-              <a:spcAft>
-                <a:spcPts val="0"/>
-              </a:spcAft>
-              <a:buClr>
-                <a:srgbClr val="000000"/>
-              </a:buClr>
-              <a:buFont typeface="Arial"/>
-              <a:defRPr sz="1400" b="0" i="0" u="none" strike="noStrike" cap="none">
-                <a:solidFill>
-                  <a:srgbClr val="000000"/>
-                </a:solidFill>
-                <a:latin typeface="Arial"/>
-                <a:ea typeface="Arial"/>
-                <a:cs typeface="Arial"/>
-                <a:sym typeface="Arial"/>
-              </a:defRPr>
-            </a:lvl7pPr>
-            <a:lvl8pPr marR="0" lvl="7" algn="l" rtl="0">
-              <a:lnSpc>
-                <a:spcPct val="100000"/>
-              </a:lnSpc>
-              <a:spcBef>
-                <a:spcPts val="0"/>
-              </a:spcBef>
-              <a:spcAft>
-                <a:spcPts val="0"/>
-              </a:spcAft>
-              <a:buClr>
-                <a:srgbClr val="000000"/>
-              </a:buClr>
-              <a:buFont typeface="Arial"/>
-              <a:defRPr sz="1400" b="0" i="0" u="none" strike="noStrike" cap="none">
-                <a:solidFill>
-                  <a:srgbClr val="000000"/>
-                </a:solidFill>
-                <a:latin typeface="Arial"/>
-                <a:ea typeface="Arial"/>
-                <a:cs typeface="Arial"/>
-                <a:sym typeface="Arial"/>
-              </a:defRPr>
-            </a:lvl8pPr>
-            <a:lvl9pPr marR="0" lvl="8" algn="l" rtl="0">
-              <a:lnSpc>
-                <a:spcPct val="100000"/>
-              </a:lnSpc>
-              <a:spcBef>
-                <a:spcPts val="0"/>
-              </a:spcBef>
-              <a:spcAft>
-                <a:spcPts val="0"/>
-              </a:spcAft>
-              <a:buClr>
-                <a:srgbClr val="000000"/>
-              </a:buClr>
-              <a:buFont typeface="Arial"/>
-              <a:defRPr sz="1400" b="0" i="0" u="none" strike="noStrike" cap="none">
-                <a:solidFill>
-                  <a:srgbClr val="000000"/>
-                </a:solidFill>
-                <a:latin typeface="Arial"/>
-                <a:ea typeface="Arial"/>
-                <a:cs typeface="Arial"/>
-                <a:sym typeface="Arial"/>
-              </a:defRPr>
-            </a:lvl9pPr>
-          </a:lstStyle>
-          <a:p>
-            <a:pPr marL="0" marR="0" lvl="0" indent="0" algn="ctr" rtl="0">
-              <a:lnSpc>
-                <a:spcPct val="100000"/>
-              </a:lnSpc>
-              <a:spcBef>
-                <a:spcPts val="0"/>
-              </a:spcBef>
-              <a:spcAft>
-                <a:spcPts val="0"/>
-              </a:spcAft>
-              <a:buClr>
-                <a:srgbClr val="000000"/>
-              </a:buClr>
-              <a:buSzPts val="3200"/>
-              <a:buFont typeface="Arial"/>
-              <a:buNone/>
-            </a:pPr>
-            <a:r>
-              <a:rPr lang="ja-JP" sz="3200" b="0" i="0" u="none" strike="noStrike" cap="none" dirty="0">
-                <a:solidFill>
-                  <a:schemeClr val="lt1"/>
-                </a:solidFill>
-                <a:latin typeface="Arial"/>
-                <a:ea typeface="Arial"/>
-                <a:cs typeface="Arial"/>
-                <a:sym typeface="Arial"/>
-              </a:rPr>
-              <a:t>てなろぼ★ぷらいまりぃ</a:t>
-            </a:r>
-            <a:endParaRPr sz="3200" b="0" i="0" u="none" strike="noStrike" cap="none" dirty="0">
-              <a:solidFill>
-                <a:schemeClr val="lt1"/>
-              </a:solidFill>
-              <a:latin typeface="Arial"/>
-              <a:ea typeface="Arial"/>
-              <a:cs typeface="Arial"/>
-              <a:sym typeface="Arial"/>
-            </a:endParaRPr>
-          </a:p>
-        </p:txBody>
-      </p:sp>
-      <mc:AlternateContent xmlns:mc="http://schemas.openxmlformats.org/markup-compatibility/2006" xmlns:p14="http://schemas.microsoft.com/office/powerpoint/2010/main">
-        <mc:Choice Requires="p14">
-          <p:contentPart p14:bwMode="auto" r:id="rId3">
-            <p14:nvContentPartPr>
-              <p14:cNvPr id="18" name="インク 17">
-                <a:extLst>
-                  <a:ext uri="{FF2B5EF4-FFF2-40B4-BE49-F238E27FC236}">
-                    <a16:creationId xmlns:a16="http://schemas.microsoft.com/office/drawing/2014/main" id="{DFC48485-B09A-7828-3758-61EEDCDB8E21}"/>
-                  </a:ext>
-                </a:extLst>
-              </p14:cNvPr>
-              <p14:cNvContentPartPr/>
-              <p14:nvPr/>
-            </p14:nvContentPartPr>
-            <p14:xfrm>
-              <a:off x="8296793" y="121087"/>
-              <a:ext cx="360" cy="360"/>
-            </p14:xfrm>
-          </p:contentPart>
-        </mc:Choice>
-        <mc:Fallback xmlns="">
-          <p:pic>
-            <p:nvPicPr>
-              <p:cNvPr id="18" name="インク 17">
-                <a:extLst>
-                  <a:ext uri="{FF2B5EF4-FFF2-40B4-BE49-F238E27FC236}">
-                    <a16:creationId xmlns:a16="http://schemas.microsoft.com/office/drawing/2014/main" id="{DFC48485-B09A-7828-3758-61EEDCDB8E21}"/>
-                  </a:ext>
-                </a:extLst>
-              </p:cNvPr>
-              <p:cNvPicPr/>
-              <p:nvPr/>
-            </p:nvPicPr>
-            <p:blipFill>
-              <a:blip r:embed="rId7"/>
-              <a:stretch>
-                <a:fillRect/>
-              </a:stretch>
-            </p:blipFill>
-            <p:spPr>
-              <a:xfrm>
-                <a:off x="8290673" y="114967"/>
-                <a:ext cx="12600" cy="12600"/>
-              </a:xfrm>
-              <a:prstGeom prst="rect">
-                <a:avLst/>
-              </a:prstGeom>
-            </p:spPr>
-          </p:pic>
-        </mc:Fallback>
-      </mc:AlternateContent>
-      <mc:AlternateContent xmlns:mc="http://schemas.openxmlformats.org/markup-compatibility/2006" xmlns:p14="http://schemas.microsoft.com/office/powerpoint/2010/main">
-        <mc:Choice Requires="p14">
-          <p:contentPart p14:bwMode="auto" r:id="rId8">
-            <p14:nvContentPartPr>
-              <p14:cNvPr id="21" name="インク 20">
-                <a:extLst>
-                  <a:ext uri="{FF2B5EF4-FFF2-40B4-BE49-F238E27FC236}">
-                    <a16:creationId xmlns:a16="http://schemas.microsoft.com/office/drawing/2014/main" id="{0FD97F9E-4E3B-3F7F-80A4-8BF47475E612}"/>
-                  </a:ext>
-                </a:extLst>
-              </p14:cNvPr>
-              <p14:cNvContentPartPr/>
-              <p14:nvPr/>
-            </p14:nvContentPartPr>
-            <p14:xfrm>
-              <a:off x="8982593" y="1667287"/>
-              <a:ext cx="360" cy="360"/>
-            </p14:xfrm>
-          </p:contentPart>
-        </mc:Choice>
-        <mc:Fallback xmlns="">
-          <p:pic>
-            <p:nvPicPr>
-              <p:cNvPr id="21" name="インク 20">
-                <a:extLst>
-                  <a:ext uri="{FF2B5EF4-FFF2-40B4-BE49-F238E27FC236}">
-                    <a16:creationId xmlns:a16="http://schemas.microsoft.com/office/drawing/2014/main" id="{0FD97F9E-4E3B-3F7F-80A4-8BF47475E612}"/>
-                  </a:ext>
-                </a:extLst>
-              </p:cNvPr>
-              <p:cNvPicPr/>
-              <p:nvPr/>
-            </p:nvPicPr>
-            <p:blipFill>
-              <a:blip r:embed="rId7"/>
-              <a:stretch>
-                <a:fillRect/>
-              </a:stretch>
-            </p:blipFill>
-            <p:spPr>
-              <a:xfrm>
-                <a:off x="8976473" y="1661167"/>
-                <a:ext cx="12600" cy="12600"/>
-              </a:xfrm>
-              <a:prstGeom prst="rect">
-                <a:avLst/>
-              </a:prstGeom>
-            </p:spPr>
-          </p:pic>
-        </mc:Fallback>
-      </mc:AlternateContent>
-      <p:cxnSp>
-        <p:nvCxnSpPr>
-          <p:cNvPr id="22" name="Google Shape;127;p4">
-            <a:extLst>
-              <a:ext uri="{FF2B5EF4-FFF2-40B4-BE49-F238E27FC236}">
-                <a16:creationId xmlns:a16="http://schemas.microsoft.com/office/drawing/2014/main" id="{908872A4-3C72-3AB5-A4C2-771945FAE992}"/>
-              </a:ext>
-            </a:extLst>
-          </p:cNvPr>
-          <p:cNvCxnSpPr/>
-          <p:nvPr/>
-        </p:nvCxnSpPr>
-        <p:spPr>
-          <a:xfrm>
-            <a:off x="2951" y="554400"/>
-            <a:ext cx="15116399" cy="0"/>
-          </a:xfrm>
-          <a:prstGeom prst="straightConnector1">
-            <a:avLst/>
-          </a:prstGeom>
-          <a:noFill/>
-          <a:ln w="19050" cap="flat" cmpd="sng">
-            <a:solidFill>
-              <a:schemeClr val="accent2"/>
-            </a:solidFill>
-            <a:prstDash val="solid"/>
-            <a:miter lim="800000"/>
-            <a:headEnd type="none" w="sm" len="sm"/>
-            <a:tailEnd type="none" w="sm" len="sm"/>
-          </a:ln>
-        </p:spPr>
-      </p:cxnSp>
-      <p:sp>
-        <p:nvSpPr>
-          <p:cNvPr id="24" name="Rectangle 3">
-            <a:extLst>
-              <a:ext uri="{FF2B5EF4-FFF2-40B4-BE49-F238E27FC236}">
-                <a16:creationId xmlns:a16="http://schemas.microsoft.com/office/drawing/2014/main" id="{C9D5E40D-479F-E22F-E7A6-7CC87CE8BDFD}"/>
-              </a:ext>
-            </a:extLst>
-          </p:cNvPr>
-          <p:cNvSpPr>
-            <a:spLocks noChangeArrowheads="1"/>
-          </p:cNvSpPr>
-          <p:nvPr/>
-        </p:nvSpPr>
-        <p:spPr bwMode="auto">
-          <a:xfrm>
-            <a:off x="48679" y="3998602"/>
-            <a:ext cx="11055730" cy="6652353"/>
-          </a:xfrm>
-          <a:prstGeom prst="rect">
-            <a:avLst/>
-          </a:prstGeom>
-          <a:solidFill>
-            <a:schemeClr val="bg1"/>
-          </a:solidFill>
-          <a:ln w="9525">
-            <a:solidFill>
-              <a:srgbClr val="ED7D31"/>
-            </a:solidFill>
-            <a:miter lim="800000"/>
-            <a:headEnd/>
-            <a:tailEnd/>
-          </a:ln>
-        </p:spPr>
-        <p:txBody>
-          <a:bodyPr lIns="120687" tIns="60343" rIns="120687" bIns="60343"/>
-          <a:lstStyle>
-            <a:lvl1pPr marL="481013" indent="-481013" defTabSz="1279525" eaLnBrk="0" hangingPunct="0">
-              <a:defRPr kumimoji="1" sz="1600">
-                <a:solidFill>
-                  <a:schemeClr val="tx1"/>
-                </a:solidFill>
-                <a:latin typeface="Times New Roman" panose="02020603050405020304" pitchFamily="18" charset="0"/>
-                <a:ea typeface="ＭＳ Ｐゴシック" panose="020B0600070205080204" pitchFamily="34" charset="-128"/>
-              </a:defRPr>
-            </a:lvl1pPr>
-            <a:lvl2pPr marL="742950" indent="-285750" defTabSz="1279525" eaLnBrk="0" hangingPunct="0">
-              <a:defRPr kumimoji="1" sz="1600">
-                <a:solidFill>
-                  <a:schemeClr val="tx1"/>
-                </a:solidFill>
-                <a:latin typeface="Times New Roman" panose="02020603050405020304" pitchFamily="18" charset="0"/>
-                <a:ea typeface="ＭＳ Ｐゴシック" panose="020B0600070205080204" pitchFamily="34" charset="-128"/>
-              </a:defRPr>
-            </a:lvl2pPr>
-            <a:lvl3pPr marL="1143000" indent="-228600" defTabSz="1279525" eaLnBrk="0" hangingPunct="0">
-              <a:defRPr kumimoji="1" sz="1600">
-                <a:solidFill>
-                  <a:schemeClr val="tx1"/>
-                </a:solidFill>
-                <a:latin typeface="Times New Roman" panose="02020603050405020304" pitchFamily="18" charset="0"/>
-                <a:ea typeface="ＭＳ Ｐゴシック" panose="020B0600070205080204" pitchFamily="34" charset="-128"/>
-              </a:defRPr>
-            </a:lvl3pPr>
-            <a:lvl4pPr marL="1600200" indent="-228600" defTabSz="1279525" eaLnBrk="0" hangingPunct="0">
-              <a:defRPr kumimoji="1" sz="1600">
-                <a:solidFill>
-                  <a:schemeClr val="tx1"/>
-                </a:solidFill>
-                <a:latin typeface="Times New Roman" panose="02020603050405020304" pitchFamily="18" charset="0"/>
-                <a:ea typeface="ＭＳ Ｐゴシック" panose="020B0600070205080204" pitchFamily="34" charset="-128"/>
-              </a:defRPr>
-            </a:lvl4pPr>
-            <a:lvl5pPr marL="2057400" indent="-228600" defTabSz="1279525" eaLnBrk="0" hangingPunct="0">
-              <a:defRPr kumimoji="1" sz="1600">
-                <a:solidFill>
-                  <a:schemeClr val="tx1"/>
-                </a:solidFill>
-                <a:latin typeface="Times New Roman" panose="02020603050405020304" pitchFamily="18" charset="0"/>
-                <a:ea typeface="ＭＳ Ｐゴシック" panose="020B0600070205080204" pitchFamily="34" charset="-128"/>
-              </a:defRPr>
-            </a:lvl5pPr>
-            <a:lvl6pPr marL="2514600" indent="-228600" defTabSz="1279525" eaLnBrk="0" fontAlgn="base" hangingPunct="0">
-              <a:spcBef>
-                <a:spcPct val="0"/>
-              </a:spcBef>
-              <a:spcAft>
-                <a:spcPct val="0"/>
-              </a:spcAft>
-              <a:defRPr kumimoji="1" sz="1600">
-                <a:solidFill>
-                  <a:schemeClr val="tx1"/>
-                </a:solidFill>
-                <a:latin typeface="Times New Roman" panose="02020603050405020304" pitchFamily="18" charset="0"/>
-                <a:ea typeface="ＭＳ Ｐゴシック" panose="020B0600070205080204" pitchFamily="34" charset="-128"/>
-              </a:defRPr>
-            </a:lvl6pPr>
-            <a:lvl7pPr marL="2971800" indent="-228600" defTabSz="1279525" eaLnBrk="0" fontAlgn="base" hangingPunct="0">
-              <a:spcBef>
-                <a:spcPct val="0"/>
-              </a:spcBef>
-              <a:spcAft>
-                <a:spcPct val="0"/>
-              </a:spcAft>
-              <a:defRPr kumimoji="1" sz="1600">
-                <a:solidFill>
-                  <a:schemeClr val="tx1"/>
-                </a:solidFill>
-                <a:latin typeface="Times New Roman" panose="02020603050405020304" pitchFamily="18" charset="0"/>
-                <a:ea typeface="ＭＳ Ｐゴシック" panose="020B0600070205080204" pitchFamily="34" charset="-128"/>
-              </a:defRPr>
-            </a:lvl7pPr>
-            <a:lvl8pPr marL="3429000" indent="-228600" defTabSz="1279525" eaLnBrk="0" fontAlgn="base" hangingPunct="0">
-              <a:spcBef>
-                <a:spcPct val="0"/>
-              </a:spcBef>
-              <a:spcAft>
-                <a:spcPct val="0"/>
-              </a:spcAft>
-              <a:defRPr kumimoji="1" sz="1600">
-                <a:solidFill>
-                  <a:schemeClr val="tx1"/>
-                </a:solidFill>
-                <a:latin typeface="Times New Roman" panose="02020603050405020304" pitchFamily="18" charset="0"/>
-                <a:ea typeface="ＭＳ Ｐゴシック" panose="020B0600070205080204" pitchFamily="34" charset="-128"/>
-              </a:defRPr>
-            </a:lvl8pPr>
-            <a:lvl9pPr marL="3886200" indent="-228600" defTabSz="1279525" eaLnBrk="0" fontAlgn="base" hangingPunct="0">
-              <a:spcBef>
-                <a:spcPct val="0"/>
-              </a:spcBef>
-              <a:spcAft>
-                <a:spcPct val="0"/>
-              </a:spcAft>
-              <a:defRPr kumimoji="1" sz="1600">
-                <a:solidFill>
-                  <a:schemeClr val="tx1"/>
-                </a:solidFill>
-                <a:latin typeface="Times New Roman" panose="02020603050405020304" pitchFamily="18" charset="0"/>
-                <a:ea typeface="ＭＳ Ｐゴシック" panose="020B0600070205080204" pitchFamily="34" charset="-128"/>
-              </a:defRPr>
-            </a:lvl9pPr>
-          </a:lstStyle>
-          <a:p>
-            <a:pPr eaLnBrk="1" hangingPunct="1">
-              <a:lnSpc>
-                <a:spcPct val="80000"/>
-              </a:lnSpc>
-              <a:spcBef>
-                <a:spcPct val="20000"/>
-              </a:spcBef>
-            </a:pPr>
-            <a:r>
-              <a:rPr lang="en-US" altLang="ja-JP" sz="1782" dirty="0">
-                <a:solidFill>
-                  <a:srgbClr val="FF0000"/>
-                </a:solidFill>
-                <a:latin typeface="UD デジタル 教科書体 NP" panose="02020400000000000000" pitchFamily="18" charset="-128"/>
-                <a:ea typeface="UD デジタル 教科書体 NP" panose="02020400000000000000" pitchFamily="18" charset="-128"/>
-              </a:rPr>
-              <a:t>1-2. </a:t>
-            </a:r>
-            <a:r>
-              <a:rPr lang="ja-JP" altLang="en-US" sz="1782" dirty="0">
-                <a:solidFill>
-                  <a:srgbClr val="FF0000"/>
-                </a:solidFill>
-                <a:latin typeface="UD デジタル 教科書体 NP" panose="02020400000000000000" pitchFamily="18" charset="-128"/>
-                <a:ea typeface="UD デジタル 教科書体 NP" panose="02020400000000000000" pitchFamily="18" charset="-128"/>
-              </a:rPr>
-              <a:t>要件分析とリスク分析</a:t>
-            </a:r>
-            <a:endParaRPr lang="en-US" altLang="ja-JP" sz="1800" dirty="0">
-              <a:latin typeface="UD デジタル 教科書体 NP" panose="02020400000000000000" pitchFamily="18" charset="-128"/>
-              <a:ea typeface="UD デジタル 教科書体 NP" panose="02020400000000000000" pitchFamily="18" charset="-128"/>
-            </a:endParaRPr>
-          </a:p>
-          <a:p>
-            <a:pPr eaLnBrk="1" hangingPunct="1">
-              <a:lnSpc>
-                <a:spcPct val="80000"/>
-              </a:lnSpc>
-              <a:spcBef>
-                <a:spcPct val="20000"/>
-              </a:spcBef>
-            </a:pPr>
-            <a:r>
-              <a:rPr lang="ja-JP" altLang="en-US" sz="1200" dirty="0">
-                <a:latin typeface="UD デジタル 教科書体 NP" panose="02020400000000000000" pitchFamily="18" charset="-128"/>
-                <a:ea typeface="UD デジタル 教科書体 NP" panose="02020400000000000000" pitchFamily="18" charset="-128"/>
-              </a:rPr>
-              <a:t>基本戦略の実現に向けて</a:t>
-            </a:r>
-            <a:r>
-              <a:rPr lang="en-US" altLang="ja-JP" sz="1200" dirty="0">
-                <a:latin typeface="UD デジタル 教科書体 NP" panose="02020400000000000000" pitchFamily="18" charset="-128"/>
-                <a:ea typeface="UD デジタル 教科書体 NP" panose="02020400000000000000" pitchFamily="18" charset="-128"/>
-              </a:rPr>
-              <a:t>2</a:t>
-            </a:r>
-            <a:r>
-              <a:rPr lang="ja-JP" altLang="en-US" sz="1200" dirty="0">
-                <a:latin typeface="UD デジタル 教科書体 NP" panose="02020400000000000000" pitchFamily="18" charset="-128"/>
-                <a:ea typeface="UD デジタル 教科書体 NP" panose="02020400000000000000" pitchFamily="18" charset="-128"/>
-              </a:rPr>
-              <a:t>つのサブシステムに分割して整理することとした。</a:t>
-            </a:r>
-            <a:endParaRPr lang="en-US" altLang="ja-JP" sz="1200" dirty="0">
-              <a:latin typeface="UD デジタル 教科書体 NP" panose="02020400000000000000" pitchFamily="18" charset="-128"/>
-              <a:ea typeface="UD デジタル 教科書体 NP" panose="02020400000000000000" pitchFamily="18" charset="-128"/>
-            </a:endParaRPr>
-          </a:p>
-          <a:p>
-            <a:pPr eaLnBrk="1" hangingPunct="1">
-              <a:lnSpc>
-                <a:spcPct val="80000"/>
-              </a:lnSpc>
-              <a:spcBef>
-                <a:spcPct val="20000"/>
-              </a:spcBef>
-            </a:pPr>
-            <a:r>
-              <a:rPr lang="en-US" altLang="ja-JP" sz="1200" dirty="0">
-                <a:latin typeface="UD デジタル 教科書体 NP" panose="02020400000000000000" pitchFamily="18" charset="-128"/>
-                <a:ea typeface="UD デジタル 教科書体 NP" panose="02020400000000000000" pitchFamily="18" charset="-128"/>
-              </a:rPr>
-              <a:t>1</a:t>
-            </a:r>
-            <a:r>
-              <a:rPr lang="ja-JP" altLang="en-US" sz="1200" dirty="0">
-                <a:latin typeface="UD デジタル 教科書体 NP" panose="02020400000000000000" pitchFamily="18" charset="-128"/>
-                <a:ea typeface="UD デジタル 教科書体 NP" panose="02020400000000000000" pitchFamily="18" charset="-128"/>
-              </a:rPr>
-              <a:t>つは先述した競技者から受けた依頼の通りに走行体を走行させる「バーチャル運転手」、もう</a:t>
-            </a:r>
-            <a:r>
-              <a:rPr lang="en-US" altLang="ja-JP" sz="1200" dirty="0">
-                <a:latin typeface="UD デジタル 教科書体 NP" panose="02020400000000000000" pitchFamily="18" charset="-128"/>
-                <a:ea typeface="UD デジタル 教科書体 NP" panose="02020400000000000000" pitchFamily="18" charset="-128"/>
-              </a:rPr>
-              <a:t>1</a:t>
-            </a:r>
-            <a:r>
-              <a:rPr lang="ja-JP" altLang="en-US" sz="1200" dirty="0">
-                <a:latin typeface="UD デジタル 教科書体 NP" panose="02020400000000000000" pitchFamily="18" charset="-128"/>
-                <a:ea typeface="UD デジタル 教科書体 NP" panose="02020400000000000000" pitchFamily="18" charset="-128"/>
-              </a:rPr>
-              <a:t>つは走行体</a:t>
-            </a:r>
-            <a:endParaRPr lang="en-US" altLang="ja-JP" sz="1200" dirty="0">
-              <a:latin typeface="UD デジタル 教科書体 NP" panose="02020400000000000000" pitchFamily="18" charset="-128"/>
-              <a:ea typeface="UD デジタル 教科書体 NP" panose="02020400000000000000" pitchFamily="18" charset="-128"/>
-            </a:endParaRPr>
-          </a:p>
-          <a:p>
-            <a:pPr eaLnBrk="1" hangingPunct="1">
-              <a:lnSpc>
-                <a:spcPct val="80000"/>
-              </a:lnSpc>
-              <a:spcBef>
-                <a:spcPct val="20000"/>
-              </a:spcBef>
-            </a:pPr>
-            <a:r>
-              <a:rPr lang="ja-JP" altLang="en-US" sz="1200" dirty="0">
-                <a:latin typeface="UD デジタル 教科書体 NP" panose="02020400000000000000" pitchFamily="18" charset="-128"/>
-                <a:ea typeface="UD デジタル 教科書体 NP" panose="02020400000000000000" pitchFamily="18" charset="-128"/>
-              </a:rPr>
-              <a:t>自体の走行機能を提供する「走行システム」とする。</a:t>
-            </a:r>
-            <a:endParaRPr lang="en-US" altLang="ja-JP" sz="1200" dirty="0">
-              <a:latin typeface="UD デジタル 教科書体 NP" panose="02020400000000000000" pitchFamily="18" charset="-128"/>
-              <a:ea typeface="UD デジタル 教科書体 NP" panose="02020400000000000000" pitchFamily="18" charset="-128"/>
-            </a:endParaRPr>
-          </a:p>
-          <a:p>
-            <a:pPr eaLnBrk="1" hangingPunct="1">
-              <a:lnSpc>
-                <a:spcPct val="80000"/>
-              </a:lnSpc>
-              <a:spcBef>
-                <a:spcPct val="20000"/>
-              </a:spcBef>
-            </a:pPr>
-            <a:r>
-              <a:rPr lang="ja-JP" altLang="en-US" sz="1200" dirty="0">
-                <a:latin typeface="UD デジタル 教科書体 NP" panose="02020400000000000000" pitchFamily="18" charset="-128"/>
-                <a:ea typeface="UD デジタル 教科書体 NP" panose="02020400000000000000" pitchFamily="18" charset="-128"/>
-              </a:rPr>
-              <a:t>各サブシステムの</a:t>
-            </a:r>
-            <a:r>
-              <a:rPr lang="en-US" altLang="ja-JP" sz="1200" dirty="0">
-                <a:latin typeface="UD デジタル 教科書体 NP" panose="02020400000000000000" pitchFamily="18" charset="-128"/>
-                <a:ea typeface="UD デジタル 教科書体 NP" panose="02020400000000000000" pitchFamily="18" charset="-128"/>
-              </a:rPr>
-              <a:t>ID</a:t>
-            </a:r>
-            <a:r>
-              <a:rPr lang="ja-JP" altLang="en-US" sz="1200" dirty="0">
-                <a:latin typeface="UD デジタル 教科書体 NP" panose="02020400000000000000" pitchFamily="18" charset="-128"/>
-                <a:ea typeface="UD デジタル 教科書体 NP" panose="02020400000000000000" pitchFamily="18" charset="-128"/>
-              </a:rPr>
-              <a:t>として「バーチャル運転手」に対し「</a:t>
-            </a:r>
-            <a:r>
-              <a:rPr lang="en-US" altLang="ja-JP" sz="1200" dirty="0">
-                <a:latin typeface="UD デジタル 教科書体 NP" panose="02020400000000000000" pitchFamily="18" charset="-128"/>
-                <a:ea typeface="UD デジタル 教科書体 NP" panose="02020400000000000000" pitchFamily="18" charset="-128"/>
-              </a:rPr>
-              <a:t>VD</a:t>
-            </a:r>
-            <a:r>
-              <a:rPr lang="ja-JP" altLang="en-US" sz="1200" dirty="0">
-                <a:latin typeface="UD デジタル 教科書体 NP" panose="02020400000000000000" pitchFamily="18" charset="-128"/>
-                <a:ea typeface="UD デジタル 教科書体 NP" panose="02020400000000000000" pitchFamily="18" charset="-128"/>
-              </a:rPr>
-              <a:t>」、「走行システム」に対し「</a:t>
-            </a:r>
-            <a:r>
-              <a:rPr lang="en-US" altLang="ja-JP" sz="1200" dirty="0">
-                <a:latin typeface="UD デジタル 教科書体 NP" panose="02020400000000000000" pitchFamily="18" charset="-128"/>
-                <a:ea typeface="UD デジタル 教科書体 NP" panose="02020400000000000000" pitchFamily="18" charset="-128"/>
-              </a:rPr>
-              <a:t>DS</a:t>
-            </a:r>
-            <a:r>
-              <a:rPr lang="ja-JP" altLang="en-US" sz="1200" dirty="0">
-                <a:latin typeface="UD デジタル 教科書体 NP" panose="02020400000000000000" pitchFamily="18" charset="-128"/>
-                <a:ea typeface="UD デジタル 教科書体 NP" panose="02020400000000000000" pitchFamily="18" charset="-128"/>
-              </a:rPr>
-              <a:t>」を付与する。</a:t>
-            </a:r>
-            <a:endParaRPr lang="en-US" altLang="ja-JP" sz="1200" dirty="0">
-              <a:latin typeface="UD デジタル 教科書体 NP" panose="02020400000000000000" pitchFamily="18" charset="-128"/>
-              <a:ea typeface="UD デジタル 教科書体 NP" panose="02020400000000000000" pitchFamily="18" charset="-128"/>
-            </a:endParaRPr>
-          </a:p>
-          <a:p>
-            <a:pPr eaLnBrk="1" hangingPunct="1">
-              <a:lnSpc>
-                <a:spcPct val="80000"/>
-              </a:lnSpc>
-              <a:spcBef>
-                <a:spcPct val="20000"/>
-              </a:spcBef>
-            </a:pPr>
-            <a:r>
-              <a:rPr lang="ja-JP" altLang="en-US" sz="1200" dirty="0">
-                <a:latin typeface="UD デジタル 教科書体 NP" panose="02020400000000000000" pitchFamily="18" charset="-128"/>
-                <a:ea typeface="UD デジタル 教科書体 NP" panose="02020400000000000000" pitchFamily="18" charset="-128"/>
-              </a:rPr>
-              <a:t>ダブルループ攻略における各システムのユースケース分析を図</a:t>
-            </a:r>
-            <a:r>
-              <a:rPr lang="en-US" altLang="ja-JP" sz="1200" dirty="0">
-                <a:latin typeface="UD デジタル 教科書体 NP" panose="02020400000000000000" pitchFamily="18" charset="-128"/>
-                <a:ea typeface="UD デジタル 教科書体 NP" panose="02020400000000000000" pitchFamily="18" charset="-128"/>
-              </a:rPr>
-              <a:t>1.2</a:t>
-            </a:r>
-            <a:r>
-              <a:rPr lang="ja-JP" altLang="en-US" sz="1200" dirty="0">
-                <a:latin typeface="UD デジタル 教科書体 NP" panose="02020400000000000000" pitchFamily="18" charset="-128"/>
-                <a:ea typeface="UD デジタル 教科書体 NP" panose="02020400000000000000" pitchFamily="18" charset="-128"/>
-              </a:rPr>
-              <a:t>に、競技者から見たシステムの入り口となる</a:t>
-            </a:r>
-            <a:endParaRPr lang="en-US" altLang="ja-JP" sz="1200" dirty="0">
-              <a:latin typeface="UD デジタル 教科書体 NP" panose="02020400000000000000" pitchFamily="18" charset="-128"/>
-              <a:ea typeface="UD デジタル 教科書体 NP" panose="02020400000000000000" pitchFamily="18" charset="-128"/>
-            </a:endParaRPr>
-          </a:p>
-          <a:p>
-            <a:pPr eaLnBrk="1" hangingPunct="1">
-              <a:lnSpc>
-                <a:spcPct val="80000"/>
-              </a:lnSpc>
-              <a:spcBef>
-                <a:spcPct val="20000"/>
-              </a:spcBef>
-            </a:pPr>
-            <a:r>
-              <a:rPr lang="ja-JP" altLang="en-US" sz="1200" dirty="0">
-                <a:latin typeface="UD デジタル 教科書体 NP" panose="02020400000000000000" pitchFamily="18" charset="-128"/>
-                <a:ea typeface="UD デジタル 教科書体 NP" panose="02020400000000000000" pitchFamily="18" charset="-128"/>
-              </a:rPr>
-              <a:t>ユースケース「バーチャル運転手」の「ダブルループを攻略する」の表</a:t>
-            </a:r>
-            <a:r>
-              <a:rPr lang="en-US" altLang="ja-JP" sz="1200" dirty="0">
-                <a:latin typeface="UD デジタル 教科書体 NP" panose="02020400000000000000" pitchFamily="18" charset="-128"/>
-                <a:ea typeface="UD デジタル 教科書体 NP" panose="02020400000000000000" pitchFamily="18" charset="-128"/>
-              </a:rPr>
-              <a:t>1.1</a:t>
-            </a:r>
-            <a:r>
-              <a:rPr lang="ja-JP" altLang="en-US" sz="1200" dirty="0">
-                <a:latin typeface="UD デジタル 教科書体 NP" panose="02020400000000000000" pitchFamily="18" charset="-128"/>
-                <a:ea typeface="UD デジタル 教科書体 NP" panose="02020400000000000000" pitchFamily="18" charset="-128"/>
-              </a:rPr>
-              <a:t>に示す。</a:t>
-            </a:r>
-            <a:endParaRPr lang="en-US" altLang="ja-JP" sz="1200" dirty="0">
-              <a:latin typeface="UD デジタル 教科書体 NP" panose="02020400000000000000" pitchFamily="18" charset="-128"/>
-              <a:ea typeface="UD デジタル 教科書体 NP" panose="02020400000000000000" pitchFamily="18" charset="-128"/>
-            </a:endParaRPr>
-          </a:p>
-        </p:txBody>
-      </p:sp>
-      <p:sp>
-        <p:nvSpPr>
-          <p:cNvPr id="13" name="テキスト ボックス 12">
-            <a:extLst>
-              <a:ext uri="{FF2B5EF4-FFF2-40B4-BE49-F238E27FC236}">
-                <a16:creationId xmlns:a16="http://schemas.microsoft.com/office/drawing/2014/main" id="{81731CA3-517B-2FBA-E335-F9B8ED9FF651}"/>
-              </a:ext>
-            </a:extLst>
-          </p:cNvPr>
-          <p:cNvSpPr txBox="1"/>
-          <p:nvPr/>
-        </p:nvSpPr>
-        <p:spPr>
-          <a:xfrm>
-            <a:off x="6494388" y="3575112"/>
-            <a:ext cx="1567138" cy="284693"/>
-          </a:xfrm>
-          <a:prstGeom prst="rect">
-            <a:avLst/>
-          </a:prstGeom>
-          <a:noFill/>
-        </p:spPr>
-        <p:txBody>
-          <a:bodyPr wrap="square" rtlCol="0">
-            <a:spAutoFit/>
-          </a:bodyPr>
-          <a:lstStyle/>
-          <a:p>
-            <a:r>
-              <a:rPr kumimoji="1" lang="ja-JP" altLang="en-US" sz="1200" dirty="0">
-                <a:latin typeface="BIZ UDPゴシック" panose="020B0400000000000000" pitchFamily="50" charset="-128"/>
-                <a:ea typeface="BIZ UDPゴシック" panose="020B0400000000000000" pitchFamily="50" charset="-128"/>
-              </a:rPr>
-              <a:t>図</a:t>
-            </a:r>
-            <a:r>
-              <a:rPr kumimoji="1" lang="en-US" altLang="ja-JP" sz="1200" dirty="0">
-                <a:latin typeface="BIZ UDPゴシック" panose="020B0400000000000000" pitchFamily="50" charset="-128"/>
-                <a:ea typeface="BIZ UDPゴシック" panose="020B0400000000000000" pitchFamily="50" charset="-128"/>
-              </a:rPr>
-              <a:t>1.1 </a:t>
-            </a:r>
-            <a:r>
-              <a:rPr kumimoji="1" lang="ja-JP" altLang="en-US" sz="1200" dirty="0">
-                <a:latin typeface="BIZ UDPゴシック" panose="020B0400000000000000" pitchFamily="50" charset="-128"/>
-                <a:ea typeface="BIZ UDPゴシック" panose="020B0400000000000000" pitchFamily="50" charset="-128"/>
-              </a:rPr>
-              <a:t>走行イメージ</a:t>
-            </a:r>
-          </a:p>
-        </p:txBody>
-      </p:sp>
-      <p:sp>
-        <p:nvSpPr>
-          <p:cNvPr id="38" name="テキスト ボックス 37">
-            <a:extLst>
-              <a:ext uri="{FF2B5EF4-FFF2-40B4-BE49-F238E27FC236}">
-                <a16:creationId xmlns:a16="http://schemas.microsoft.com/office/drawing/2014/main" id="{CEA6922C-B158-5BCB-3136-8CE64D9DD0DB}"/>
-              </a:ext>
-            </a:extLst>
-          </p:cNvPr>
-          <p:cNvSpPr txBox="1"/>
-          <p:nvPr/>
-        </p:nvSpPr>
-        <p:spPr>
-          <a:xfrm>
-            <a:off x="11281703" y="10344938"/>
-            <a:ext cx="3766804" cy="284693"/>
-          </a:xfrm>
-          <a:prstGeom prst="rect">
-            <a:avLst/>
-          </a:prstGeom>
-          <a:noFill/>
-        </p:spPr>
-        <p:txBody>
-          <a:bodyPr wrap="square" rtlCol="0">
-            <a:spAutoFit/>
-          </a:bodyPr>
-          <a:lstStyle/>
-          <a:p>
-            <a:r>
-              <a:rPr lang="ja-JP" altLang="en-US" sz="1250" dirty="0">
-                <a:latin typeface="BIZ UDPゴシック" panose="020B0400000000000000" pitchFamily="50" charset="-128"/>
-                <a:ea typeface="BIZ UDPゴシック" panose="020B0400000000000000" pitchFamily="50" charset="-128"/>
-              </a:rPr>
-              <a:t>図</a:t>
-            </a:r>
-            <a:r>
-              <a:rPr kumimoji="1" lang="en-US" altLang="ja-JP" sz="1250" dirty="0">
-                <a:latin typeface="BIZ UDPゴシック" panose="020B0400000000000000" pitchFamily="50" charset="-128"/>
-                <a:ea typeface="BIZ UDPゴシック" panose="020B0400000000000000" pitchFamily="50" charset="-128"/>
-              </a:rPr>
-              <a:t>1.4</a:t>
-            </a:r>
-            <a:r>
-              <a:rPr lang="en-US" altLang="ja-JP" sz="1250" dirty="0">
-                <a:latin typeface="BIZ UDPゴシック" panose="020B0400000000000000" pitchFamily="50" charset="-128"/>
-                <a:ea typeface="BIZ UDPゴシック" panose="020B0400000000000000" pitchFamily="50" charset="-128"/>
-              </a:rPr>
-              <a:t> </a:t>
-            </a:r>
-            <a:r>
-              <a:rPr lang="ja-JP" altLang="en-US" sz="1250" dirty="0">
-                <a:latin typeface="BIZ UDPゴシック" panose="020B0400000000000000" pitchFamily="50" charset="-128"/>
-                <a:ea typeface="BIZ UDPゴシック" panose="020B0400000000000000" pitchFamily="50" charset="-128"/>
-              </a:rPr>
-              <a:t>ダブルループ攻略の流れ</a:t>
-            </a:r>
-            <a:r>
-              <a:rPr lang="en-US" altLang="ja-JP" sz="1250" dirty="0">
-                <a:latin typeface="BIZ UDPゴシック" panose="020B0400000000000000" pitchFamily="50" charset="-128"/>
-                <a:ea typeface="BIZ UDPゴシック" panose="020B0400000000000000" pitchFamily="50" charset="-128"/>
-              </a:rPr>
-              <a:t>(</a:t>
-            </a:r>
-            <a:r>
-              <a:rPr lang="ja-JP" altLang="en-US" sz="1250" dirty="0">
-                <a:latin typeface="BIZ UDPゴシック" panose="020B0400000000000000" pitchFamily="50" charset="-128"/>
-                <a:ea typeface="BIZ UDPゴシック" panose="020B0400000000000000" pitchFamily="50" charset="-128"/>
-              </a:rPr>
-              <a:t>アクティビティ図</a:t>
-            </a:r>
-            <a:r>
-              <a:rPr lang="en-US" altLang="ja-JP" sz="1250" dirty="0">
-                <a:latin typeface="BIZ UDPゴシック" panose="020B0400000000000000" pitchFamily="50" charset="-128"/>
-                <a:ea typeface="BIZ UDPゴシック" panose="020B0400000000000000" pitchFamily="50" charset="-128"/>
-              </a:rPr>
-              <a:t>)</a:t>
-            </a:r>
-            <a:endParaRPr kumimoji="1" lang="ja-JP" altLang="en-US" sz="1200" dirty="0">
-              <a:latin typeface="BIZ UDPゴシック" panose="020B0400000000000000" pitchFamily="50" charset="-128"/>
-              <a:ea typeface="BIZ UDPゴシック" panose="020B0400000000000000" pitchFamily="50" charset="-128"/>
-            </a:endParaRPr>
-          </a:p>
-        </p:txBody>
-      </p:sp>
-      <p:pic>
-        <p:nvPicPr>
-          <p:cNvPr id="43" name="図 42">
-            <a:extLst>
-              <a:ext uri="{FF2B5EF4-FFF2-40B4-BE49-F238E27FC236}">
-                <a16:creationId xmlns:a16="http://schemas.microsoft.com/office/drawing/2014/main" id="{36AD90E0-84F5-7312-6E5A-A0B82E18F1FA}"/>
-              </a:ext>
-            </a:extLst>
-          </p:cNvPr>
-          <p:cNvPicPr>
-            <a:picLocks noChangeAspect="1"/>
-          </p:cNvPicPr>
-          <p:nvPr/>
-        </p:nvPicPr>
-        <p:blipFill>
-          <a:blip r:embed="rId9"/>
-          <a:stretch>
-            <a:fillRect/>
-          </a:stretch>
-        </p:blipFill>
-        <p:spPr>
-          <a:xfrm>
-            <a:off x="6119424" y="1855418"/>
-            <a:ext cx="1958754" cy="1726226"/>
-          </a:xfrm>
-          <a:prstGeom prst="rect">
-            <a:avLst/>
-          </a:prstGeom>
-        </p:spPr>
-      </p:pic>
-      <p:sp>
-        <p:nvSpPr>
-          <p:cNvPr id="4" name="テキスト ボックス 3">
-            <a:extLst>
-              <a:ext uri="{FF2B5EF4-FFF2-40B4-BE49-F238E27FC236}">
-                <a16:creationId xmlns:a16="http://schemas.microsoft.com/office/drawing/2014/main" id="{B2CED557-90FC-4AAA-E417-5F33110243FF}"/>
-              </a:ext>
-            </a:extLst>
-          </p:cNvPr>
-          <p:cNvSpPr txBox="1"/>
-          <p:nvPr/>
-        </p:nvSpPr>
-        <p:spPr>
-          <a:xfrm>
-            <a:off x="2273717" y="10363796"/>
-            <a:ext cx="3329790" cy="276999"/>
-          </a:xfrm>
-          <a:prstGeom prst="rect">
-            <a:avLst/>
-          </a:prstGeom>
-          <a:noFill/>
-        </p:spPr>
-        <p:txBody>
-          <a:bodyPr wrap="square" rtlCol="0">
-            <a:spAutoFit/>
-          </a:bodyPr>
-          <a:lstStyle/>
-          <a:p>
-            <a:r>
-              <a:rPr kumimoji="1" lang="ja-JP" altLang="en-US" sz="1200" dirty="0">
-                <a:latin typeface="BIZ UDPゴシック" panose="020B0400000000000000" pitchFamily="50" charset="-128"/>
-                <a:ea typeface="BIZ UDPゴシック" panose="020B0400000000000000" pitchFamily="50" charset="-128"/>
-              </a:rPr>
-              <a:t>図</a:t>
-            </a:r>
-            <a:r>
-              <a:rPr kumimoji="1" lang="en-US" altLang="ja-JP" sz="1200" dirty="0">
-                <a:latin typeface="BIZ UDPゴシック" panose="020B0400000000000000" pitchFamily="50" charset="-128"/>
-                <a:ea typeface="BIZ UDPゴシック" panose="020B0400000000000000" pitchFamily="50" charset="-128"/>
-              </a:rPr>
-              <a:t>1.2 </a:t>
-            </a:r>
-            <a:r>
-              <a:rPr lang="ja-JP" altLang="en-US" sz="1200" dirty="0">
-                <a:latin typeface="BIZ UDPゴシック" panose="020B0400000000000000" pitchFamily="50" charset="-128"/>
-                <a:ea typeface="BIZ UDPゴシック" panose="020B0400000000000000" pitchFamily="50" charset="-128"/>
-              </a:rPr>
-              <a:t>ダブルループ攻略</a:t>
-            </a:r>
-            <a:r>
-              <a:rPr lang="en-US" altLang="ja-JP" sz="1200" dirty="0">
-                <a:latin typeface="BIZ UDPゴシック" panose="020B0400000000000000" pitchFamily="50" charset="-128"/>
-                <a:ea typeface="BIZ UDPゴシック" panose="020B0400000000000000" pitchFamily="50" charset="-128"/>
-              </a:rPr>
-              <a:t>(</a:t>
-            </a:r>
-            <a:r>
-              <a:rPr lang="ja-JP" altLang="en-US" sz="1200" dirty="0">
-                <a:latin typeface="BIZ UDPゴシック" panose="020B0400000000000000" pitchFamily="50" charset="-128"/>
-                <a:ea typeface="BIZ UDPゴシック" panose="020B0400000000000000" pitchFamily="50" charset="-128"/>
-              </a:rPr>
-              <a:t>ミスユースケース図</a:t>
-            </a:r>
-            <a:r>
-              <a:rPr lang="en-US" altLang="ja-JP" sz="1200" dirty="0">
-                <a:latin typeface="BIZ UDPゴシック" panose="020B0400000000000000" pitchFamily="50" charset="-128"/>
-                <a:ea typeface="BIZ UDPゴシック" panose="020B0400000000000000" pitchFamily="50" charset="-128"/>
-              </a:rPr>
-              <a:t>)</a:t>
-            </a:r>
-            <a:endParaRPr kumimoji="1" lang="ja-JP" altLang="en-US" sz="1200" dirty="0">
-              <a:latin typeface="BIZ UDPゴシック" panose="020B0400000000000000" pitchFamily="50" charset="-128"/>
-              <a:ea typeface="BIZ UDPゴシック" panose="020B0400000000000000" pitchFamily="50" charset="-128"/>
-            </a:endParaRPr>
-          </a:p>
-        </p:txBody>
-      </p:sp>
-      <p:sp>
-        <p:nvSpPr>
-          <p:cNvPr id="8" name="テキスト ボックス 7">
-            <a:extLst>
-              <a:ext uri="{FF2B5EF4-FFF2-40B4-BE49-F238E27FC236}">
-                <a16:creationId xmlns:a16="http://schemas.microsoft.com/office/drawing/2014/main" id="{967E377B-E9F9-069E-0A68-5F0626603D6D}"/>
-              </a:ext>
-            </a:extLst>
-          </p:cNvPr>
-          <p:cNvSpPr txBox="1"/>
-          <p:nvPr/>
-        </p:nvSpPr>
-        <p:spPr>
-          <a:xfrm>
-            <a:off x="7775699" y="4049762"/>
-            <a:ext cx="3329790" cy="461665"/>
-          </a:xfrm>
-          <a:prstGeom prst="rect">
-            <a:avLst/>
-          </a:prstGeom>
-          <a:noFill/>
-        </p:spPr>
-        <p:txBody>
-          <a:bodyPr wrap="square" rtlCol="0">
-            <a:spAutoFit/>
-          </a:bodyPr>
-          <a:lstStyle/>
-          <a:p>
-            <a:pPr algn="ctr"/>
-            <a:r>
-              <a:rPr lang="ja-JP" altLang="en-US" sz="1200" dirty="0">
-                <a:latin typeface="BIZ UDPゴシック" panose="020B0400000000000000" pitchFamily="50" charset="-128"/>
-                <a:ea typeface="BIZ UDPゴシック" panose="020B0400000000000000" pitchFamily="50" charset="-128"/>
-              </a:rPr>
-              <a:t>表</a:t>
-            </a:r>
-            <a:r>
-              <a:rPr kumimoji="1" lang="en-US" altLang="ja-JP" sz="1200" dirty="0">
-                <a:latin typeface="BIZ UDPゴシック" panose="020B0400000000000000" pitchFamily="50" charset="-128"/>
-                <a:ea typeface="BIZ UDPゴシック" panose="020B0400000000000000" pitchFamily="50" charset="-128"/>
-              </a:rPr>
-              <a:t>1.</a:t>
-            </a:r>
-            <a:r>
-              <a:rPr lang="en-US" altLang="ja-JP" sz="1200" dirty="0">
-                <a:latin typeface="BIZ UDPゴシック" panose="020B0400000000000000" pitchFamily="50" charset="-128"/>
-                <a:ea typeface="BIZ UDPゴシック" panose="020B0400000000000000" pitchFamily="50" charset="-128"/>
-              </a:rPr>
-              <a:t>1</a:t>
-            </a:r>
-            <a:r>
-              <a:rPr kumimoji="1" lang="en-US" altLang="ja-JP" sz="1200" dirty="0">
-                <a:latin typeface="BIZ UDPゴシック" panose="020B0400000000000000" pitchFamily="50" charset="-128"/>
-                <a:ea typeface="BIZ UDPゴシック" panose="020B0400000000000000" pitchFamily="50" charset="-128"/>
-              </a:rPr>
-              <a:t> [UC_VD_001</a:t>
-            </a:r>
-            <a:r>
-              <a:rPr lang="en-US" altLang="ja-JP" sz="1200" dirty="0">
-                <a:latin typeface="BIZ UDPゴシック" panose="020B0400000000000000" pitchFamily="50" charset="-128"/>
-                <a:ea typeface="BIZ UDPゴシック" panose="020B0400000000000000" pitchFamily="50" charset="-128"/>
-              </a:rPr>
-              <a:t>]</a:t>
-            </a:r>
-            <a:r>
-              <a:rPr lang="ja-JP" altLang="en-US" sz="1200" dirty="0">
-                <a:latin typeface="BIZ UDPゴシック" panose="020B0400000000000000" pitchFamily="50" charset="-128"/>
-                <a:ea typeface="BIZ UDPゴシック" panose="020B0400000000000000" pitchFamily="50" charset="-128"/>
-              </a:rPr>
-              <a:t>ダブルループを攻略する</a:t>
-            </a:r>
-            <a:endParaRPr lang="en-US" altLang="ja-JP" sz="1200" dirty="0">
-              <a:latin typeface="BIZ UDPゴシック" panose="020B0400000000000000" pitchFamily="50" charset="-128"/>
-              <a:ea typeface="BIZ UDPゴシック" panose="020B0400000000000000" pitchFamily="50" charset="-128"/>
-            </a:endParaRPr>
-          </a:p>
-          <a:p>
-            <a:pPr algn="ctr"/>
-            <a:r>
-              <a:rPr kumimoji="1" lang="en-US" altLang="ja-JP" sz="1200" dirty="0">
-                <a:latin typeface="BIZ UDPゴシック" panose="020B0400000000000000" pitchFamily="50" charset="-128"/>
-                <a:ea typeface="BIZ UDPゴシック" panose="020B0400000000000000" pitchFamily="50" charset="-128"/>
-              </a:rPr>
-              <a:t>(</a:t>
-            </a:r>
-            <a:r>
-              <a:rPr kumimoji="1" lang="ja-JP" altLang="en-US" sz="1200" dirty="0">
-                <a:latin typeface="BIZ UDPゴシック" panose="020B0400000000000000" pitchFamily="50" charset="-128"/>
-                <a:ea typeface="BIZ UDPゴシック" panose="020B0400000000000000" pitchFamily="50" charset="-128"/>
-              </a:rPr>
-              <a:t>ユースケース記述</a:t>
-            </a:r>
-            <a:r>
-              <a:rPr kumimoji="1" lang="en-US" altLang="ja-JP" sz="1200" dirty="0">
-                <a:latin typeface="BIZ UDPゴシック" panose="020B0400000000000000" pitchFamily="50" charset="-128"/>
-                <a:ea typeface="BIZ UDPゴシック" panose="020B0400000000000000" pitchFamily="50" charset="-128"/>
-              </a:rPr>
-              <a:t>)</a:t>
-            </a:r>
-            <a:endParaRPr kumimoji="1" lang="ja-JP" altLang="en-US" sz="1200" dirty="0">
-              <a:latin typeface="BIZ UDPゴシック" panose="020B0400000000000000" pitchFamily="50" charset="-128"/>
-              <a:ea typeface="BIZ UDPゴシック" panose="020B0400000000000000" pitchFamily="50" charset="-128"/>
-            </a:endParaRPr>
-          </a:p>
-        </p:txBody>
-      </p:sp>
-      <p:pic>
-        <p:nvPicPr>
-          <p:cNvPr id="14" name="図 13">
-            <a:extLst>
-              <a:ext uri="{FF2B5EF4-FFF2-40B4-BE49-F238E27FC236}">
-                <a16:creationId xmlns:a16="http://schemas.microsoft.com/office/drawing/2014/main" id="{13D1BFA0-2530-CB44-0271-42D33AEBEAA2}"/>
-              </a:ext>
-            </a:extLst>
-          </p:cNvPr>
-          <p:cNvPicPr>
-            <a:picLocks noChangeAspect="1"/>
-          </p:cNvPicPr>
-          <p:nvPr/>
-        </p:nvPicPr>
-        <p:blipFill>
-          <a:blip r:embed="rId10"/>
-          <a:stretch>
-            <a:fillRect/>
-          </a:stretch>
-        </p:blipFill>
-        <p:spPr>
-          <a:xfrm>
-            <a:off x="8514879" y="2745718"/>
-            <a:ext cx="2429172" cy="1225729"/>
-          </a:xfrm>
-          <a:prstGeom prst="rect">
-            <a:avLst/>
-          </a:prstGeom>
-        </p:spPr>
-      </p:pic>
-      <p:pic>
-        <p:nvPicPr>
-          <p:cNvPr id="19" name="図 18">
-            <a:extLst>
-              <a:ext uri="{FF2B5EF4-FFF2-40B4-BE49-F238E27FC236}">
-                <a16:creationId xmlns:a16="http://schemas.microsoft.com/office/drawing/2014/main" id="{8D0A7F59-A295-98CD-394C-CF32C09B7310}"/>
-              </a:ext>
-            </a:extLst>
-          </p:cNvPr>
-          <p:cNvPicPr>
-            <a:picLocks noChangeAspect="1"/>
-          </p:cNvPicPr>
-          <p:nvPr/>
-        </p:nvPicPr>
-        <p:blipFill>
-          <a:blip r:embed="rId11"/>
-          <a:stretch>
-            <a:fillRect/>
-          </a:stretch>
-        </p:blipFill>
-        <p:spPr>
-          <a:xfrm>
-            <a:off x="11222258" y="665746"/>
-            <a:ext cx="3714444" cy="3113235"/>
-          </a:xfrm>
-          <a:prstGeom prst="rect">
-            <a:avLst/>
-          </a:prstGeom>
-        </p:spPr>
-      </p:pic>
-      <p:sp>
-        <p:nvSpPr>
-          <p:cNvPr id="20" name="テキスト ボックス 19">
-            <a:extLst>
-              <a:ext uri="{FF2B5EF4-FFF2-40B4-BE49-F238E27FC236}">
-                <a16:creationId xmlns:a16="http://schemas.microsoft.com/office/drawing/2014/main" id="{F6B000CE-6E3F-22FC-7839-CBEE0826B8AA}"/>
-              </a:ext>
-            </a:extLst>
-          </p:cNvPr>
-          <p:cNvSpPr txBox="1"/>
-          <p:nvPr/>
-        </p:nvSpPr>
-        <p:spPr>
-          <a:xfrm>
-            <a:off x="8046309" y="2523973"/>
-            <a:ext cx="3329790" cy="276999"/>
-          </a:xfrm>
-          <a:prstGeom prst="rect">
-            <a:avLst/>
-          </a:prstGeom>
-          <a:noFill/>
-        </p:spPr>
-        <p:txBody>
-          <a:bodyPr wrap="square" rtlCol="0">
-            <a:spAutoFit/>
-          </a:bodyPr>
-          <a:lstStyle/>
-          <a:p>
-            <a:pPr algn="ctr"/>
-            <a:r>
-              <a:rPr lang="ja-JP" altLang="en-US" sz="1200" dirty="0">
-                <a:latin typeface="BIZ UDPゴシック" panose="020B0400000000000000" pitchFamily="50" charset="-128"/>
-                <a:ea typeface="BIZ UDPゴシック" panose="020B0400000000000000" pitchFamily="50" charset="-128"/>
-              </a:rPr>
-              <a:t>表</a:t>
-            </a:r>
-            <a:r>
-              <a:rPr kumimoji="1" lang="en-US" altLang="ja-JP" sz="1200" dirty="0">
-                <a:latin typeface="BIZ UDPゴシック" panose="020B0400000000000000" pitchFamily="50" charset="-128"/>
-                <a:ea typeface="BIZ UDPゴシック" panose="020B0400000000000000" pitchFamily="50" charset="-128"/>
-              </a:rPr>
-              <a:t>1.2 </a:t>
-            </a:r>
-            <a:r>
-              <a:rPr kumimoji="1" lang="ja-JP" altLang="en-US" sz="1200" dirty="0">
-                <a:latin typeface="BIZ UDPゴシック" panose="020B0400000000000000" pitchFamily="50" charset="-128"/>
-                <a:ea typeface="BIZ UDPゴシック" panose="020B0400000000000000" pitchFamily="50" charset="-128"/>
-              </a:rPr>
-              <a:t>ダブルループの</a:t>
-            </a:r>
-            <a:r>
-              <a:rPr lang="ja-JP" altLang="en-US" sz="1200" dirty="0">
-                <a:latin typeface="BIZ UDPゴシック" panose="020B0400000000000000" pitchFamily="50" charset="-128"/>
-                <a:ea typeface="BIZ UDPゴシック" panose="020B0400000000000000" pitchFamily="50" charset="-128"/>
-              </a:rPr>
-              <a:t>マップ情報</a:t>
-            </a:r>
-            <a:endParaRPr kumimoji="1" lang="ja-JP" altLang="en-US" sz="1200" dirty="0">
-              <a:latin typeface="BIZ UDPゴシック" panose="020B0400000000000000" pitchFamily="50" charset="-128"/>
-              <a:ea typeface="BIZ UDPゴシック" panose="020B0400000000000000" pitchFamily="50" charset="-128"/>
-            </a:endParaRPr>
-          </a:p>
-        </p:txBody>
-      </p:sp>
-      <p:sp>
-        <p:nvSpPr>
-          <p:cNvPr id="23" name="テキスト ボックス 22">
-            <a:extLst>
-              <a:ext uri="{FF2B5EF4-FFF2-40B4-BE49-F238E27FC236}">
-                <a16:creationId xmlns:a16="http://schemas.microsoft.com/office/drawing/2014/main" id="{9CDC1353-9A1E-5A50-6F1F-871C81B46E15}"/>
-              </a:ext>
-            </a:extLst>
-          </p:cNvPr>
-          <p:cNvSpPr txBox="1"/>
-          <p:nvPr/>
-        </p:nvSpPr>
-        <p:spPr>
-          <a:xfrm>
-            <a:off x="11606912" y="3686491"/>
-            <a:ext cx="3329790" cy="276999"/>
-          </a:xfrm>
-          <a:prstGeom prst="rect">
-            <a:avLst/>
-          </a:prstGeom>
-          <a:noFill/>
-        </p:spPr>
-        <p:txBody>
-          <a:bodyPr wrap="square" rtlCol="0">
-            <a:spAutoFit/>
-          </a:bodyPr>
-          <a:lstStyle/>
-          <a:p>
-            <a:pPr algn="ctr"/>
-            <a:r>
-              <a:rPr kumimoji="1" lang="ja-JP" altLang="en-US" sz="1200" dirty="0">
-                <a:latin typeface="BIZ UDPゴシック" panose="020B0400000000000000" pitchFamily="50" charset="-128"/>
-                <a:ea typeface="BIZ UDPゴシック" panose="020B0400000000000000" pitchFamily="50" charset="-128"/>
-              </a:rPr>
-              <a:t>図</a:t>
-            </a:r>
-            <a:r>
-              <a:rPr kumimoji="1" lang="en-US" altLang="ja-JP" sz="1200" dirty="0">
-                <a:latin typeface="BIZ UDPゴシック" panose="020B0400000000000000" pitchFamily="50" charset="-128"/>
-                <a:ea typeface="BIZ UDPゴシック" panose="020B0400000000000000" pitchFamily="50" charset="-128"/>
-              </a:rPr>
-              <a:t>1.3 </a:t>
-            </a:r>
-            <a:r>
-              <a:rPr kumimoji="1" lang="ja-JP" altLang="en-US" sz="1200" dirty="0">
-                <a:latin typeface="BIZ UDPゴシック" panose="020B0400000000000000" pitchFamily="50" charset="-128"/>
-                <a:ea typeface="BIZ UDPゴシック" panose="020B0400000000000000" pitchFamily="50" charset="-128"/>
-              </a:rPr>
-              <a:t>ダブルループの</a:t>
-            </a:r>
-            <a:r>
-              <a:rPr lang="ja-JP" altLang="en-US" sz="1200" dirty="0">
-                <a:latin typeface="BIZ UDPゴシック" panose="020B0400000000000000" pitchFamily="50" charset="-128"/>
-                <a:ea typeface="BIZ UDPゴシック" panose="020B0400000000000000" pitchFamily="50" charset="-128"/>
-              </a:rPr>
-              <a:t>マップ情報</a:t>
-            </a:r>
-            <a:endParaRPr kumimoji="1" lang="ja-JP" altLang="en-US" sz="1200" dirty="0">
-              <a:latin typeface="BIZ UDPゴシック" panose="020B0400000000000000" pitchFamily="50" charset="-128"/>
-              <a:ea typeface="BIZ UDPゴシック" panose="020B0400000000000000" pitchFamily="50" charset="-128"/>
-            </a:endParaRPr>
-          </a:p>
-        </p:txBody>
-      </p:sp>
-      <p:pic>
-        <p:nvPicPr>
-          <p:cNvPr id="3" name="図 2">
-            <a:extLst>
-              <a:ext uri="{FF2B5EF4-FFF2-40B4-BE49-F238E27FC236}">
-                <a16:creationId xmlns:a16="http://schemas.microsoft.com/office/drawing/2014/main" id="{58B5AEBA-4708-E887-C34E-8B4209CFCCA7}"/>
-              </a:ext>
-            </a:extLst>
-          </p:cNvPr>
-          <p:cNvPicPr>
-            <a:picLocks noChangeAspect="1"/>
-          </p:cNvPicPr>
-          <p:nvPr/>
-        </p:nvPicPr>
-        <p:blipFill>
-          <a:blip r:embed="rId12"/>
-          <a:stretch>
-            <a:fillRect/>
-          </a:stretch>
-        </p:blipFill>
-        <p:spPr>
-          <a:xfrm>
-            <a:off x="7797558" y="4482454"/>
-            <a:ext cx="3218501" cy="6111633"/>
-          </a:xfrm>
-          <a:prstGeom prst="rect">
-            <a:avLst/>
-          </a:prstGeom>
-        </p:spPr>
-      </p:pic>
-      <p:pic>
-        <p:nvPicPr>
-          <p:cNvPr id="34" name="図 33">
-            <a:extLst>
-              <a:ext uri="{FF2B5EF4-FFF2-40B4-BE49-F238E27FC236}">
-                <a16:creationId xmlns:a16="http://schemas.microsoft.com/office/drawing/2014/main" id="{166487EB-CDD6-70AA-FF8A-A9AE26F2AA5F}"/>
-              </a:ext>
-            </a:extLst>
-          </p:cNvPr>
-          <p:cNvPicPr>
-            <a:picLocks noChangeAspect="1"/>
-          </p:cNvPicPr>
-          <p:nvPr/>
-        </p:nvPicPr>
-        <p:blipFill>
-          <a:blip r:embed="rId13"/>
-          <a:stretch>
-            <a:fillRect/>
-          </a:stretch>
-        </p:blipFill>
-        <p:spPr>
-          <a:xfrm>
-            <a:off x="11160075" y="4049762"/>
-            <a:ext cx="3808589" cy="6335079"/>
-          </a:xfrm>
-          <a:prstGeom prst="rect">
-            <a:avLst/>
-          </a:prstGeom>
-        </p:spPr>
-      </p:pic>
-      <p:pic>
-        <p:nvPicPr>
-          <p:cNvPr id="36" name="図 35">
-            <a:extLst>
-              <a:ext uri="{FF2B5EF4-FFF2-40B4-BE49-F238E27FC236}">
-                <a16:creationId xmlns:a16="http://schemas.microsoft.com/office/drawing/2014/main" id="{E5384C7E-B946-DCD9-98A0-381BBACD8591}"/>
-              </a:ext>
-            </a:extLst>
-          </p:cNvPr>
-          <p:cNvPicPr>
-            <a:picLocks noChangeAspect="1"/>
-          </p:cNvPicPr>
-          <p:nvPr/>
-        </p:nvPicPr>
-        <p:blipFill>
-          <a:blip r:embed="rId14"/>
-          <a:stretch>
-            <a:fillRect/>
-          </a:stretch>
-        </p:blipFill>
-        <p:spPr>
-          <a:xfrm>
-            <a:off x="350860" y="5350204"/>
-            <a:ext cx="7208815" cy="5083710"/>
-          </a:xfrm>
-          <a:prstGeom prst="rect">
-            <a:avLst/>
-          </a:prstGeom>
-        </p:spPr>
-      </p:pic>
-    </p:spTree>
-    <p:extLst>
-      <p:ext uri="{BB962C8B-B14F-4D97-AF65-F5344CB8AC3E}">
-        <p14:creationId xmlns:p14="http://schemas.microsoft.com/office/powerpoint/2010/main" val="482023647"/>
-      </p:ext>
-    </p:extLst>
-  </p:cSld>
-  <p:clrMapOvr>
-    <a:masterClrMapping/>
-  </p:clrMapOvr>
-</p:sld>
-</file>
-
-<file path=ppt/slides/slide6.xml><?xml version="1.0" encoding="utf-8"?>
 <p:sld xmlns:a="http://schemas.openxmlformats.org/drawingml/2006/main" xmlns:r="http://schemas.openxmlformats.org/officeDocument/2006/relationships" xmlns:p="http://schemas.openxmlformats.org/presentationml/2006/main">
   <p:cSld>
     <p:spTree>
